--- a/images/theory_analysis/OpenStack_Octavia/OpenStack_Octavia.pptx
+++ b/images/theory_analysis/OpenStack_Octavia/OpenStack_Octavia.pptx
@@ -215,7 +215,7 @@
           <a:p>
             <a:fld id="{6CD5550B-26C4-49A9-A5BA-636EF7BE6CE9}" type="datetimeFigureOut">
               <a:rPr lang="ko-KR" altLang="en-US" smtClean="0"/>
-              <a:t>2020-03-27</a:t>
+              <a:t>2020-03-28</a:t>
             </a:fld>
             <a:endParaRPr lang="ko-KR" altLang="en-US"/>
           </a:p>
@@ -829,7 +829,7 @@
           <a:p>
             <a:fld id="{FB30EDBD-1C2D-4C1E-B459-B60219FAB484}" type="datetimeFigureOut">
               <a:rPr lang="ko-KR" altLang="en-US" smtClean="0"/>
-              <a:t>2020-03-27</a:t>
+              <a:t>2020-03-28</a:t>
             </a:fld>
             <a:endParaRPr lang="ko-KR" altLang="en-US"/>
           </a:p>
@@ -992,7 +992,7 @@
           <a:p>
             <a:fld id="{FB30EDBD-1C2D-4C1E-B459-B60219FAB484}" type="datetimeFigureOut">
               <a:rPr lang="ko-KR" altLang="en-US" smtClean="0"/>
-              <a:t>2020-03-27</a:t>
+              <a:t>2020-03-28</a:t>
             </a:fld>
             <a:endParaRPr lang="ko-KR" altLang="en-US"/>
           </a:p>
@@ -1165,7 +1165,7 @@
           <a:p>
             <a:fld id="{FB30EDBD-1C2D-4C1E-B459-B60219FAB484}" type="datetimeFigureOut">
               <a:rPr lang="ko-KR" altLang="en-US" smtClean="0"/>
-              <a:t>2020-03-27</a:t>
+              <a:t>2020-03-28</a:t>
             </a:fld>
             <a:endParaRPr lang="ko-KR" altLang="en-US"/>
           </a:p>
@@ -1328,7 +1328,7 @@
           <a:p>
             <a:fld id="{FB30EDBD-1C2D-4C1E-B459-B60219FAB484}" type="datetimeFigureOut">
               <a:rPr lang="ko-KR" altLang="en-US" smtClean="0"/>
-              <a:t>2020-03-27</a:t>
+              <a:t>2020-03-28</a:t>
             </a:fld>
             <a:endParaRPr lang="ko-KR" altLang="en-US"/>
           </a:p>
@@ -1568,7 +1568,7 @@
           <a:p>
             <a:fld id="{FB30EDBD-1C2D-4C1E-B459-B60219FAB484}" type="datetimeFigureOut">
               <a:rPr lang="ko-KR" altLang="en-US" smtClean="0"/>
-              <a:t>2020-03-27</a:t>
+              <a:t>2020-03-28</a:t>
             </a:fld>
             <a:endParaRPr lang="ko-KR" altLang="en-US"/>
           </a:p>
@@ -1848,7 +1848,7 @@
           <a:p>
             <a:fld id="{FB30EDBD-1C2D-4C1E-B459-B60219FAB484}" type="datetimeFigureOut">
               <a:rPr lang="ko-KR" altLang="en-US" smtClean="0"/>
-              <a:t>2020-03-27</a:t>
+              <a:t>2020-03-28</a:t>
             </a:fld>
             <a:endParaRPr lang="ko-KR" altLang="en-US"/>
           </a:p>
@@ -2262,7 +2262,7 @@
           <a:p>
             <a:fld id="{FB30EDBD-1C2D-4C1E-B459-B60219FAB484}" type="datetimeFigureOut">
               <a:rPr lang="ko-KR" altLang="en-US" smtClean="0"/>
-              <a:t>2020-03-27</a:t>
+              <a:t>2020-03-28</a:t>
             </a:fld>
             <a:endParaRPr lang="ko-KR" altLang="en-US"/>
           </a:p>
@@ -2374,7 +2374,7 @@
           <a:p>
             <a:fld id="{FB30EDBD-1C2D-4C1E-B459-B60219FAB484}" type="datetimeFigureOut">
               <a:rPr lang="ko-KR" altLang="en-US" smtClean="0"/>
-              <a:t>2020-03-27</a:t>
+              <a:t>2020-03-28</a:t>
             </a:fld>
             <a:endParaRPr lang="ko-KR" altLang="en-US"/>
           </a:p>
@@ -2464,7 +2464,7 @@
           <a:p>
             <a:fld id="{FB30EDBD-1C2D-4C1E-B459-B60219FAB484}" type="datetimeFigureOut">
               <a:rPr lang="ko-KR" altLang="en-US" smtClean="0"/>
-              <a:t>2020-03-27</a:t>
+              <a:t>2020-03-28</a:t>
             </a:fld>
             <a:endParaRPr lang="ko-KR" altLang="en-US"/>
           </a:p>
@@ -2734,7 +2734,7 @@
           <a:p>
             <a:fld id="{FB30EDBD-1C2D-4C1E-B459-B60219FAB484}" type="datetimeFigureOut">
               <a:rPr lang="ko-KR" altLang="en-US" smtClean="0"/>
-              <a:t>2020-03-27</a:t>
+              <a:t>2020-03-28</a:t>
             </a:fld>
             <a:endParaRPr lang="ko-KR" altLang="en-US"/>
           </a:p>
@@ -2981,7 +2981,7 @@
           <a:p>
             <a:fld id="{FB30EDBD-1C2D-4C1E-B459-B60219FAB484}" type="datetimeFigureOut">
               <a:rPr lang="ko-KR" altLang="en-US" smtClean="0"/>
-              <a:t>2020-03-27</a:t>
+              <a:t>2020-03-28</a:t>
             </a:fld>
             <a:endParaRPr lang="ko-KR" altLang="en-US"/>
           </a:p>
@@ -3187,7 +3187,7 @@
           <a:p>
             <a:fld id="{FB30EDBD-1C2D-4C1E-B459-B60219FAB484}" type="datetimeFigureOut">
               <a:rPr lang="ko-KR" altLang="en-US" smtClean="0"/>
-              <a:t>2020-03-27</a:t>
+              <a:t>2020-03-28</a:t>
             </a:fld>
             <a:endParaRPr lang="ko-KR" altLang="en-US"/>
           </a:p>
@@ -5071,56 +5071,6 @@
       </p:grpSpPr>
       <p:sp>
         <p:nvSpPr>
-          <p:cNvPr id="5" name="사각형: 둥근 모서리 4">
-            <a:extLst>
-              <a:ext uri="{FF2B5EF4-FFF2-40B4-BE49-F238E27FC236}">
-                <a16:creationId xmlns:a16="http://schemas.microsoft.com/office/drawing/2014/main" id="{9F39DA53-753E-4FF2-A65C-53225B76659D}"/>
-              </a:ext>
-            </a:extLst>
-          </p:cNvPr>
-          <p:cNvSpPr/>
-          <p:nvPr/>
-        </p:nvSpPr>
-        <p:spPr>
-          <a:xfrm>
-            <a:off x="2267744" y="771550"/>
-            <a:ext cx="3096344" cy="3528392"/>
-          </a:xfrm>
-          <a:prstGeom prst="roundRect">
-            <a:avLst>
-              <a:gd name="adj" fmla="val 4138"/>
-            </a:avLst>
-          </a:prstGeom>
-        </p:spPr>
-        <p:style>
-          <a:lnRef idx="2">
-            <a:schemeClr val="dk1"/>
-          </a:lnRef>
-          <a:fillRef idx="1">
-            <a:schemeClr val="lt1"/>
-          </a:fillRef>
-          <a:effectRef idx="0">
-            <a:schemeClr val="dk1"/>
-          </a:effectRef>
-          <a:fontRef idx="minor">
-            <a:schemeClr val="dk1"/>
-          </a:fontRef>
-        </p:style>
-        <p:txBody>
-          <a:bodyPr rtlCol="0" anchor="b"/>
-          <a:lstStyle/>
-          <a:p>
-            <a:pPr algn="ctr"/>
-            <a:r>
-              <a:rPr lang="en-US" altLang="ko-KR" sz="1400"/>
-              <a:t>Compute Node</a:t>
-            </a:r>
-            <a:endParaRPr lang="ko-KR" altLang="en-US" sz="1400"/>
-          </a:p>
-        </p:txBody>
-      </p:sp>
-      <p:sp>
-        <p:nvSpPr>
           <p:cNvPr id="2" name="제목 1"/>
           <p:cNvSpPr>
             <a:spLocks noGrp="1"/>
@@ -5159,10 +5109,10 @@
       </p:sp>
       <p:sp>
         <p:nvSpPr>
-          <p:cNvPr id="4" name="사각형: 둥근 모서리 3">
-            <a:extLst>
-              <a:ext uri="{FF2B5EF4-FFF2-40B4-BE49-F238E27FC236}">
-                <a16:creationId xmlns:a16="http://schemas.microsoft.com/office/drawing/2014/main" id="{0A08A566-6EB2-4D24-851F-43EE92CBB531}"/>
+          <p:cNvPr id="22" name="사각형: 둥근 모서리 21">
+            <a:extLst>
+              <a:ext uri="{FF2B5EF4-FFF2-40B4-BE49-F238E27FC236}">
+                <a16:creationId xmlns:a16="http://schemas.microsoft.com/office/drawing/2014/main" id="{056A6CB6-CB67-4B48-8551-57F267FFC08B}"/>
               </a:ext>
             </a:extLst>
           </p:cNvPr>
@@ -5171,14 +5121,17 @@
         </p:nvSpPr>
         <p:spPr>
           <a:xfrm>
-            <a:off x="2411760" y="915566"/>
-            <a:ext cx="2808312" cy="1224136"/>
+            <a:off x="5993941" y="843558"/>
+            <a:ext cx="2987991" cy="3323238"/>
           </a:xfrm>
           <a:prstGeom prst="roundRect">
             <a:avLst>
-              <a:gd name="adj" fmla="val 7190"/>
+              <a:gd name="adj" fmla="val 5760"/>
             </a:avLst>
           </a:prstGeom>
+          <a:ln>
+            <a:prstDash val="solid"/>
+          </a:ln>
         </p:spPr>
         <p:style>
           <a:lnRef idx="2">
@@ -5195,13 +5148,13 @@
           </a:fontRef>
         </p:style>
         <p:txBody>
-          <a:bodyPr rtlCol="0" anchor="t"/>
+          <a:bodyPr rtlCol="0" anchor="b"/>
           <a:lstStyle/>
           <a:p>
             <a:pPr algn="ctr"/>
             <a:r>
               <a:rPr lang="en-US" altLang="ko-KR" sz="1400"/>
-              <a:t>Amphora (Active) </a:t>
+              <a:t>Compute Node</a:t>
             </a:r>
             <a:endParaRPr lang="ko-KR" altLang="en-US" sz="1400"/>
           </a:p>
@@ -5209,10 +5162,10 @@
       </p:sp>
       <p:sp>
         <p:nvSpPr>
-          <p:cNvPr id="6" name="사각형: 둥근 모서리 5">
-            <a:extLst>
-              <a:ext uri="{FF2B5EF4-FFF2-40B4-BE49-F238E27FC236}">
-                <a16:creationId xmlns:a16="http://schemas.microsoft.com/office/drawing/2014/main" id="{2C70EECE-43C6-4985-B6DA-A214D1DE9ADA}"/>
+          <p:cNvPr id="23" name="사각형: 둥근 모서리 22">
+            <a:extLst>
+              <a:ext uri="{FF2B5EF4-FFF2-40B4-BE49-F238E27FC236}">
+                <a16:creationId xmlns:a16="http://schemas.microsoft.com/office/drawing/2014/main" id="{881D1F90-40C0-45A0-B9E1-AB2DC8C6626E}"/>
               </a:ext>
             </a:extLst>
           </p:cNvPr>
@@ -5221,12 +5174,12 @@
         </p:nvSpPr>
         <p:spPr>
           <a:xfrm>
-            <a:off x="5724128" y="771550"/>
-            <a:ext cx="3096344" cy="3528392"/>
+            <a:off x="6126226" y="976701"/>
+            <a:ext cx="2734591" cy="1296144"/>
           </a:xfrm>
           <a:prstGeom prst="roundRect">
             <a:avLst>
-              <a:gd name="adj" fmla="val 4138"/>
+              <a:gd name="adj" fmla="val 7190"/>
             </a:avLst>
           </a:prstGeom>
         </p:spPr>
@@ -5245,6 +5198,173 @@
           </a:fontRef>
         </p:style>
         <p:txBody>
+          <a:bodyPr rtlCol="0" anchor="t"/>
+          <a:lstStyle/>
+          <a:p>
+            <a:pPr algn="ctr"/>
+            <a:r>
+              <a:rPr lang="en-US" altLang="ko-KR" sz="1400"/>
+              <a:t>Amphora (Standby) </a:t>
+            </a:r>
+            <a:endParaRPr lang="ko-KR" altLang="en-US" sz="1400"/>
+          </a:p>
+        </p:txBody>
+      </p:sp>
+      <p:sp>
+        <p:nvSpPr>
+          <p:cNvPr id="27" name="사각형: 둥근 모서리 26">
+            <a:extLst>
+              <a:ext uri="{FF2B5EF4-FFF2-40B4-BE49-F238E27FC236}">
+                <a16:creationId xmlns:a16="http://schemas.microsoft.com/office/drawing/2014/main" id="{9BB70D90-A7B6-46BE-A932-845A056CF7E0}"/>
+              </a:ext>
+            </a:extLst>
+          </p:cNvPr>
+          <p:cNvSpPr/>
+          <p:nvPr/>
+        </p:nvSpPr>
+        <p:spPr>
+          <a:xfrm>
+            <a:off x="6120640" y="3077721"/>
+            <a:ext cx="1262305" cy="718165"/>
+          </a:xfrm>
+          <a:prstGeom prst="roundRect">
+            <a:avLst>
+              <a:gd name="adj" fmla="val 7190"/>
+            </a:avLst>
+          </a:prstGeom>
+        </p:spPr>
+        <p:style>
+          <a:lnRef idx="2">
+            <a:schemeClr val="dk1"/>
+          </a:lnRef>
+          <a:fillRef idx="1">
+            <a:schemeClr val="lt1"/>
+          </a:fillRef>
+          <a:effectRef idx="0">
+            <a:schemeClr val="dk1"/>
+          </a:effectRef>
+          <a:fontRef idx="minor">
+            <a:schemeClr val="dk1"/>
+          </a:fontRef>
+        </p:style>
+        <p:txBody>
+          <a:bodyPr rtlCol="0" anchor="ctr"/>
+          <a:lstStyle/>
+          <a:p>
+            <a:pPr algn="ctr"/>
+            <a:r>
+              <a:rPr lang="en-US" altLang="ko-KR" sz="1400"/>
+              <a:t>Member</a:t>
+            </a:r>
+          </a:p>
+          <a:p>
+            <a:pPr algn="ctr"/>
+            <a:r>
+              <a:rPr lang="en-US" altLang="ko-KR" sz="1400"/>
+              <a:t>VM</a:t>
+            </a:r>
+            <a:endParaRPr lang="ko-KR" altLang="en-US" sz="1400"/>
+          </a:p>
+        </p:txBody>
+      </p:sp>
+      <p:sp>
+        <p:nvSpPr>
+          <p:cNvPr id="28" name="사각형: 둥근 모서리 27">
+            <a:extLst>
+              <a:ext uri="{FF2B5EF4-FFF2-40B4-BE49-F238E27FC236}">
+                <a16:creationId xmlns:a16="http://schemas.microsoft.com/office/drawing/2014/main" id="{6F47F132-9B23-492F-A1B6-8F81E0F1EA68}"/>
+              </a:ext>
+            </a:extLst>
+          </p:cNvPr>
+          <p:cNvSpPr/>
+          <p:nvPr/>
+        </p:nvSpPr>
+        <p:spPr>
+          <a:xfrm>
+            <a:off x="7601528" y="3077721"/>
+            <a:ext cx="1262305" cy="718165"/>
+          </a:xfrm>
+          <a:prstGeom prst="roundRect">
+            <a:avLst>
+              <a:gd name="adj" fmla="val 7190"/>
+            </a:avLst>
+          </a:prstGeom>
+        </p:spPr>
+        <p:style>
+          <a:lnRef idx="2">
+            <a:schemeClr val="dk1"/>
+          </a:lnRef>
+          <a:fillRef idx="1">
+            <a:schemeClr val="lt1"/>
+          </a:fillRef>
+          <a:effectRef idx="0">
+            <a:schemeClr val="dk1"/>
+          </a:effectRef>
+          <a:fontRef idx="minor">
+            <a:schemeClr val="dk1"/>
+          </a:fontRef>
+        </p:style>
+        <p:txBody>
+          <a:bodyPr rtlCol="0" anchor="ctr"/>
+          <a:lstStyle/>
+          <a:p>
+            <a:pPr algn="ctr"/>
+            <a:r>
+              <a:rPr lang="en-US" altLang="ko-KR" sz="1400"/>
+              <a:t>Member</a:t>
+            </a:r>
+          </a:p>
+          <a:p>
+            <a:pPr algn="ctr"/>
+            <a:r>
+              <a:rPr lang="en-US" altLang="ko-KR" sz="1400"/>
+              <a:t>VM</a:t>
+            </a:r>
+            <a:endParaRPr lang="ko-KR" altLang="en-US" sz="1400"/>
+          </a:p>
+        </p:txBody>
+      </p:sp>
+      <p:sp>
+        <p:nvSpPr>
+          <p:cNvPr id="5" name="사각형: 둥근 모서리 4">
+            <a:extLst>
+              <a:ext uri="{FF2B5EF4-FFF2-40B4-BE49-F238E27FC236}">
+                <a16:creationId xmlns:a16="http://schemas.microsoft.com/office/drawing/2014/main" id="{9F39DA53-753E-4FF2-A65C-53225B76659D}"/>
+              </a:ext>
+            </a:extLst>
+          </p:cNvPr>
+          <p:cNvSpPr/>
+          <p:nvPr/>
+        </p:nvSpPr>
+        <p:spPr>
+          <a:xfrm>
+            <a:off x="2429204" y="843558"/>
+            <a:ext cx="2987991" cy="3323238"/>
+          </a:xfrm>
+          <a:prstGeom prst="roundRect">
+            <a:avLst>
+              <a:gd name="adj" fmla="val 5760"/>
+            </a:avLst>
+          </a:prstGeom>
+          <a:ln>
+            <a:prstDash val="solid"/>
+          </a:ln>
+        </p:spPr>
+        <p:style>
+          <a:lnRef idx="2">
+            <a:schemeClr val="dk1"/>
+          </a:lnRef>
+          <a:fillRef idx="1">
+            <a:schemeClr val="lt1"/>
+          </a:fillRef>
+          <a:effectRef idx="0">
+            <a:schemeClr val="dk1"/>
+          </a:effectRef>
+          <a:fontRef idx="minor">
+            <a:schemeClr val="dk1"/>
+          </a:fontRef>
+        </p:style>
+        <p:txBody>
           <a:bodyPr rtlCol="0" anchor="b"/>
           <a:lstStyle/>
           <a:p>
@@ -5254,6 +5374,2617 @@
               <a:t>Compute Node</a:t>
             </a:r>
             <a:endParaRPr lang="ko-KR" altLang="en-US" sz="1400"/>
+          </a:p>
+        </p:txBody>
+      </p:sp>
+      <p:sp>
+        <p:nvSpPr>
+          <p:cNvPr id="4" name="사각형: 둥근 모서리 3">
+            <a:extLst>
+              <a:ext uri="{FF2B5EF4-FFF2-40B4-BE49-F238E27FC236}">
+                <a16:creationId xmlns:a16="http://schemas.microsoft.com/office/drawing/2014/main" id="{0A08A566-6EB2-4D24-851F-43EE92CBB531}"/>
+              </a:ext>
+            </a:extLst>
+          </p:cNvPr>
+          <p:cNvSpPr/>
+          <p:nvPr/>
+        </p:nvSpPr>
+        <p:spPr>
+          <a:xfrm>
+            <a:off x="2561489" y="976701"/>
+            <a:ext cx="2734591" cy="1296144"/>
+          </a:xfrm>
+          <a:prstGeom prst="roundRect">
+            <a:avLst>
+              <a:gd name="adj" fmla="val 7190"/>
+            </a:avLst>
+          </a:prstGeom>
+        </p:spPr>
+        <p:style>
+          <a:lnRef idx="2">
+            <a:schemeClr val="dk1"/>
+          </a:lnRef>
+          <a:fillRef idx="1">
+            <a:schemeClr val="lt1"/>
+          </a:fillRef>
+          <a:effectRef idx="0">
+            <a:schemeClr val="dk1"/>
+          </a:effectRef>
+          <a:fontRef idx="minor">
+            <a:schemeClr val="dk1"/>
+          </a:fontRef>
+        </p:style>
+        <p:txBody>
+          <a:bodyPr rtlCol="0" anchor="t"/>
+          <a:lstStyle/>
+          <a:p>
+            <a:pPr algn="ctr"/>
+            <a:r>
+              <a:rPr lang="en-US" altLang="ko-KR" sz="1400"/>
+              <a:t>Amphora (Active, VIP) </a:t>
+            </a:r>
+            <a:endParaRPr lang="ko-KR" altLang="en-US" sz="1400"/>
+          </a:p>
+        </p:txBody>
+      </p:sp>
+      <p:sp>
+        <p:nvSpPr>
+          <p:cNvPr id="7" name="사각형: 둥근 모서리 6">
+            <a:extLst>
+              <a:ext uri="{FF2B5EF4-FFF2-40B4-BE49-F238E27FC236}">
+                <a16:creationId xmlns:a16="http://schemas.microsoft.com/office/drawing/2014/main" id="{5BA45B04-0282-47FB-86F6-61F00723E893}"/>
+              </a:ext>
+            </a:extLst>
+          </p:cNvPr>
+          <p:cNvSpPr/>
+          <p:nvPr/>
+        </p:nvSpPr>
+        <p:spPr>
+          <a:xfrm>
+            <a:off x="4171870" y="1804469"/>
+            <a:ext cx="992147" cy="334702"/>
+          </a:xfrm>
+          <a:prstGeom prst="roundRect">
+            <a:avLst>
+              <a:gd name="adj" fmla="val 7190"/>
+            </a:avLst>
+          </a:prstGeom>
+        </p:spPr>
+        <p:style>
+          <a:lnRef idx="2">
+            <a:schemeClr val="dk1"/>
+          </a:lnRef>
+          <a:fillRef idx="1">
+            <a:schemeClr val="lt1"/>
+          </a:fillRef>
+          <a:effectRef idx="0">
+            <a:schemeClr val="dk1"/>
+          </a:effectRef>
+          <a:fontRef idx="minor">
+            <a:schemeClr val="dk1"/>
+          </a:fontRef>
+        </p:style>
+        <p:txBody>
+          <a:bodyPr rtlCol="0" anchor="ctr"/>
+          <a:lstStyle/>
+          <a:p>
+            <a:pPr algn="ctr"/>
+            <a:r>
+              <a:rPr lang="en-US" altLang="ko-KR" sz="1200"/>
+              <a:t>HAProxy</a:t>
+            </a:r>
+            <a:endParaRPr lang="ko-KR" altLang="en-US" sz="1200"/>
+          </a:p>
+        </p:txBody>
+      </p:sp>
+      <p:sp>
+        <p:nvSpPr>
+          <p:cNvPr id="8" name="사각형: 둥근 모서리 7">
+            <a:extLst>
+              <a:ext uri="{FF2B5EF4-FFF2-40B4-BE49-F238E27FC236}">
+                <a16:creationId xmlns:a16="http://schemas.microsoft.com/office/drawing/2014/main" id="{4A941F98-5D6D-4702-AA39-A356935A5E29}"/>
+              </a:ext>
+            </a:extLst>
+          </p:cNvPr>
+          <p:cNvSpPr/>
+          <p:nvPr/>
+        </p:nvSpPr>
+        <p:spPr>
+          <a:xfrm>
+            <a:off x="2693776" y="1794127"/>
+            <a:ext cx="992147" cy="334702"/>
+          </a:xfrm>
+          <a:prstGeom prst="roundRect">
+            <a:avLst>
+              <a:gd name="adj" fmla="val 7190"/>
+            </a:avLst>
+          </a:prstGeom>
+        </p:spPr>
+        <p:style>
+          <a:lnRef idx="2">
+            <a:schemeClr val="dk1"/>
+          </a:lnRef>
+          <a:fillRef idx="1">
+            <a:schemeClr val="lt1"/>
+          </a:fillRef>
+          <a:effectRef idx="0">
+            <a:schemeClr val="dk1"/>
+          </a:effectRef>
+          <a:fontRef idx="minor">
+            <a:schemeClr val="dk1"/>
+          </a:fontRef>
+        </p:style>
+        <p:txBody>
+          <a:bodyPr rtlCol="0" anchor="ctr"/>
+          <a:lstStyle/>
+          <a:p>
+            <a:pPr algn="ctr"/>
+            <a:r>
+              <a:rPr lang="en-US" altLang="ko-KR" sz="1200"/>
+              <a:t>Agent</a:t>
+            </a:r>
+            <a:endParaRPr lang="ko-KR" altLang="en-US" sz="1200"/>
+          </a:p>
+        </p:txBody>
+      </p:sp>
+      <p:cxnSp>
+        <p:nvCxnSpPr>
+          <p:cNvPr id="15" name="직선 화살표 연결선 14">
+            <a:extLst>
+              <a:ext uri="{FF2B5EF4-FFF2-40B4-BE49-F238E27FC236}">
+                <a16:creationId xmlns:a16="http://schemas.microsoft.com/office/drawing/2014/main" id="{8C93E6DC-7282-4447-92DF-FED4675DE4A4}"/>
+              </a:ext>
+            </a:extLst>
+          </p:cNvPr>
+          <p:cNvCxnSpPr>
+            <a:cxnSpLocks/>
+            <a:stCxn id="4" idx="3"/>
+          </p:cNvCxnSpPr>
+          <p:nvPr/>
+        </p:nvCxnSpPr>
+        <p:spPr>
+          <a:xfrm flipV="1">
+            <a:off x="5296081" y="1616306"/>
+            <a:ext cx="824559" cy="8467"/>
+          </a:xfrm>
+          <a:prstGeom prst="straightConnector1">
+            <a:avLst/>
+          </a:prstGeom>
+          <a:ln w="28575">
+            <a:solidFill>
+              <a:schemeClr val="tx1"/>
+            </a:solidFill>
+            <a:prstDash val="solid"/>
+            <a:headEnd type="arrow" w="med" len="med"/>
+            <a:tailEnd type="arrow" w="med" len="med"/>
+          </a:ln>
+        </p:spPr>
+        <p:style>
+          <a:lnRef idx="1">
+            <a:schemeClr val="accent1"/>
+          </a:lnRef>
+          <a:fillRef idx="0">
+            <a:schemeClr val="accent1"/>
+          </a:fillRef>
+          <a:effectRef idx="0">
+            <a:schemeClr val="accent1"/>
+          </a:effectRef>
+          <a:fontRef idx="minor">
+            <a:schemeClr val="tx1"/>
+          </a:fontRef>
+        </p:style>
+      </p:cxnSp>
+      <p:sp>
+        <p:nvSpPr>
+          <p:cNvPr id="18" name="TextBox 17">
+            <a:extLst>
+              <a:ext uri="{FF2B5EF4-FFF2-40B4-BE49-F238E27FC236}">
+                <a16:creationId xmlns:a16="http://schemas.microsoft.com/office/drawing/2014/main" id="{32012EEC-9056-42BB-9222-4CBC9C05CD7D}"/>
+              </a:ext>
+            </a:extLst>
+          </p:cNvPr>
+          <p:cNvSpPr txBox="1"/>
+          <p:nvPr/>
+        </p:nvSpPr>
+        <p:spPr>
+          <a:xfrm>
+            <a:off x="5425283" y="1308529"/>
+            <a:ext cx="568657" cy="307777"/>
+          </a:xfrm>
+          <a:prstGeom prst="rect">
+            <a:avLst/>
+          </a:prstGeom>
+          <a:noFill/>
+        </p:spPr>
+        <p:txBody>
+          <a:bodyPr wrap="none" rtlCol="0">
+            <a:spAutoFit/>
+          </a:bodyPr>
+          <a:lstStyle/>
+          <a:p>
+            <a:pPr algn="ctr"/>
+            <a:r>
+              <a:rPr lang="en-US" altLang="ko-KR" sz="1400"/>
+              <a:t>VRRP</a:t>
+            </a:r>
+            <a:endParaRPr lang="ko-KR" altLang="en-US"/>
+          </a:p>
+        </p:txBody>
+      </p:sp>
+      <p:sp>
+        <p:nvSpPr>
+          <p:cNvPr id="19" name="사각형: 둥근 모서리 18">
+            <a:extLst>
+              <a:ext uri="{FF2B5EF4-FFF2-40B4-BE49-F238E27FC236}">
+                <a16:creationId xmlns:a16="http://schemas.microsoft.com/office/drawing/2014/main" id="{9F741B8C-1D24-4C11-87FC-47E33536C09D}"/>
+              </a:ext>
+            </a:extLst>
+          </p:cNvPr>
+          <p:cNvSpPr/>
+          <p:nvPr/>
+        </p:nvSpPr>
+        <p:spPr>
+          <a:xfrm>
+            <a:off x="2555904" y="3077721"/>
+            <a:ext cx="1262305" cy="718165"/>
+          </a:xfrm>
+          <a:prstGeom prst="roundRect">
+            <a:avLst>
+              <a:gd name="adj" fmla="val 7190"/>
+            </a:avLst>
+          </a:prstGeom>
+        </p:spPr>
+        <p:style>
+          <a:lnRef idx="2">
+            <a:schemeClr val="dk1"/>
+          </a:lnRef>
+          <a:fillRef idx="1">
+            <a:schemeClr val="lt1"/>
+          </a:fillRef>
+          <a:effectRef idx="0">
+            <a:schemeClr val="dk1"/>
+          </a:effectRef>
+          <a:fontRef idx="minor">
+            <a:schemeClr val="dk1"/>
+          </a:fontRef>
+        </p:style>
+        <p:txBody>
+          <a:bodyPr rtlCol="0" anchor="ctr"/>
+          <a:lstStyle/>
+          <a:p>
+            <a:pPr algn="ctr"/>
+            <a:r>
+              <a:rPr lang="en-US" altLang="ko-KR" sz="1400"/>
+              <a:t>Member</a:t>
+            </a:r>
+          </a:p>
+          <a:p>
+            <a:pPr algn="ctr"/>
+            <a:r>
+              <a:rPr lang="en-US" altLang="ko-KR" sz="1400"/>
+              <a:t>VM</a:t>
+            </a:r>
+          </a:p>
+        </p:txBody>
+      </p:sp>
+      <p:sp>
+        <p:nvSpPr>
+          <p:cNvPr id="21" name="사각형: 둥근 모서리 20">
+            <a:extLst>
+              <a:ext uri="{FF2B5EF4-FFF2-40B4-BE49-F238E27FC236}">
+                <a16:creationId xmlns:a16="http://schemas.microsoft.com/office/drawing/2014/main" id="{BFD66FCA-9A66-4C7E-B2F4-81F74F88AE6A}"/>
+              </a:ext>
+            </a:extLst>
+          </p:cNvPr>
+          <p:cNvSpPr/>
+          <p:nvPr/>
+        </p:nvSpPr>
+        <p:spPr>
+          <a:xfrm>
+            <a:off x="4036792" y="3077721"/>
+            <a:ext cx="1262305" cy="718165"/>
+          </a:xfrm>
+          <a:prstGeom prst="roundRect">
+            <a:avLst>
+              <a:gd name="adj" fmla="val 7190"/>
+            </a:avLst>
+          </a:prstGeom>
+        </p:spPr>
+        <p:style>
+          <a:lnRef idx="2">
+            <a:schemeClr val="dk1"/>
+          </a:lnRef>
+          <a:fillRef idx="1">
+            <a:schemeClr val="lt1"/>
+          </a:fillRef>
+          <a:effectRef idx="0">
+            <a:schemeClr val="dk1"/>
+          </a:effectRef>
+          <a:fontRef idx="minor">
+            <a:schemeClr val="dk1"/>
+          </a:fontRef>
+        </p:style>
+        <p:txBody>
+          <a:bodyPr rtlCol="0" anchor="ctr"/>
+          <a:lstStyle/>
+          <a:p>
+            <a:pPr algn="ctr"/>
+            <a:r>
+              <a:rPr lang="en-US" altLang="ko-KR" sz="1400"/>
+              <a:t>Member</a:t>
+            </a:r>
+          </a:p>
+          <a:p>
+            <a:pPr algn="ctr"/>
+            <a:r>
+              <a:rPr lang="en-US" altLang="ko-KR" sz="1400"/>
+              <a:t>VM</a:t>
+            </a:r>
+            <a:endParaRPr lang="ko-KR" altLang="en-US" sz="1400"/>
+          </a:p>
+        </p:txBody>
+      </p:sp>
+      <p:sp>
+        <p:nvSpPr>
+          <p:cNvPr id="33" name="사각형: 둥근 모서리 32">
+            <a:extLst>
+              <a:ext uri="{FF2B5EF4-FFF2-40B4-BE49-F238E27FC236}">
+                <a16:creationId xmlns:a16="http://schemas.microsoft.com/office/drawing/2014/main" id="{3B10F581-D3EE-45A6-B121-419A1DED7AA1}"/>
+              </a:ext>
+            </a:extLst>
+          </p:cNvPr>
+          <p:cNvSpPr/>
+          <p:nvPr/>
+        </p:nvSpPr>
+        <p:spPr>
+          <a:xfrm>
+            <a:off x="107504" y="843558"/>
+            <a:ext cx="1990984" cy="3323238"/>
+          </a:xfrm>
+          <a:prstGeom prst="roundRect">
+            <a:avLst>
+              <a:gd name="adj" fmla="val 7166"/>
+            </a:avLst>
+          </a:prstGeom>
+          <a:ln>
+            <a:prstDash val="solid"/>
+          </a:ln>
+        </p:spPr>
+        <p:style>
+          <a:lnRef idx="2">
+            <a:schemeClr val="dk1"/>
+          </a:lnRef>
+          <a:fillRef idx="1">
+            <a:schemeClr val="lt1"/>
+          </a:fillRef>
+          <a:effectRef idx="0">
+            <a:schemeClr val="dk1"/>
+          </a:effectRef>
+          <a:fontRef idx="minor">
+            <a:schemeClr val="dk1"/>
+          </a:fontRef>
+        </p:style>
+        <p:txBody>
+          <a:bodyPr rtlCol="0" anchor="b"/>
+          <a:lstStyle/>
+          <a:p>
+            <a:pPr algn="ctr"/>
+            <a:r>
+              <a:rPr lang="en-US" altLang="ko-KR" sz="1400"/>
+              <a:t>Controller Node</a:t>
+            </a:r>
+            <a:endParaRPr lang="ko-KR" altLang="en-US" sz="1400"/>
+          </a:p>
+        </p:txBody>
+      </p:sp>
+      <p:sp>
+        <p:nvSpPr>
+          <p:cNvPr id="35" name="사각형: 둥근 모서리 34">
+            <a:extLst>
+              <a:ext uri="{FF2B5EF4-FFF2-40B4-BE49-F238E27FC236}">
+                <a16:creationId xmlns:a16="http://schemas.microsoft.com/office/drawing/2014/main" id="{C7061618-4546-4E9A-9634-BC4B6568BC6A}"/>
+              </a:ext>
+            </a:extLst>
+          </p:cNvPr>
+          <p:cNvSpPr/>
+          <p:nvPr/>
+        </p:nvSpPr>
+        <p:spPr>
+          <a:xfrm>
+            <a:off x="222008" y="1707654"/>
+            <a:ext cx="1761977" cy="2125105"/>
+          </a:xfrm>
+          <a:prstGeom prst="roundRect">
+            <a:avLst>
+              <a:gd name="adj" fmla="val 5760"/>
+            </a:avLst>
+          </a:prstGeom>
+          <a:ln>
+            <a:prstDash val="solid"/>
+          </a:ln>
+        </p:spPr>
+        <p:style>
+          <a:lnRef idx="2">
+            <a:schemeClr val="dk1"/>
+          </a:lnRef>
+          <a:fillRef idx="1">
+            <a:schemeClr val="lt1"/>
+          </a:fillRef>
+          <a:effectRef idx="0">
+            <a:schemeClr val="dk1"/>
+          </a:effectRef>
+          <a:fontRef idx="minor">
+            <a:schemeClr val="dk1"/>
+          </a:fontRef>
+        </p:style>
+        <p:txBody>
+          <a:bodyPr rtlCol="0" anchor="b"/>
+          <a:lstStyle/>
+          <a:p>
+            <a:pPr algn="ctr"/>
+            <a:r>
+              <a:rPr lang="en-US" altLang="ko-KR" sz="1400"/>
+              <a:t>Octavia Service</a:t>
+            </a:r>
+            <a:endParaRPr lang="ko-KR" altLang="en-US" sz="1400"/>
+          </a:p>
+        </p:txBody>
+      </p:sp>
+      <p:grpSp>
+        <p:nvGrpSpPr>
+          <p:cNvPr id="42" name="그룹 41">
+            <a:extLst>
+              <a:ext uri="{FF2B5EF4-FFF2-40B4-BE49-F238E27FC236}">
+                <a16:creationId xmlns:a16="http://schemas.microsoft.com/office/drawing/2014/main" id="{767D35AC-5863-4028-AC65-378AEEC55D2D}"/>
+              </a:ext>
+            </a:extLst>
+          </p:cNvPr>
+          <p:cNvGrpSpPr/>
+          <p:nvPr/>
+        </p:nvGrpSpPr>
+        <p:grpSpPr>
+          <a:xfrm>
+            <a:off x="333784" y="1807992"/>
+            <a:ext cx="1538424" cy="1664727"/>
+            <a:chOff x="333784" y="1411079"/>
+            <a:chExt cx="1538424" cy="1451551"/>
+          </a:xfrm>
+        </p:grpSpPr>
+        <p:sp>
+          <p:nvSpPr>
+            <p:cNvPr id="36" name="사각형: 둥근 모서리 35">
+              <a:extLst>
+                <a:ext uri="{FF2B5EF4-FFF2-40B4-BE49-F238E27FC236}">
+                  <a16:creationId xmlns:a16="http://schemas.microsoft.com/office/drawing/2014/main" id="{58BDD56A-10BE-426E-A48F-817E68B10C94}"/>
+                </a:ext>
+              </a:extLst>
+            </p:cNvPr>
+            <p:cNvSpPr/>
+            <p:nvPr/>
+          </p:nvSpPr>
+          <p:spPr>
+            <a:xfrm>
+              <a:off x="333784" y="1411079"/>
+              <a:ext cx="1538424" cy="362888"/>
+            </a:xfrm>
+            <a:prstGeom prst="roundRect">
+              <a:avLst>
+                <a:gd name="adj" fmla="val 11145"/>
+              </a:avLst>
+            </a:prstGeom>
+            <a:ln>
+              <a:prstDash val="solid"/>
+            </a:ln>
+          </p:spPr>
+          <p:style>
+            <a:lnRef idx="2">
+              <a:schemeClr val="dk1"/>
+            </a:lnRef>
+            <a:fillRef idx="1">
+              <a:schemeClr val="lt1"/>
+            </a:fillRef>
+            <a:effectRef idx="0">
+              <a:schemeClr val="dk1"/>
+            </a:effectRef>
+            <a:fontRef idx="minor">
+              <a:schemeClr val="dk1"/>
+            </a:fontRef>
+          </p:style>
+          <p:txBody>
+            <a:bodyPr rtlCol="0" anchor="ctr"/>
+            <a:lstStyle/>
+            <a:p>
+              <a:pPr algn="ctr"/>
+              <a:r>
+                <a:rPr lang="en-US" altLang="ko-KR" sz="1200"/>
+                <a:t>API Controller</a:t>
+              </a:r>
+              <a:endParaRPr lang="ko-KR" altLang="en-US" sz="1200"/>
+            </a:p>
+          </p:txBody>
+        </p:sp>
+        <p:sp>
+          <p:nvSpPr>
+            <p:cNvPr id="37" name="사각형: 둥근 모서리 36">
+              <a:extLst>
+                <a:ext uri="{FF2B5EF4-FFF2-40B4-BE49-F238E27FC236}">
+                  <a16:creationId xmlns:a16="http://schemas.microsoft.com/office/drawing/2014/main" id="{A03179CA-B138-433A-AD1D-0F9E3172F229}"/>
+                </a:ext>
+              </a:extLst>
+            </p:cNvPr>
+            <p:cNvSpPr/>
+            <p:nvPr/>
+          </p:nvSpPr>
+          <p:spPr>
+            <a:xfrm>
+              <a:off x="333784" y="1773967"/>
+              <a:ext cx="1538424" cy="362888"/>
+            </a:xfrm>
+            <a:prstGeom prst="roundRect">
+              <a:avLst>
+                <a:gd name="adj" fmla="val 11145"/>
+              </a:avLst>
+            </a:prstGeom>
+            <a:ln>
+              <a:prstDash val="solid"/>
+            </a:ln>
+          </p:spPr>
+          <p:style>
+            <a:lnRef idx="2">
+              <a:schemeClr val="dk1"/>
+            </a:lnRef>
+            <a:fillRef idx="1">
+              <a:schemeClr val="lt1"/>
+            </a:fillRef>
+            <a:effectRef idx="0">
+              <a:schemeClr val="dk1"/>
+            </a:effectRef>
+            <a:fontRef idx="minor">
+              <a:schemeClr val="dk1"/>
+            </a:fontRef>
+          </p:style>
+          <p:txBody>
+            <a:bodyPr rtlCol="0" anchor="ctr"/>
+            <a:lstStyle/>
+            <a:p>
+              <a:pPr algn="ctr"/>
+              <a:r>
+                <a:rPr lang="en-US" altLang="ko-KR" sz="1200"/>
+                <a:t>Controller Worker</a:t>
+              </a:r>
+              <a:endParaRPr lang="ko-KR" altLang="en-US" sz="1200"/>
+            </a:p>
+          </p:txBody>
+        </p:sp>
+        <p:sp>
+          <p:nvSpPr>
+            <p:cNvPr id="39" name="사각형: 둥근 모서리 38">
+              <a:extLst>
+                <a:ext uri="{FF2B5EF4-FFF2-40B4-BE49-F238E27FC236}">
+                  <a16:creationId xmlns:a16="http://schemas.microsoft.com/office/drawing/2014/main" id="{2AD5CC17-C585-41FA-95F2-F1E2C96107B5}"/>
+                </a:ext>
+              </a:extLst>
+            </p:cNvPr>
+            <p:cNvSpPr/>
+            <p:nvPr/>
+          </p:nvSpPr>
+          <p:spPr>
+            <a:xfrm>
+              <a:off x="333784" y="2136854"/>
+              <a:ext cx="1538424" cy="362888"/>
+            </a:xfrm>
+            <a:prstGeom prst="roundRect">
+              <a:avLst>
+                <a:gd name="adj" fmla="val 11145"/>
+              </a:avLst>
+            </a:prstGeom>
+            <a:ln>
+              <a:prstDash val="solid"/>
+            </a:ln>
+          </p:spPr>
+          <p:style>
+            <a:lnRef idx="2">
+              <a:schemeClr val="dk1"/>
+            </a:lnRef>
+            <a:fillRef idx="1">
+              <a:schemeClr val="lt1"/>
+            </a:fillRef>
+            <a:effectRef idx="0">
+              <a:schemeClr val="dk1"/>
+            </a:effectRef>
+            <a:fontRef idx="minor">
+              <a:schemeClr val="dk1"/>
+            </a:fontRef>
+          </p:style>
+          <p:txBody>
+            <a:bodyPr rtlCol="0" anchor="ctr"/>
+            <a:lstStyle/>
+            <a:p>
+              <a:pPr algn="ctr"/>
+              <a:r>
+                <a:rPr lang="en-US" altLang="ko-KR" sz="1200"/>
+                <a:t>Health Manager</a:t>
+              </a:r>
+              <a:endParaRPr lang="ko-KR" altLang="en-US" sz="1200"/>
+            </a:p>
+          </p:txBody>
+        </p:sp>
+        <p:sp>
+          <p:nvSpPr>
+            <p:cNvPr id="41" name="사각형: 둥근 모서리 40">
+              <a:extLst>
+                <a:ext uri="{FF2B5EF4-FFF2-40B4-BE49-F238E27FC236}">
+                  <a16:creationId xmlns:a16="http://schemas.microsoft.com/office/drawing/2014/main" id="{FE52AD12-B846-4506-807F-54E0485C73F1}"/>
+                </a:ext>
+              </a:extLst>
+            </p:cNvPr>
+            <p:cNvSpPr/>
+            <p:nvPr/>
+          </p:nvSpPr>
+          <p:spPr>
+            <a:xfrm>
+              <a:off x="333784" y="2499742"/>
+              <a:ext cx="1538424" cy="362888"/>
+            </a:xfrm>
+            <a:prstGeom prst="roundRect">
+              <a:avLst>
+                <a:gd name="adj" fmla="val 11145"/>
+              </a:avLst>
+            </a:prstGeom>
+            <a:ln>
+              <a:prstDash val="solid"/>
+            </a:ln>
+          </p:spPr>
+          <p:style>
+            <a:lnRef idx="2">
+              <a:schemeClr val="dk1"/>
+            </a:lnRef>
+            <a:fillRef idx="1">
+              <a:schemeClr val="lt1"/>
+            </a:fillRef>
+            <a:effectRef idx="0">
+              <a:schemeClr val="dk1"/>
+            </a:effectRef>
+            <a:fontRef idx="minor">
+              <a:schemeClr val="dk1"/>
+            </a:fontRef>
+          </p:style>
+          <p:txBody>
+            <a:bodyPr rtlCol="0" anchor="ctr"/>
+            <a:lstStyle/>
+            <a:p>
+              <a:pPr algn="ctr"/>
+              <a:r>
+                <a:rPr lang="en-US" altLang="ko-KR" sz="1200"/>
+                <a:t>Housekeeping Manager</a:t>
+              </a:r>
+              <a:endParaRPr lang="ko-KR" altLang="en-US" sz="1200"/>
+            </a:p>
+          </p:txBody>
+        </p:sp>
+      </p:grpSp>
+      <p:sp>
+        <p:nvSpPr>
+          <p:cNvPr id="43" name="사각형: 둥근 모서리 42">
+            <a:extLst>
+              <a:ext uri="{FF2B5EF4-FFF2-40B4-BE49-F238E27FC236}">
+                <a16:creationId xmlns:a16="http://schemas.microsoft.com/office/drawing/2014/main" id="{DE591B10-A797-427F-8AD2-35012201271A}"/>
+              </a:ext>
+            </a:extLst>
+          </p:cNvPr>
+          <p:cNvSpPr/>
+          <p:nvPr/>
+        </p:nvSpPr>
+        <p:spPr>
+          <a:xfrm>
+            <a:off x="222008" y="964384"/>
+            <a:ext cx="1761977" cy="527246"/>
+          </a:xfrm>
+          <a:prstGeom prst="roundRect">
+            <a:avLst>
+              <a:gd name="adj" fmla="val 18148"/>
+            </a:avLst>
+          </a:prstGeom>
+          <a:ln>
+            <a:prstDash val="solid"/>
+          </a:ln>
+        </p:spPr>
+        <p:style>
+          <a:lnRef idx="2">
+            <a:schemeClr val="dk1"/>
+          </a:lnRef>
+          <a:fillRef idx="1">
+            <a:schemeClr val="lt1"/>
+          </a:fillRef>
+          <a:effectRef idx="0">
+            <a:schemeClr val="dk1"/>
+          </a:effectRef>
+          <a:fontRef idx="minor">
+            <a:schemeClr val="dk1"/>
+          </a:fontRef>
+        </p:style>
+        <p:txBody>
+          <a:bodyPr rtlCol="0" anchor="ctr"/>
+          <a:lstStyle/>
+          <a:p>
+            <a:pPr algn="ctr"/>
+            <a:r>
+              <a:rPr lang="en-US" altLang="ko-KR" sz="1400"/>
+              <a:t>Other Services</a:t>
+            </a:r>
+            <a:endParaRPr lang="ko-KR" altLang="en-US" sz="1400"/>
+          </a:p>
+        </p:txBody>
+      </p:sp>
+      <p:cxnSp>
+        <p:nvCxnSpPr>
+          <p:cNvPr id="45" name="직선 연결선 44">
+            <a:extLst>
+              <a:ext uri="{FF2B5EF4-FFF2-40B4-BE49-F238E27FC236}">
+                <a16:creationId xmlns:a16="http://schemas.microsoft.com/office/drawing/2014/main" id="{E480541E-F903-40E5-8A2A-E37ADD922098}"/>
+              </a:ext>
+            </a:extLst>
+          </p:cNvPr>
+          <p:cNvCxnSpPr>
+            <a:cxnSpLocks/>
+          </p:cNvCxnSpPr>
+          <p:nvPr/>
+        </p:nvCxnSpPr>
+        <p:spPr>
+          <a:xfrm>
+            <a:off x="3093155" y="2931790"/>
+            <a:ext cx="5045624" cy="0"/>
+          </a:xfrm>
+          <a:prstGeom prst="line">
+            <a:avLst/>
+          </a:prstGeom>
+          <a:ln w="28575">
+            <a:solidFill>
+              <a:schemeClr val="tx2"/>
+            </a:solidFill>
+            <a:prstDash val="lgDashDot"/>
+          </a:ln>
+        </p:spPr>
+        <p:style>
+          <a:lnRef idx="1">
+            <a:schemeClr val="accent1"/>
+          </a:lnRef>
+          <a:fillRef idx="0">
+            <a:schemeClr val="accent1"/>
+          </a:fillRef>
+          <a:effectRef idx="0">
+            <a:schemeClr val="accent1"/>
+          </a:effectRef>
+          <a:fontRef idx="minor">
+            <a:schemeClr val="tx1"/>
+          </a:fontRef>
+        </p:style>
+      </p:cxnSp>
+      <p:cxnSp>
+        <p:nvCxnSpPr>
+          <p:cNvPr id="47" name="직선 화살표 연결선 46">
+            <a:extLst>
+              <a:ext uri="{FF2B5EF4-FFF2-40B4-BE49-F238E27FC236}">
+                <a16:creationId xmlns:a16="http://schemas.microsoft.com/office/drawing/2014/main" id="{A7B05225-EB48-4490-B385-1DC362D1D86F}"/>
+              </a:ext>
+            </a:extLst>
+          </p:cNvPr>
+          <p:cNvCxnSpPr>
+            <a:stCxn id="43" idx="2"/>
+            <a:endCxn id="36" idx="0"/>
+          </p:cNvCxnSpPr>
+          <p:nvPr/>
+        </p:nvCxnSpPr>
+        <p:spPr>
+          <a:xfrm flipH="1">
+            <a:off x="1102996" y="1491630"/>
+            <a:ext cx="1" cy="316362"/>
+          </a:xfrm>
+          <a:prstGeom prst="straightConnector1">
+            <a:avLst/>
+          </a:prstGeom>
+          <a:ln w="28575">
+            <a:solidFill>
+              <a:schemeClr val="tx1"/>
+            </a:solidFill>
+            <a:headEnd type="arrow" w="med" len="med"/>
+            <a:tailEnd type="arrow" w="med" len="med"/>
+          </a:ln>
+        </p:spPr>
+        <p:style>
+          <a:lnRef idx="1">
+            <a:schemeClr val="accent1"/>
+          </a:lnRef>
+          <a:fillRef idx="0">
+            <a:schemeClr val="accent1"/>
+          </a:fillRef>
+          <a:effectRef idx="0">
+            <a:schemeClr val="accent1"/>
+          </a:effectRef>
+          <a:fontRef idx="minor">
+            <a:schemeClr val="tx1"/>
+          </a:fontRef>
+        </p:style>
+      </p:cxnSp>
+      <p:cxnSp>
+        <p:nvCxnSpPr>
+          <p:cNvPr id="51" name="직선 연결선 50">
+            <a:extLst>
+              <a:ext uri="{FF2B5EF4-FFF2-40B4-BE49-F238E27FC236}">
+                <a16:creationId xmlns:a16="http://schemas.microsoft.com/office/drawing/2014/main" id="{140DEDF1-BB5B-42FD-A6E4-99F560C26100}"/>
+              </a:ext>
+            </a:extLst>
+          </p:cNvPr>
+          <p:cNvCxnSpPr>
+            <a:cxnSpLocks/>
+          </p:cNvCxnSpPr>
+          <p:nvPr/>
+        </p:nvCxnSpPr>
+        <p:spPr>
+          <a:xfrm flipV="1">
+            <a:off x="3098744" y="2931790"/>
+            <a:ext cx="0" cy="145931"/>
+          </a:xfrm>
+          <a:prstGeom prst="line">
+            <a:avLst/>
+          </a:prstGeom>
+          <a:ln w="28575">
+            <a:solidFill>
+              <a:schemeClr val="tx2"/>
+            </a:solidFill>
+          </a:ln>
+        </p:spPr>
+        <p:style>
+          <a:lnRef idx="1">
+            <a:schemeClr val="accent1"/>
+          </a:lnRef>
+          <a:fillRef idx="0">
+            <a:schemeClr val="accent1"/>
+          </a:fillRef>
+          <a:effectRef idx="0">
+            <a:schemeClr val="accent1"/>
+          </a:effectRef>
+          <a:fontRef idx="minor">
+            <a:schemeClr val="tx1"/>
+          </a:fontRef>
+        </p:style>
+      </p:cxnSp>
+      <p:cxnSp>
+        <p:nvCxnSpPr>
+          <p:cNvPr id="54" name="직선 연결선 53">
+            <a:extLst>
+              <a:ext uri="{FF2B5EF4-FFF2-40B4-BE49-F238E27FC236}">
+                <a16:creationId xmlns:a16="http://schemas.microsoft.com/office/drawing/2014/main" id="{0A15C1C4-F16F-4DCC-9DFF-1F138BD506A8}"/>
+              </a:ext>
+            </a:extLst>
+          </p:cNvPr>
+          <p:cNvCxnSpPr>
+            <a:cxnSpLocks/>
+          </p:cNvCxnSpPr>
+          <p:nvPr/>
+        </p:nvCxnSpPr>
+        <p:spPr>
+          <a:xfrm flipV="1">
+            <a:off x="4591688" y="2931790"/>
+            <a:ext cx="0" cy="145932"/>
+          </a:xfrm>
+          <a:prstGeom prst="line">
+            <a:avLst/>
+          </a:prstGeom>
+          <a:ln w="28575">
+            <a:solidFill>
+              <a:schemeClr val="tx2"/>
+            </a:solidFill>
+            <a:prstDash val="lgDashDot"/>
+          </a:ln>
+        </p:spPr>
+        <p:style>
+          <a:lnRef idx="1">
+            <a:schemeClr val="accent1"/>
+          </a:lnRef>
+          <a:fillRef idx="0">
+            <a:schemeClr val="accent1"/>
+          </a:fillRef>
+          <a:effectRef idx="0">
+            <a:schemeClr val="accent1"/>
+          </a:effectRef>
+          <a:fontRef idx="minor">
+            <a:schemeClr val="tx1"/>
+          </a:fontRef>
+        </p:style>
+      </p:cxnSp>
+      <p:cxnSp>
+        <p:nvCxnSpPr>
+          <p:cNvPr id="55" name="직선 연결선 54">
+            <a:extLst>
+              <a:ext uri="{FF2B5EF4-FFF2-40B4-BE49-F238E27FC236}">
+                <a16:creationId xmlns:a16="http://schemas.microsoft.com/office/drawing/2014/main" id="{B479CD42-8F45-477E-8EA0-CA5E9547A0A5}"/>
+              </a:ext>
+            </a:extLst>
+          </p:cNvPr>
+          <p:cNvCxnSpPr>
+            <a:cxnSpLocks/>
+          </p:cNvCxnSpPr>
+          <p:nvPr/>
+        </p:nvCxnSpPr>
+        <p:spPr>
+          <a:xfrm flipV="1">
+            <a:off x="6663530" y="2931790"/>
+            <a:ext cx="0" cy="145932"/>
+          </a:xfrm>
+          <a:prstGeom prst="line">
+            <a:avLst/>
+          </a:prstGeom>
+          <a:ln w="28575">
+            <a:solidFill>
+              <a:schemeClr val="tx2"/>
+            </a:solidFill>
+            <a:prstDash val="lgDashDot"/>
+          </a:ln>
+        </p:spPr>
+        <p:style>
+          <a:lnRef idx="1">
+            <a:schemeClr val="accent1"/>
+          </a:lnRef>
+          <a:fillRef idx="0">
+            <a:schemeClr val="accent1"/>
+          </a:fillRef>
+          <a:effectRef idx="0">
+            <a:schemeClr val="accent1"/>
+          </a:effectRef>
+          <a:fontRef idx="minor">
+            <a:schemeClr val="tx1"/>
+          </a:fontRef>
+        </p:style>
+      </p:cxnSp>
+      <p:cxnSp>
+        <p:nvCxnSpPr>
+          <p:cNvPr id="56" name="직선 연결선 55">
+            <a:extLst>
+              <a:ext uri="{FF2B5EF4-FFF2-40B4-BE49-F238E27FC236}">
+                <a16:creationId xmlns:a16="http://schemas.microsoft.com/office/drawing/2014/main" id="{94879640-6AEC-46C4-9CD3-EF8CD12B9412}"/>
+              </a:ext>
+            </a:extLst>
+          </p:cNvPr>
+          <p:cNvCxnSpPr>
+            <a:cxnSpLocks/>
+          </p:cNvCxnSpPr>
+          <p:nvPr/>
+        </p:nvCxnSpPr>
+        <p:spPr>
+          <a:xfrm flipV="1">
+            <a:off x="8144367" y="2931790"/>
+            <a:ext cx="0" cy="145932"/>
+          </a:xfrm>
+          <a:prstGeom prst="line">
+            <a:avLst/>
+          </a:prstGeom>
+          <a:ln w="28575">
+            <a:solidFill>
+              <a:schemeClr val="tx2"/>
+            </a:solidFill>
+            <a:prstDash val="lgDashDot"/>
+          </a:ln>
+        </p:spPr>
+        <p:style>
+          <a:lnRef idx="1">
+            <a:schemeClr val="accent1"/>
+          </a:lnRef>
+          <a:fillRef idx="0">
+            <a:schemeClr val="accent1"/>
+          </a:fillRef>
+          <a:effectRef idx="0">
+            <a:schemeClr val="accent1"/>
+          </a:effectRef>
+          <a:fontRef idx="minor">
+            <a:schemeClr val="tx1"/>
+          </a:fontRef>
+        </p:style>
+      </p:cxnSp>
+      <p:cxnSp>
+        <p:nvCxnSpPr>
+          <p:cNvPr id="57" name="직선 연결선 56">
+            <a:extLst>
+              <a:ext uri="{FF2B5EF4-FFF2-40B4-BE49-F238E27FC236}">
+                <a16:creationId xmlns:a16="http://schemas.microsoft.com/office/drawing/2014/main" id="{F7DF5B17-4E6D-4CDA-BC0A-4FC72F04245E}"/>
+              </a:ext>
+            </a:extLst>
+          </p:cNvPr>
+          <p:cNvCxnSpPr>
+            <a:cxnSpLocks/>
+          </p:cNvCxnSpPr>
+          <p:nvPr/>
+        </p:nvCxnSpPr>
+        <p:spPr>
+          <a:xfrm flipV="1">
+            <a:off x="3779912" y="2272846"/>
+            <a:ext cx="0" cy="658944"/>
+          </a:xfrm>
+          <a:prstGeom prst="line">
+            <a:avLst/>
+          </a:prstGeom>
+          <a:ln w="28575">
+            <a:solidFill>
+              <a:schemeClr val="tx2"/>
+            </a:solidFill>
+            <a:prstDash val="lgDashDot"/>
+          </a:ln>
+        </p:spPr>
+        <p:style>
+          <a:lnRef idx="1">
+            <a:schemeClr val="accent1"/>
+          </a:lnRef>
+          <a:fillRef idx="0">
+            <a:schemeClr val="accent1"/>
+          </a:fillRef>
+          <a:effectRef idx="0">
+            <a:schemeClr val="accent1"/>
+          </a:effectRef>
+          <a:fontRef idx="minor">
+            <a:schemeClr val="tx1"/>
+          </a:fontRef>
+        </p:style>
+      </p:cxnSp>
+      <p:cxnSp>
+        <p:nvCxnSpPr>
+          <p:cNvPr id="64" name="직선 연결선 63">
+            <a:extLst>
+              <a:ext uri="{FF2B5EF4-FFF2-40B4-BE49-F238E27FC236}">
+                <a16:creationId xmlns:a16="http://schemas.microsoft.com/office/drawing/2014/main" id="{0018A82E-4823-4E79-896F-C00D57AA213E}"/>
+              </a:ext>
+            </a:extLst>
+          </p:cNvPr>
+          <p:cNvCxnSpPr>
+            <a:cxnSpLocks/>
+          </p:cNvCxnSpPr>
+          <p:nvPr/>
+        </p:nvCxnSpPr>
+        <p:spPr>
+          <a:xfrm flipV="1">
+            <a:off x="7380312" y="2272846"/>
+            <a:ext cx="0" cy="658944"/>
+          </a:xfrm>
+          <a:prstGeom prst="line">
+            <a:avLst/>
+          </a:prstGeom>
+          <a:ln w="28575">
+            <a:solidFill>
+              <a:schemeClr val="tx2"/>
+            </a:solidFill>
+            <a:prstDash val="lgDashDot"/>
+          </a:ln>
+        </p:spPr>
+        <p:style>
+          <a:lnRef idx="1">
+            <a:schemeClr val="accent1"/>
+          </a:lnRef>
+          <a:fillRef idx="0">
+            <a:schemeClr val="accent1"/>
+          </a:fillRef>
+          <a:effectRef idx="0">
+            <a:schemeClr val="accent1"/>
+          </a:effectRef>
+          <a:fontRef idx="minor">
+            <a:schemeClr val="tx1"/>
+          </a:fontRef>
+        </p:style>
+      </p:cxnSp>
+      <p:cxnSp>
+        <p:nvCxnSpPr>
+          <p:cNvPr id="65" name="직선 연결선 64">
+            <a:extLst>
+              <a:ext uri="{FF2B5EF4-FFF2-40B4-BE49-F238E27FC236}">
+                <a16:creationId xmlns:a16="http://schemas.microsoft.com/office/drawing/2014/main" id="{9B0A90D7-058A-4B75-9435-6FEACC401D36}"/>
+              </a:ext>
+            </a:extLst>
+          </p:cNvPr>
+          <p:cNvCxnSpPr>
+            <a:cxnSpLocks/>
+          </p:cNvCxnSpPr>
+          <p:nvPr/>
+        </p:nvCxnSpPr>
+        <p:spPr>
+          <a:xfrm>
+            <a:off x="2101850" y="2427734"/>
+            <a:ext cx="5499678" cy="0"/>
+          </a:xfrm>
+          <a:prstGeom prst="line">
+            <a:avLst/>
+          </a:prstGeom>
+          <a:ln w="28575">
+            <a:solidFill>
+              <a:srgbClr val="C00000"/>
+            </a:solidFill>
+            <a:prstDash val="lgDashDot"/>
+          </a:ln>
+        </p:spPr>
+        <p:style>
+          <a:lnRef idx="1">
+            <a:schemeClr val="accent1"/>
+          </a:lnRef>
+          <a:fillRef idx="0">
+            <a:schemeClr val="accent1"/>
+          </a:fillRef>
+          <a:effectRef idx="0">
+            <a:schemeClr val="accent1"/>
+          </a:effectRef>
+          <a:fontRef idx="minor">
+            <a:schemeClr val="tx1"/>
+          </a:fontRef>
+        </p:style>
+      </p:cxnSp>
+      <p:cxnSp>
+        <p:nvCxnSpPr>
+          <p:cNvPr id="67" name="직선 연결선 66">
+            <a:extLst>
+              <a:ext uri="{FF2B5EF4-FFF2-40B4-BE49-F238E27FC236}">
+                <a16:creationId xmlns:a16="http://schemas.microsoft.com/office/drawing/2014/main" id="{18C9AFAF-7988-4504-B651-28443377D184}"/>
+              </a:ext>
+            </a:extLst>
+          </p:cNvPr>
+          <p:cNvCxnSpPr>
+            <a:cxnSpLocks/>
+          </p:cNvCxnSpPr>
+          <p:nvPr/>
+        </p:nvCxnSpPr>
+        <p:spPr>
+          <a:xfrm flipV="1">
+            <a:off x="7601528" y="2272847"/>
+            <a:ext cx="0" cy="154621"/>
+          </a:xfrm>
+          <a:prstGeom prst="line">
+            <a:avLst/>
+          </a:prstGeom>
+          <a:ln w="28575">
+            <a:solidFill>
+              <a:srgbClr val="C00000"/>
+            </a:solidFill>
+          </a:ln>
+        </p:spPr>
+        <p:style>
+          <a:lnRef idx="1">
+            <a:schemeClr val="accent1"/>
+          </a:lnRef>
+          <a:fillRef idx="0">
+            <a:schemeClr val="accent1"/>
+          </a:fillRef>
+          <a:effectRef idx="0">
+            <a:schemeClr val="accent1"/>
+          </a:effectRef>
+          <a:fontRef idx="minor">
+            <a:schemeClr val="tx1"/>
+          </a:fontRef>
+        </p:style>
+      </p:cxnSp>
+      <p:cxnSp>
+        <p:nvCxnSpPr>
+          <p:cNvPr id="72" name="직선 연결선 71">
+            <a:extLst>
+              <a:ext uri="{FF2B5EF4-FFF2-40B4-BE49-F238E27FC236}">
+                <a16:creationId xmlns:a16="http://schemas.microsoft.com/office/drawing/2014/main" id="{42E64E8B-3FE7-49B7-B270-C7355CEE9ADC}"/>
+              </a:ext>
+            </a:extLst>
+          </p:cNvPr>
+          <p:cNvCxnSpPr>
+            <a:cxnSpLocks/>
+          </p:cNvCxnSpPr>
+          <p:nvPr/>
+        </p:nvCxnSpPr>
+        <p:spPr>
+          <a:xfrm flipV="1">
+            <a:off x="4038454" y="2272847"/>
+            <a:ext cx="0" cy="154621"/>
+          </a:xfrm>
+          <a:prstGeom prst="line">
+            <a:avLst/>
+          </a:prstGeom>
+          <a:ln w="28575">
+            <a:solidFill>
+              <a:srgbClr val="C00000"/>
+            </a:solidFill>
+            <a:prstDash val="lgDashDot"/>
+          </a:ln>
+        </p:spPr>
+        <p:style>
+          <a:lnRef idx="1">
+            <a:schemeClr val="accent1"/>
+          </a:lnRef>
+          <a:fillRef idx="0">
+            <a:schemeClr val="accent1"/>
+          </a:fillRef>
+          <a:effectRef idx="0">
+            <a:schemeClr val="accent1"/>
+          </a:effectRef>
+          <a:fontRef idx="minor">
+            <a:schemeClr val="tx1"/>
+          </a:fontRef>
+        </p:style>
+      </p:cxnSp>
+      <p:sp>
+        <p:nvSpPr>
+          <p:cNvPr id="103" name="사각형: 둥근 모서리 102">
+            <a:extLst>
+              <a:ext uri="{FF2B5EF4-FFF2-40B4-BE49-F238E27FC236}">
+                <a16:creationId xmlns:a16="http://schemas.microsoft.com/office/drawing/2014/main" id="{30C7BA91-A1FB-4CB0-A53A-34784187CCB7}"/>
+              </a:ext>
+            </a:extLst>
+          </p:cNvPr>
+          <p:cNvSpPr/>
+          <p:nvPr/>
+        </p:nvSpPr>
+        <p:spPr>
+          <a:xfrm>
+            <a:off x="3346405" y="1350456"/>
+            <a:ext cx="1153588" cy="334702"/>
+          </a:xfrm>
+          <a:prstGeom prst="roundRect">
+            <a:avLst>
+              <a:gd name="adj" fmla="val 7190"/>
+            </a:avLst>
+          </a:prstGeom>
+        </p:spPr>
+        <p:style>
+          <a:lnRef idx="2">
+            <a:schemeClr val="dk1"/>
+          </a:lnRef>
+          <a:fillRef idx="1">
+            <a:schemeClr val="lt1"/>
+          </a:fillRef>
+          <a:effectRef idx="0">
+            <a:schemeClr val="dk1"/>
+          </a:effectRef>
+          <a:fontRef idx="minor">
+            <a:schemeClr val="dk1"/>
+          </a:fontRef>
+        </p:style>
+        <p:txBody>
+          <a:bodyPr rtlCol="0" anchor="ctr"/>
+          <a:lstStyle/>
+          <a:p>
+            <a:pPr algn="ctr"/>
+            <a:r>
+              <a:rPr lang="en-US" altLang="ko-KR" sz="1200"/>
+              <a:t>Unix Socket</a:t>
+            </a:r>
+            <a:endParaRPr lang="ko-KR" altLang="en-US" sz="1200"/>
+          </a:p>
+        </p:txBody>
+      </p:sp>
+      <p:sp>
+        <p:nvSpPr>
+          <p:cNvPr id="104" name="사각형: 둥근 모서리 103">
+            <a:extLst>
+              <a:ext uri="{FF2B5EF4-FFF2-40B4-BE49-F238E27FC236}">
+                <a16:creationId xmlns:a16="http://schemas.microsoft.com/office/drawing/2014/main" id="{064BF313-61FA-41B8-AADC-C85978563B86}"/>
+              </a:ext>
+            </a:extLst>
+          </p:cNvPr>
+          <p:cNvSpPr/>
+          <p:nvPr/>
+        </p:nvSpPr>
+        <p:spPr>
+          <a:xfrm>
+            <a:off x="7731019" y="1804469"/>
+            <a:ext cx="992147" cy="334702"/>
+          </a:xfrm>
+          <a:prstGeom prst="roundRect">
+            <a:avLst>
+              <a:gd name="adj" fmla="val 7190"/>
+            </a:avLst>
+          </a:prstGeom>
+        </p:spPr>
+        <p:style>
+          <a:lnRef idx="2">
+            <a:schemeClr val="dk1"/>
+          </a:lnRef>
+          <a:fillRef idx="1">
+            <a:schemeClr val="lt1"/>
+          </a:fillRef>
+          <a:effectRef idx="0">
+            <a:schemeClr val="dk1"/>
+          </a:effectRef>
+          <a:fontRef idx="minor">
+            <a:schemeClr val="dk1"/>
+          </a:fontRef>
+        </p:style>
+        <p:txBody>
+          <a:bodyPr rtlCol="0" anchor="ctr"/>
+          <a:lstStyle/>
+          <a:p>
+            <a:pPr algn="ctr"/>
+            <a:r>
+              <a:rPr lang="en-US" altLang="ko-KR" sz="1200"/>
+              <a:t>HAProxy</a:t>
+            </a:r>
+            <a:endParaRPr lang="ko-KR" altLang="en-US" sz="1200"/>
+          </a:p>
+        </p:txBody>
+      </p:sp>
+      <p:sp>
+        <p:nvSpPr>
+          <p:cNvPr id="105" name="사각형: 둥근 모서리 104">
+            <a:extLst>
+              <a:ext uri="{FF2B5EF4-FFF2-40B4-BE49-F238E27FC236}">
+                <a16:creationId xmlns:a16="http://schemas.microsoft.com/office/drawing/2014/main" id="{4F78800F-C938-4AB2-A810-9B35AE6BF75B}"/>
+              </a:ext>
+            </a:extLst>
+          </p:cNvPr>
+          <p:cNvSpPr/>
+          <p:nvPr/>
+        </p:nvSpPr>
+        <p:spPr>
+          <a:xfrm>
+            <a:off x="6252925" y="1794127"/>
+            <a:ext cx="992147" cy="334702"/>
+          </a:xfrm>
+          <a:prstGeom prst="roundRect">
+            <a:avLst>
+              <a:gd name="adj" fmla="val 7190"/>
+            </a:avLst>
+          </a:prstGeom>
+        </p:spPr>
+        <p:style>
+          <a:lnRef idx="2">
+            <a:schemeClr val="dk1"/>
+          </a:lnRef>
+          <a:fillRef idx="1">
+            <a:schemeClr val="lt1"/>
+          </a:fillRef>
+          <a:effectRef idx="0">
+            <a:schemeClr val="dk1"/>
+          </a:effectRef>
+          <a:fontRef idx="minor">
+            <a:schemeClr val="dk1"/>
+          </a:fontRef>
+        </p:style>
+        <p:txBody>
+          <a:bodyPr rtlCol="0" anchor="ctr"/>
+          <a:lstStyle/>
+          <a:p>
+            <a:pPr algn="ctr"/>
+            <a:r>
+              <a:rPr lang="en-US" altLang="ko-KR" sz="1200"/>
+              <a:t>Agent</a:t>
+            </a:r>
+            <a:endParaRPr lang="ko-KR" altLang="en-US" sz="1200"/>
+          </a:p>
+        </p:txBody>
+      </p:sp>
+      <p:sp>
+        <p:nvSpPr>
+          <p:cNvPr id="106" name="사각형: 둥근 모서리 105">
+            <a:extLst>
+              <a:ext uri="{FF2B5EF4-FFF2-40B4-BE49-F238E27FC236}">
+                <a16:creationId xmlns:a16="http://schemas.microsoft.com/office/drawing/2014/main" id="{B103D0C8-7ACE-4948-8507-F3F8CFF6B526}"/>
+              </a:ext>
+            </a:extLst>
+          </p:cNvPr>
+          <p:cNvSpPr/>
+          <p:nvPr/>
+        </p:nvSpPr>
+        <p:spPr>
+          <a:xfrm>
+            <a:off x="6905554" y="1350456"/>
+            <a:ext cx="1153588" cy="334702"/>
+          </a:xfrm>
+          <a:prstGeom prst="roundRect">
+            <a:avLst>
+              <a:gd name="adj" fmla="val 7190"/>
+            </a:avLst>
+          </a:prstGeom>
+        </p:spPr>
+        <p:style>
+          <a:lnRef idx="2">
+            <a:schemeClr val="dk1"/>
+          </a:lnRef>
+          <a:fillRef idx="1">
+            <a:schemeClr val="lt1"/>
+          </a:fillRef>
+          <a:effectRef idx="0">
+            <a:schemeClr val="dk1"/>
+          </a:effectRef>
+          <a:fontRef idx="minor">
+            <a:schemeClr val="dk1"/>
+          </a:fontRef>
+        </p:style>
+        <p:txBody>
+          <a:bodyPr rtlCol="0" anchor="ctr"/>
+          <a:lstStyle/>
+          <a:p>
+            <a:pPr algn="ctr"/>
+            <a:r>
+              <a:rPr lang="en-US" altLang="ko-KR" sz="1200"/>
+              <a:t>Unix Socket</a:t>
+            </a:r>
+            <a:endParaRPr lang="ko-KR" altLang="en-US" sz="1200"/>
+          </a:p>
+        </p:txBody>
+      </p:sp>
+      <p:cxnSp>
+        <p:nvCxnSpPr>
+          <p:cNvPr id="109" name="직선 화살표 연결선 108">
+            <a:extLst>
+              <a:ext uri="{FF2B5EF4-FFF2-40B4-BE49-F238E27FC236}">
+                <a16:creationId xmlns:a16="http://schemas.microsoft.com/office/drawing/2014/main" id="{5137952C-6761-4975-B366-5275E2E5E86C}"/>
+              </a:ext>
+            </a:extLst>
+          </p:cNvPr>
+          <p:cNvCxnSpPr>
+            <a:cxnSpLocks/>
+            <a:stCxn id="104" idx="0"/>
+            <a:endCxn id="106" idx="2"/>
+          </p:cNvCxnSpPr>
+          <p:nvPr/>
+        </p:nvCxnSpPr>
+        <p:spPr>
+          <a:xfrm flipH="1" flipV="1">
+            <a:off x="7482348" y="1685158"/>
+            <a:ext cx="744745" cy="119311"/>
+          </a:xfrm>
+          <a:prstGeom prst="straightConnector1">
+            <a:avLst/>
+          </a:prstGeom>
+          <a:ln w="28575">
+            <a:solidFill>
+              <a:schemeClr val="accent4"/>
+            </a:solidFill>
+            <a:headEnd type="none" w="med" len="med"/>
+            <a:tailEnd type="arrow" w="med" len="med"/>
+          </a:ln>
+        </p:spPr>
+        <p:style>
+          <a:lnRef idx="1">
+            <a:schemeClr val="accent1"/>
+          </a:lnRef>
+          <a:fillRef idx="0">
+            <a:schemeClr val="accent1"/>
+          </a:fillRef>
+          <a:effectRef idx="0">
+            <a:schemeClr val="accent1"/>
+          </a:effectRef>
+          <a:fontRef idx="minor">
+            <a:schemeClr val="tx1"/>
+          </a:fontRef>
+        </p:style>
+      </p:cxnSp>
+      <p:cxnSp>
+        <p:nvCxnSpPr>
+          <p:cNvPr id="113" name="직선 화살표 연결선 112">
+            <a:extLst>
+              <a:ext uri="{FF2B5EF4-FFF2-40B4-BE49-F238E27FC236}">
+                <a16:creationId xmlns:a16="http://schemas.microsoft.com/office/drawing/2014/main" id="{6F3D18AB-3A8D-4AF7-A9E9-43A8B35DE3CB}"/>
+              </a:ext>
+            </a:extLst>
+          </p:cNvPr>
+          <p:cNvCxnSpPr>
+            <a:cxnSpLocks/>
+            <a:stCxn id="103" idx="2"/>
+            <a:endCxn id="8" idx="0"/>
+          </p:cNvCxnSpPr>
+          <p:nvPr/>
+        </p:nvCxnSpPr>
+        <p:spPr>
+          <a:xfrm flipH="1">
+            <a:off x="3189850" y="1685158"/>
+            <a:ext cx="733349" cy="108969"/>
+          </a:xfrm>
+          <a:prstGeom prst="straightConnector1">
+            <a:avLst/>
+          </a:prstGeom>
+          <a:ln w="28575">
+            <a:solidFill>
+              <a:schemeClr val="accent4"/>
+            </a:solidFill>
+            <a:headEnd type="none" w="med" len="med"/>
+            <a:tailEnd type="arrow" w="med" len="med"/>
+          </a:ln>
+        </p:spPr>
+        <p:style>
+          <a:lnRef idx="1">
+            <a:schemeClr val="accent1"/>
+          </a:lnRef>
+          <a:fillRef idx="0">
+            <a:schemeClr val="accent1"/>
+          </a:fillRef>
+          <a:effectRef idx="0">
+            <a:schemeClr val="accent1"/>
+          </a:effectRef>
+          <a:fontRef idx="minor">
+            <a:schemeClr val="tx1"/>
+          </a:fontRef>
+        </p:style>
+      </p:cxnSp>
+      <p:cxnSp>
+        <p:nvCxnSpPr>
+          <p:cNvPr id="116" name="직선 화살표 연결선 115">
+            <a:extLst>
+              <a:ext uri="{FF2B5EF4-FFF2-40B4-BE49-F238E27FC236}">
+                <a16:creationId xmlns:a16="http://schemas.microsoft.com/office/drawing/2014/main" id="{831D9E62-F411-4849-B25D-A1134471902E}"/>
+              </a:ext>
+            </a:extLst>
+          </p:cNvPr>
+          <p:cNvCxnSpPr>
+            <a:cxnSpLocks/>
+            <a:stCxn id="106" idx="2"/>
+            <a:endCxn id="105" idx="0"/>
+          </p:cNvCxnSpPr>
+          <p:nvPr/>
+        </p:nvCxnSpPr>
+        <p:spPr>
+          <a:xfrm flipH="1">
+            <a:off x="6748999" y="1685158"/>
+            <a:ext cx="733349" cy="108969"/>
+          </a:xfrm>
+          <a:prstGeom prst="straightConnector1">
+            <a:avLst/>
+          </a:prstGeom>
+          <a:ln w="28575">
+            <a:solidFill>
+              <a:schemeClr val="accent4"/>
+            </a:solidFill>
+            <a:headEnd type="none" w="med" len="med"/>
+            <a:tailEnd type="arrow" w="med" len="med"/>
+          </a:ln>
+        </p:spPr>
+        <p:style>
+          <a:lnRef idx="1">
+            <a:schemeClr val="accent1"/>
+          </a:lnRef>
+          <a:fillRef idx="0">
+            <a:schemeClr val="accent1"/>
+          </a:fillRef>
+          <a:effectRef idx="0">
+            <a:schemeClr val="accent1"/>
+          </a:effectRef>
+          <a:fontRef idx="minor">
+            <a:schemeClr val="tx1"/>
+          </a:fontRef>
+        </p:style>
+      </p:cxnSp>
+      <p:cxnSp>
+        <p:nvCxnSpPr>
+          <p:cNvPr id="137" name="직선 화살표 연결선 136">
+            <a:extLst>
+              <a:ext uri="{FF2B5EF4-FFF2-40B4-BE49-F238E27FC236}">
+                <a16:creationId xmlns:a16="http://schemas.microsoft.com/office/drawing/2014/main" id="{D5093CC1-2E04-498C-B880-6A3110ABF22F}"/>
+              </a:ext>
+            </a:extLst>
+          </p:cNvPr>
+          <p:cNvCxnSpPr>
+            <a:cxnSpLocks/>
+            <a:endCxn id="7" idx="2"/>
+          </p:cNvCxnSpPr>
+          <p:nvPr/>
+        </p:nvCxnSpPr>
+        <p:spPr>
+          <a:xfrm flipV="1">
+            <a:off x="4667944" y="2139171"/>
+            <a:ext cx="0" cy="501184"/>
+          </a:xfrm>
+          <a:prstGeom prst="straightConnector1">
+            <a:avLst/>
+          </a:prstGeom>
+          <a:ln w="28575">
+            <a:solidFill>
+              <a:schemeClr val="accent3">
+                <a:lumMod val="75000"/>
+              </a:schemeClr>
+            </a:solidFill>
+            <a:headEnd type="none" w="med" len="med"/>
+            <a:tailEnd type="arrow" w="med" len="med"/>
+          </a:ln>
+        </p:spPr>
+        <p:style>
+          <a:lnRef idx="1">
+            <a:schemeClr val="accent1"/>
+          </a:lnRef>
+          <a:fillRef idx="0">
+            <a:schemeClr val="accent1"/>
+          </a:fillRef>
+          <a:effectRef idx="0">
+            <a:schemeClr val="accent1"/>
+          </a:effectRef>
+          <a:fontRef idx="minor">
+            <a:schemeClr val="tx1"/>
+          </a:fontRef>
+        </p:style>
+      </p:cxnSp>
+      <p:cxnSp>
+        <p:nvCxnSpPr>
+          <p:cNvPr id="94" name="직선 화살표 연결선 93">
+            <a:extLst>
+              <a:ext uri="{FF2B5EF4-FFF2-40B4-BE49-F238E27FC236}">
+                <a16:creationId xmlns:a16="http://schemas.microsoft.com/office/drawing/2014/main" id="{AC459A28-D190-47B2-B90A-D4E2A376F6A8}"/>
+              </a:ext>
+            </a:extLst>
+          </p:cNvPr>
+          <p:cNvCxnSpPr>
+            <a:cxnSpLocks/>
+            <a:stCxn id="7" idx="0"/>
+            <a:endCxn id="103" idx="2"/>
+          </p:cNvCxnSpPr>
+          <p:nvPr/>
+        </p:nvCxnSpPr>
+        <p:spPr>
+          <a:xfrm flipH="1" flipV="1">
+            <a:off x="3923199" y="1685158"/>
+            <a:ext cx="744745" cy="119311"/>
+          </a:xfrm>
+          <a:prstGeom prst="straightConnector1">
+            <a:avLst/>
+          </a:prstGeom>
+          <a:ln w="28575">
+            <a:solidFill>
+              <a:schemeClr val="accent4"/>
+            </a:solidFill>
+            <a:headEnd type="none" w="med" len="med"/>
+            <a:tailEnd type="arrow" w="med" len="med"/>
+          </a:ln>
+        </p:spPr>
+        <p:style>
+          <a:lnRef idx="1">
+            <a:schemeClr val="accent1"/>
+          </a:lnRef>
+          <a:fillRef idx="0">
+            <a:schemeClr val="accent1"/>
+          </a:fillRef>
+          <a:effectRef idx="0">
+            <a:schemeClr val="accent1"/>
+          </a:effectRef>
+          <a:fontRef idx="minor">
+            <a:schemeClr val="tx1"/>
+          </a:fontRef>
+        </p:style>
+      </p:cxnSp>
+      <p:cxnSp>
+        <p:nvCxnSpPr>
+          <p:cNvPr id="148" name="직선 연결선 147">
+            <a:extLst>
+              <a:ext uri="{FF2B5EF4-FFF2-40B4-BE49-F238E27FC236}">
+                <a16:creationId xmlns:a16="http://schemas.microsoft.com/office/drawing/2014/main" id="{530EA13D-E0F8-4330-A473-45894F0F4122}"/>
+              </a:ext>
+            </a:extLst>
+          </p:cNvPr>
+          <p:cNvCxnSpPr>
+            <a:cxnSpLocks/>
+          </p:cNvCxnSpPr>
+          <p:nvPr/>
+        </p:nvCxnSpPr>
+        <p:spPr>
+          <a:xfrm>
+            <a:off x="3258092" y="2643758"/>
+            <a:ext cx="5045624" cy="0"/>
+          </a:xfrm>
+          <a:prstGeom prst="line">
+            <a:avLst/>
+          </a:prstGeom>
+          <a:ln w="28575">
+            <a:solidFill>
+              <a:schemeClr val="accent3">
+                <a:lumMod val="75000"/>
+              </a:schemeClr>
+            </a:solidFill>
+          </a:ln>
+        </p:spPr>
+        <p:style>
+          <a:lnRef idx="1">
+            <a:schemeClr val="accent1"/>
+          </a:lnRef>
+          <a:fillRef idx="0">
+            <a:schemeClr val="accent1"/>
+          </a:fillRef>
+          <a:effectRef idx="0">
+            <a:schemeClr val="accent1"/>
+          </a:effectRef>
+          <a:fontRef idx="minor">
+            <a:schemeClr val="tx1"/>
+          </a:fontRef>
+        </p:style>
+      </p:cxnSp>
+      <p:cxnSp>
+        <p:nvCxnSpPr>
+          <p:cNvPr id="149" name="직선 연결선 148">
+            <a:extLst>
+              <a:ext uri="{FF2B5EF4-FFF2-40B4-BE49-F238E27FC236}">
+                <a16:creationId xmlns:a16="http://schemas.microsoft.com/office/drawing/2014/main" id="{614157D3-CAF0-4FA4-AA0F-9B99A1D91698}"/>
+              </a:ext>
+            </a:extLst>
+          </p:cNvPr>
+          <p:cNvCxnSpPr>
+            <a:cxnSpLocks/>
+          </p:cNvCxnSpPr>
+          <p:nvPr/>
+        </p:nvCxnSpPr>
+        <p:spPr>
+          <a:xfrm flipV="1">
+            <a:off x="3258092" y="2650151"/>
+            <a:ext cx="0" cy="426613"/>
+          </a:xfrm>
+          <a:prstGeom prst="line">
+            <a:avLst/>
+          </a:prstGeom>
+          <a:ln w="28575">
+            <a:solidFill>
+              <a:schemeClr val="accent3">
+                <a:lumMod val="75000"/>
+              </a:schemeClr>
+            </a:solidFill>
+          </a:ln>
+        </p:spPr>
+        <p:style>
+          <a:lnRef idx="1">
+            <a:schemeClr val="accent1"/>
+          </a:lnRef>
+          <a:fillRef idx="0">
+            <a:schemeClr val="accent1"/>
+          </a:fillRef>
+          <a:effectRef idx="0">
+            <a:schemeClr val="accent1"/>
+          </a:effectRef>
+          <a:fontRef idx="minor">
+            <a:schemeClr val="tx1"/>
+          </a:fontRef>
+        </p:style>
+      </p:cxnSp>
+      <p:cxnSp>
+        <p:nvCxnSpPr>
+          <p:cNvPr id="151" name="직선 연결선 150">
+            <a:extLst>
+              <a:ext uri="{FF2B5EF4-FFF2-40B4-BE49-F238E27FC236}">
+                <a16:creationId xmlns:a16="http://schemas.microsoft.com/office/drawing/2014/main" id="{B08E3D0E-47BB-4F2C-93F2-989D565B5036}"/>
+              </a:ext>
+            </a:extLst>
+          </p:cNvPr>
+          <p:cNvCxnSpPr>
+            <a:cxnSpLocks/>
+          </p:cNvCxnSpPr>
+          <p:nvPr/>
+        </p:nvCxnSpPr>
+        <p:spPr>
+          <a:xfrm flipV="1">
+            <a:off x="4756981" y="2650151"/>
+            <a:ext cx="0" cy="427571"/>
+          </a:xfrm>
+          <a:prstGeom prst="line">
+            <a:avLst/>
+          </a:prstGeom>
+          <a:ln w="28575">
+            <a:solidFill>
+              <a:schemeClr val="accent3">
+                <a:lumMod val="75000"/>
+              </a:schemeClr>
+            </a:solidFill>
+          </a:ln>
+        </p:spPr>
+        <p:style>
+          <a:lnRef idx="1">
+            <a:schemeClr val="accent1"/>
+          </a:lnRef>
+          <a:fillRef idx="0">
+            <a:schemeClr val="accent1"/>
+          </a:fillRef>
+          <a:effectRef idx="0">
+            <a:schemeClr val="accent1"/>
+          </a:effectRef>
+          <a:fontRef idx="minor">
+            <a:schemeClr val="tx1"/>
+          </a:fontRef>
+        </p:style>
+      </p:cxnSp>
+      <p:cxnSp>
+        <p:nvCxnSpPr>
+          <p:cNvPr id="152" name="직선 연결선 151">
+            <a:extLst>
+              <a:ext uri="{FF2B5EF4-FFF2-40B4-BE49-F238E27FC236}">
+                <a16:creationId xmlns:a16="http://schemas.microsoft.com/office/drawing/2014/main" id="{76B5BD1A-0711-418F-9671-7927F0250203}"/>
+              </a:ext>
+            </a:extLst>
+          </p:cNvPr>
+          <p:cNvCxnSpPr>
+            <a:cxnSpLocks/>
+          </p:cNvCxnSpPr>
+          <p:nvPr/>
+        </p:nvCxnSpPr>
+        <p:spPr>
+          <a:xfrm flipV="1">
+            <a:off x="6811135" y="2650151"/>
+            <a:ext cx="0" cy="427571"/>
+          </a:xfrm>
+          <a:prstGeom prst="line">
+            <a:avLst/>
+          </a:prstGeom>
+          <a:ln w="28575">
+            <a:solidFill>
+              <a:schemeClr val="accent3">
+                <a:lumMod val="75000"/>
+              </a:schemeClr>
+            </a:solidFill>
+          </a:ln>
+        </p:spPr>
+        <p:style>
+          <a:lnRef idx="1">
+            <a:schemeClr val="accent1"/>
+          </a:lnRef>
+          <a:fillRef idx="0">
+            <a:schemeClr val="accent1"/>
+          </a:fillRef>
+          <a:effectRef idx="0">
+            <a:schemeClr val="accent1"/>
+          </a:effectRef>
+          <a:fontRef idx="minor">
+            <a:schemeClr val="tx1"/>
+          </a:fontRef>
+        </p:style>
+      </p:cxnSp>
+      <p:cxnSp>
+        <p:nvCxnSpPr>
+          <p:cNvPr id="153" name="직선 연결선 152">
+            <a:extLst>
+              <a:ext uri="{FF2B5EF4-FFF2-40B4-BE49-F238E27FC236}">
+                <a16:creationId xmlns:a16="http://schemas.microsoft.com/office/drawing/2014/main" id="{FD20E2F3-082E-4C21-9D9A-01A238EAA1E4}"/>
+              </a:ext>
+            </a:extLst>
+          </p:cNvPr>
+          <p:cNvCxnSpPr>
+            <a:cxnSpLocks/>
+          </p:cNvCxnSpPr>
+          <p:nvPr/>
+        </p:nvCxnSpPr>
+        <p:spPr>
+          <a:xfrm flipV="1">
+            <a:off x="8294364" y="2650151"/>
+            <a:ext cx="0" cy="427571"/>
+          </a:xfrm>
+          <a:prstGeom prst="line">
+            <a:avLst/>
+          </a:prstGeom>
+          <a:ln w="28575">
+            <a:solidFill>
+              <a:schemeClr val="accent3">
+                <a:lumMod val="75000"/>
+              </a:schemeClr>
+            </a:solidFill>
+          </a:ln>
+        </p:spPr>
+        <p:style>
+          <a:lnRef idx="1">
+            <a:schemeClr val="accent1"/>
+          </a:lnRef>
+          <a:fillRef idx="0">
+            <a:schemeClr val="accent1"/>
+          </a:fillRef>
+          <a:effectRef idx="0">
+            <a:schemeClr val="accent1"/>
+          </a:effectRef>
+          <a:fontRef idx="minor">
+            <a:schemeClr val="tx1"/>
+          </a:fontRef>
+        </p:style>
+      </p:cxnSp>
+      <p:cxnSp>
+        <p:nvCxnSpPr>
+          <p:cNvPr id="172" name="직선 연결선 171">
+            <a:extLst>
+              <a:ext uri="{FF2B5EF4-FFF2-40B4-BE49-F238E27FC236}">
+                <a16:creationId xmlns:a16="http://schemas.microsoft.com/office/drawing/2014/main" id="{33E09171-EF7A-4C3F-A5B5-86EE38B135FC}"/>
+              </a:ext>
+            </a:extLst>
+          </p:cNvPr>
+          <p:cNvCxnSpPr>
+            <a:cxnSpLocks/>
+          </p:cNvCxnSpPr>
+          <p:nvPr/>
+        </p:nvCxnSpPr>
+        <p:spPr>
+          <a:xfrm>
+            <a:off x="1872208" y="2787774"/>
+            <a:ext cx="4716016" cy="0"/>
+          </a:xfrm>
+          <a:prstGeom prst="line">
+            <a:avLst/>
+          </a:prstGeom>
+          <a:ln w="28575">
+            <a:solidFill>
+              <a:schemeClr val="accent4"/>
+            </a:solidFill>
+            <a:headEnd type="arrow" w="med" len="med"/>
+            <a:tailEnd type="none" w="med" len="med"/>
+          </a:ln>
+        </p:spPr>
+        <p:style>
+          <a:lnRef idx="1">
+            <a:schemeClr val="accent1"/>
+          </a:lnRef>
+          <a:fillRef idx="0">
+            <a:schemeClr val="accent1"/>
+          </a:fillRef>
+          <a:effectRef idx="0">
+            <a:schemeClr val="accent1"/>
+          </a:effectRef>
+          <a:fontRef idx="minor">
+            <a:schemeClr val="tx1"/>
+          </a:fontRef>
+        </p:style>
+      </p:cxnSp>
+      <p:cxnSp>
+        <p:nvCxnSpPr>
+          <p:cNvPr id="174" name="직선 연결선 173">
+            <a:extLst>
+              <a:ext uri="{FF2B5EF4-FFF2-40B4-BE49-F238E27FC236}">
+                <a16:creationId xmlns:a16="http://schemas.microsoft.com/office/drawing/2014/main" id="{736CD94A-C39D-4F82-A529-01C1E20CF632}"/>
+              </a:ext>
+            </a:extLst>
+          </p:cNvPr>
+          <p:cNvCxnSpPr>
+            <a:cxnSpLocks/>
+          </p:cNvCxnSpPr>
+          <p:nvPr/>
+        </p:nvCxnSpPr>
+        <p:spPr>
+          <a:xfrm flipV="1">
+            <a:off x="3059832" y="2128829"/>
+            <a:ext cx="0" cy="658945"/>
+          </a:xfrm>
+          <a:prstGeom prst="line">
+            <a:avLst/>
+          </a:prstGeom>
+          <a:ln w="28575">
+            <a:solidFill>
+              <a:schemeClr val="accent4"/>
+            </a:solidFill>
+            <a:headEnd type="none" w="med" len="med"/>
+            <a:tailEnd type="none" w="med" len="med"/>
+          </a:ln>
+        </p:spPr>
+        <p:style>
+          <a:lnRef idx="1">
+            <a:schemeClr val="accent1"/>
+          </a:lnRef>
+          <a:fillRef idx="0">
+            <a:schemeClr val="accent1"/>
+          </a:fillRef>
+          <a:effectRef idx="0">
+            <a:schemeClr val="accent1"/>
+          </a:effectRef>
+          <a:fontRef idx="minor">
+            <a:schemeClr val="tx1"/>
+          </a:fontRef>
+        </p:style>
+      </p:cxnSp>
+      <p:cxnSp>
+        <p:nvCxnSpPr>
+          <p:cNvPr id="184" name="직선 연결선 183">
+            <a:extLst>
+              <a:ext uri="{FF2B5EF4-FFF2-40B4-BE49-F238E27FC236}">
+                <a16:creationId xmlns:a16="http://schemas.microsoft.com/office/drawing/2014/main" id="{73301562-F40D-4A72-9D6C-246C27FD271A}"/>
+              </a:ext>
+            </a:extLst>
+          </p:cNvPr>
+          <p:cNvCxnSpPr>
+            <a:cxnSpLocks/>
+          </p:cNvCxnSpPr>
+          <p:nvPr/>
+        </p:nvCxnSpPr>
+        <p:spPr>
+          <a:xfrm flipV="1">
+            <a:off x="6588224" y="2128829"/>
+            <a:ext cx="0" cy="658945"/>
+          </a:xfrm>
+          <a:prstGeom prst="line">
+            <a:avLst/>
+          </a:prstGeom>
+          <a:ln w="28575">
+            <a:solidFill>
+              <a:schemeClr val="accent4"/>
+            </a:solidFill>
+            <a:headEnd type="none" w="med" len="med"/>
+            <a:tailEnd type="none" w="med" len="med"/>
+          </a:ln>
+        </p:spPr>
+        <p:style>
+          <a:lnRef idx="1">
+            <a:schemeClr val="accent1"/>
+          </a:lnRef>
+          <a:fillRef idx="0">
+            <a:schemeClr val="accent1"/>
+          </a:fillRef>
+          <a:effectRef idx="0">
+            <a:schemeClr val="accent1"/>
+          </a:effectRef>
+          <a:fontRef idx="minor">
+            <a:schemeClr val="tx1"/>
+          </a:fontRef>
+        </p:style>
+      </p:cxnSp>
+      <p:cxnSp>
+        <p:nvCxnSpPr>
+          <p:cNvPr id="185" name="직선 연결선 184">
+            <a:extLst>
+              <a:ext uri="{FF2B5EF4-FFF2-40B4-BE49-F238E27FC236}">
+                <a16:creationId xmlns:a16="http://schemas.microsoft.com/office/drawing/2014/main" id="{D9B3B08B-617B-416C-9B0B-B863F7F28F18}"/>
+              </a:ext>
+            </a:extLst>
+          </p:cNvPr>
+          <p:cNvCxnSpPr>
+            <a:cxnSpLocks/>
+          </p:cNvCxnSpPr>
+          <p:nvPr/>
+        </p:nvCxnSpPr>
+        <p:spPr>
+          <a:xfrm>
+            <a:off x="1872208" y="2498951"/>
+            <a:ext cx="4938927" cy="0"/>
+          </a:xfrm>
+          <a:prstGeom prst="line">
+            <a:avLst/>
+          </a:prstGeom>
+          <a:ln w="28575">
+            <a:solidFill>
+              <a:schemeClr val="accent5"/>
+            </a:solidFill>
+            <a:headEnd type="none" w="med" len="med"/>
+            <a:tailEnd type="none" w="med" len="med"/>
+          </a:ln>
+        </p:spPr>
+        <p:style>
+          <a:lnRef idx="1">
+            <a:schemeClr val="accent1"/>
+          </a:lnRef>
+          <a:fillRef idx="0">
+            <a:schemeClr val="accent1"/>
+          </a:fillRef>
+          <a:effectRef idx="0">
+            <a:schemeClr val="accent1"/>
+          </a:effectRef>
+          <a:fontRef idx="minor">
+            <a:schemeClr val="tx1"/>
+          </a:fontRef>
+        </p:style>
+      </p:cxnSp>
+      <p:cxnSp>
+        <p:nvCxnSpPr>
+          <p:cNvPr id="191" name="직선 연결선 190">
+            <a:extLst>
+              <a:ext uri="{FF2B5EF4-FFF2-40B4-BE49-F238E27FC236}">
+                <a16:creationId xmlns:a16="http://schemas.microsoft.com/office/drawing/2014/main" id="{5684EDFB-4A0B-4A94-8E2D-4EB55C8B6E54}"/>
+              </a:ext>
+            </a:extLst>
+          </p:cNvPr>
+          <p:cNvCxnSpPr>
+            <a:cxnSpLocks/>
+          </p:cNvCxnSpPr>
+          <p:nvPr/>
+        </p:nvCxnSpPr>
+        <p:spPr>
+          <a:xfrm flipV="1">
+            <a:off x="6814093" y="2128829"/>
+            <a:ext cx="0" cy="370122"/>
+          </a:xfrm>
+          <a:prstGeom prst="line">
+            <a:avLst/>
+          </a:prstGeom>
+          <a:ln w="28575">
+            <a:solidFill>
+              <a:schemeClr val="accent5"/>
+            </a:solidFill>
+            <a:prstDash val="solid"/>
+            <a:headEnd type="none" w="med" len="med"/>
+            <a:tailEnd type="arrow" w="med" len="med"/>
+          </a:ln>
+        </p:spPr>
+        <p:style>
+          <a:lnRef idx="1">
+            <a:schemeClr val="accent1"/>
+          </a:lnRef>
+          <a:fillRef idx="0">
+            <a:schemeClr val="accent1"/>
+          </a:fillRef>
+          <a:effectRef idx="0">
+            <a:schemeClr val="accent1"/>
+          </a:effectRef>
+          <a:fontRef idx="minor">
+            <a:schemeClr val="tx1"/>
+          </a:fontRef>
+        </p:style>
+      </p:cxnSp>
+      <p:cxnSp>
+        <p:nvCxnSpPr>
+          <p:cNvPr id="194" name="직선 연결선 193">
+            <a:extLst>
+              <a:ext uri="{FF2B5EF4-FFF2-40B4-BE49-F238E27FC236}">
+                <a16:creationId xmlns:a16="http://schemas.microsoft.com/office/drawing/2014/main" id="{92F40826-03FB-4D17-9947-EA857AD751D7}"/>
+              </a:ext>
+            </a:extLst>
+          </p:cNvPr>
+          <p:cNvCxnSpPr>
+            <a:cxnSpLocks/>
+          </p:cNvCxnSpPr>
+          <p:nvPr/>
+        </p:nvCxnSpPr>
+        <p:spPr>
+          <a:xfrm flipV="1">
+            <a:off x="3261050" y="2128829"/>
+            <a:ext cx="0" cy="370122"/>
+          </a:xfrm>
+          <a:prstGeom prst="line">
+            <a:avLst/>
+          </a:prstGeom>
+          <a:ln w="28575">
+            <a:solidFill>
+              <a:schemeClr val="accent5"/>
+            </a:solidFill>
+            <a:prstDash val="solid"/>
+            <a:headEnd type="none" w="med" len="med"/>
+            <a:tailEnd type="arrow" w="med" len="med"/>
+          </a:ln>
+        </p:spPr>
+        <p:style>
+          <a:lnRef idx="1">
+            <a:schemeClr val="accent1"/>
+          </a:lnRef>
+          <a:fillRef idx="0">
+            <a:schemeClr val="accent1"/>
+          </a:fillRef>
+          <a:effectRef idx="0">
+            <a:schemeClr val="accent1"/>
+          </a:effectRef>
+          <a:fontRef idx="minor">
+            <a:schemeClr val="tx1"/>
+          </a:fontRef>
+        </p:style>
+      </p:cxnSp>
+      <p:cxnSp>
+        <p:nvCxnSpPr>
+          <p:cNvPr id="196" name="직선 화살표 연결선 195">
+            <a:extLst>
+              <a:ext uri="{FF2B5EF4-FFF2-40B4-BE49-F238E27FC236}">
+                <a16:creationId xmlns:a16="http://schemas.microsoft.com/office/drawing/2014/main" id="{1D782898-47D7-467B-BFA2-F9CB96302889}"/>
+              </a:ext>
+            </a:extLst>
+          </p:cNvPr>
+          <p:cNvCxnSpPr>
+            <a:cxnSpLocks/>
+          </p:cNvCxnSpPr>
+          <p:nvPr/>
+        </p:nvCxnSpPr>
+        <p:spPr>
+          <a:xfrm flipV="1">
+            <a:off x="8227093" y="2139171"/>
+            <a:ext cx="0" cy="501184"/>
+          </a:xfrm>
+          <a:prstGeom prst="straightConnector1">
+            <a:avLst/>
+          </a:prstGeom>
+          <a:ln w="28575">
+            <a:solidFill>
+              <a:schemeClr val="accent3">
+                <a:lumMod val="75000"/>
+              </a:schemeClr>
+            </a:solidFill>
+            <a:headEnd type="none" w="med" len="med"/>
+            <a:tailEnd type="arrow" w="med" len="med"/>
+          </a:ln>
+        </p:spPr>
+        <p:style>
+          <a:lnRef idx="1">
+            <a:schemeClr val="accent1"/>
+          </a:lnRef>
+          <a:fillRef idx="0">
+            <a:schemeClr val="accent1"/>
+          </a:fillRef>
+          <a:effectRef idx="0">
+            <a:schemeClr val="accent1"/>
+          </a:effectRef>
+          <a:fontRef idx="minor">
+            <a:schemeClr val="tx1"/>
+          </a:fontRef>
+        </p:style>
+      </p:cxnSp>
+      <p:cxnSp>
+        <p:nvCxnSpPr>
+          <p:cNvPr id="197" name="직선 연결선 196">
+            <a:extLst>
+              <a:ext uri="{FF2B5EF4-FFF2-40B4-BE49-F238E27FC236}">
+                <a16:creationId xmlns:a16="http://schemas.microsoft.com/office/drawing/2014/main" id="{F54CD74A-D22B-44B4-80E5-DE7A66892009}"/>
+              </a:ext>
+            </a:extLst>
+          </p:cNvPr>
+          <p:cNvCxnSpPr>
+            <a:cxnSpLocks/>
+          </p:cNvCxnSpPr>
+          <p:nvPr/>
+        </p:nvCxnSpPr>
+        <p:spPr>
+          <a:xfrm flipH="1">
+            <a:off x="1115616" y="4360754"/>
+            <a:ext cx="398726" cy="0"/>
+          </a:xfrm>
+          <a:prstGeom prst="line">
+            <a:avLst/>
+          </a:prstGeom>
+          <a:ln w="28575">
+            <a:solidFill>
+              <a:srgbClr val="C00000"/>
+            </a:solidFill>
+            <a:prstDash val="lgDashDot"/>
+          </a:ln>
+        </p:spPr>
+        <p:style>
+          <a:lnRef idx="1">
+            <a:schemeClr val="accent1"/>
+          </a:lnRef>
+          <a:fillRef idx="0">
+            <a:schemeClr val="accent1"/>
+          </a:fillRef>
+          <a:effectRef idx="0">
+            <a:schemeClr val="accent1"/>
+          </a:effectRef>
+          <a:fontRef idx="minor">
+            <a:schemeClr val="tx1"/>
+          </a:fontRef>
+        </p:style>
+      </p:cxnSp>
+      <p:sp>
+        <p:nvSpPr>
+          <p:cNvPr id="200" name="TextBox 199">
+            <a:extLst>
+              <a:ext uri="{FF2B5EF4-FFF2-40B4-BE49-F238E27FC236}">
+                <a16:creationId xmlns:a16="http://schemas.microsoft.com/office/drawing/2014/main" id="{A1A6288E-1978-4D57-B37A-3A5FBC79C76F}"/>
+              </a:ext>
+            </a:extLst>
+          </p:cNvPr>
+          <p:cNvSpPr txBox="1"/>
+          <p:nvPr/>
+        </p:nvSpPr>
+        <p:spPr>
+          <a:xfrm>
+            <a:off x="1514341" y="4227934"/>
+            <a:ext cx="2121555" cy="276999"/>
+          </a:xfrm>
+          <a:prstGeom prst="rect">
+            <a:avLst/>
+          </a:prstGeom>
+          <a:noFill/>
+        </p:spPr>
+        <p:txBody>
+          <a:bodyPr wrap="square" rtlCol="0" anchor="ctr">
+            <a:spAutoFit/>
+          </a:bodyPr>
+          <a:lstStyle/>
+          <a:p>
+            <a:r>
+              <a:rPr lang="en-US" altLang="ko-KR" sz="1200"/>
+              <a:t>Octavia/Provider Network</a:t>
+            </a:r>
+            <a:endParaRPr lang="ko-KR" altLang="en-US" sz="1600"/>
+          </a:p>
+        </p:txBody>
+      </p:sp>
+      <p:cxnSp>
+        <p:nvCxnSpPr>
+          <p:cNvPr id="202" name="직선 연결선 201">
+            <a:extLst>
+              <a:ext uri="{FF2B5EF4-FFF2-40B4-BE49-F238E27FC236}">
+                <a16:creationId xmlns:a16="http://schemas.microsoft.com/office/drawing/2014/main" id="{7C90D846-D760-44A0-B69D-706DBA05E043}"/>
+              </a:ext>
+            </a:extLst>
+          </p:cNvPr>
+          <p:cNvCxnSpPr>
+            <a:cxnSpLocks/>
+          </p:cNvCxnSpPr>
+          <p:nvPr/>
+        </p:nvCxnSpPr>
+        <p:spPr>
+          <a:xfrm flipH="1">
+            <a:off x="1115616" y="4644822"/>
+            <a:ext cx="398726" cy="0"/>
+          </a:xfrm>
+          <a:prstGeom prst="line">
+            <a:avLst/>
+          </a:prstGeom>
+          <a:ln w="28575">
+            <a:solidFill>
+              <a:schemeClr val="tx2"/>
+            </a:solidFill>
+            <a:prstDash val="lgDashDot"/>
+          </a:ln>
+        </p:spPr>
+        <p:style>
+          <a:lnRef idx="1">
+            <a:schemeClr val="accent1"/>
+          </a:lnRef>
+          <a:fillRef idx="0">
+            <a:schemeClr val="accent1"/>
+          </a:fillRef>
+          <a:effectRef idx="0">
+            <a:schemeClr val="accent1"/>
+          </a:effectRef>
+          <a:fontRef idx="minor">
+            <a:schemeClr val="tx1"/>
+          </a:fontRef>
+        </p:style>
+      </p:cxnSp>
+      <p:sp>
+        <p:nvSpPr>
+          <p:cNvPr id="203" name="TextBox 202">
+            <a:extLst>
+              <a:ext uri="{FF2B5EF4-FFF2-40B4-BE49-F238E27FC236}">
+                <a16:creationId xmlns:a16="http://schemas.microsoft.com/office/drawing/2014/main" id="{7509E2F9-D15B-4759-BCEE-1463E54C0794}"/>
+              </a:ext>
+            </a:extLst>
+          </p:cNvPr>
+          <p:cNvSpPr txBox="1"/>
+          <p:nvPr/>
+        </p:nvSpPr>
+        <p:spPr>
+          <a:xfrm>
+            <a:off x="1514341" y="4512002"/>
+            <a:ext cx="2121555" cy="276999"/>
+          </a:xfrm>
+          <a:prstGeom prst="rect">
+            <a:avLst/>
+          </a:prstGeom>
+          <a:noFill/>
+        </p:spPr>
+        <p:txBody>
+          <a:bodyPr wrap="square" rtlCol="0" anchor="ctr">
+            <a:spAutoFit/>
+          </a:bodyPr>
+          <a:lstStyle/>
+          <a:p>
+            <a:r>
+              <a:rPr lang="en-US" altLang="ko-KR" sz="1200"/>
+              <a:t>Tenant Network</a:t>
+            </a:r>
+            <a:endParaRPr lang="ko-KR" altLang="en-US" sz="1600"/>
+          </a:p>
+        </p:txBody>
+      </p:sp>
+      <p:cxnSp>
+        <p:nvCxnSpPr>
+          <p:cNvPr id="207" name="직선 연결선 206">
+            <a:extLst>
+              <a:ext uri="{FF2B5EF4-FFF2-40B4-BE49-F238E27FC236}">
+                <a16:creationId xmlns:a16="http://schemas.microsoft.com/office/drawing/2014/main" id="{A1B9007D-65C3-4754-B7A9-7186AE325AA3}"/>
+              </a:ext>
+            </a:extLst>
+          </p:cNvPr>
+          <p:cNvCxnSpPr>
+            <a:cxnSpLocks/>
+          </p:cNvCxnSpPr>
+          <p:nvPr/>
+        </p:nvCxnSpPr>
+        <p:spPr>
+          <a:xfrm flipH="1">
+            <a:off x="4210021" y="4360754"/>
+            <a:ext cx="398726" cy="0"/>
+          </a:xfrm>
+          <a:prstGeom prst="line">
+            <a:avLst/>
+          </a:prstGeom>
+          <a:ln w="28575">
+            <a:solidFill>
+              <a:schemeClr val="accent5"/>
+            </a:solidFill>
+            <a:prstDash val="solid"/>
+            <a:headEnd type="arrow" w="med" len="med"/>
+            <a:tailEnd type="none" w="med" len="med"/>
+          </a:ln>
+        </p:spPr>
+        <p:style>
+          <a:lnRef idx="1">
+            <a:schemeClr val="accent1"/>
+          </a:lnRef>
+          <a:fillRef idx="0">
+            <a:schemeClr val="accent1"/>
+          </a:fillRef>
+          <a:effectRef idx="0">
+            <a:schemeClr val="accent1"/>
+          </a:effectRef>
+          <a:fontRef idx="minor">
+            <a:schemeClr val="tx1"/>
+          </a:fontRef>
+        </p:style>
+      </p:cxnSp>
+      <p:sp>
+        <p:nvSpPr>
+          <p:cNvPr id="208" name="TextBox 207">
+            <a:extLst>
+              <a:ext uri="{FF2B5EF4-FFF2-40B4-BE49-F238E27FC236}">
+                <a16:creationId xmlns:a16="http://schemas.microsoft.com/office/drawing/2014/main" id="{611B05C0-4FEA-4DA0-9F07-A691A4EB8B55}"/>
+              </a:ext>
+            </a:extLst>
+          </p:cNvPr>
+          <p:cNvSpPr txBox="1"/>
+          <p:nvPr/>
+        </p:nvSpPr>
+        <p:spPr>
+          <a:xfrm>
+            <a:off x="4608746" y="4227934"/>
+            <a:ext cx="2121555" cy="276999"/>
+          </a:xfrm>
+          <a:prstGeom prst="rect">
+            <a:avLst/>
+          </a:prstGeom>
+          <a:noFill/>
+        </p:spPr>
+        <p:txBody>
+          <a:bodyPr wrap="square" rtlCol="0" anchor="ctr">
+            <a:spAutoFit/>
+          </a:bodyPr>
+          <a:lstStyle/>
+          <a:p>
+            <a:r>
+              <a:rPr lang="en-US" altLang="ko-KR" sz="1200"/>
+              <a:t>HAProxy Config</a:t>
+            </a:r>
+            <a:endParaRPr lang="ko-KR" altLang="en-US" sz="1600"/>
+          </a:p>
+        </p:txBody>
+      </p:sp>
+      <p:cxnSp>
+        <p:nvCxnSpPr>
+          <p:cNvPr id="209" name="직선 연결선 208">
+            <a:extLst>
+              <a:ext uri="{FF2B5EF4-FFF2-40B4-BE49-F238E27FC236}">
+                <a16:creationId xmlns:a16="http://schemas.microsoft.com/office/drawing/2014/main" id="{5B42CFC4-3848-4020-9A7C-65FAB18B6CD8}"/>
+              </a:ext>
+            </a:extLst>
+          </p:cNvPr>
+          <p:cNvCxnSpPr>
+            <a:cxnSpLocks/>
+          </p:cNvCxnSpPr>
+          <p:nvPr/>
+        </p:nvCxnSpPr>
+        <p:spPr>
+          <a:xfrm flipH="1">
+            <a:off x="4210021" y="4644822"/>
+            <a:ext cx="398726" cy="0"/>
+          </a:xfrm>
+          <a:prstGeom prst="line">
+            <a:avLst/>
+          </a:prstGeom>
+          <a:ln w="28575">
+            <a:solidFill>
+              <a:schemeClr val="accent4"/>
+            </a:solidFill>
+            <a:prstDash val="solid"/>
+            <a:headEnd type="arrow" w="med" len="med"/>
+            <a:tailEnd type="none" w="med" len="med"/>
+          </a:ln>
+        </p:spPr>
+        <p:style>
+          <a:lnRef idx="1">
+            <a:schemeClr val="accent1"/>
+          </a:lnRef>
+          <a:fillRef idx="0">
+            <a:schemeClr val="accent1"/>
+          </a:fillRef>
+          <a:effectRef idx="0">
+            <a:schemeClr val="accent1"/>
+          </a:effectRef>
+          <a:fontRef idx="minor">
+            <a:schemeClr val="tx1"/>
+          </a:fontRef>
+        </p:style>
+      </p:cxnSp>
+      <p:sp>
+        <p:nvSpPr>
+          <p:cNvPr id="210" name="TextBox 209">
+            <a:extLst>
+              <a:ext uri="{FF2B5EF4-FFF2-40B4-BE49-F238E27FC236}">
+                <a16:creationId xmlns:a16="http://schemas.microsoft.com/office/drawing/2014/main" id="{6332B65D-B817-45AF-A560-42B3B88F6EAC}"/>
+              </a:ext>
+            </a:extLst>
+          </p:cNvPr>
+          <p:cNvSpPr txBox="1"/>
+          <p:nvPr/>
+        </p:nvSpPr>
+        <p:spPr>
+          <a:xfrm>
+            <a:off x="4608746" y="4512002"/>
+            <a:ext cx="2513474" cy="276999"/>
+          </a:xfrm>
+          <a:prstGeom prst="rect">
+            <a:avLst/>
+          </a:prstGeom>
+          <a:noFill/>
+        </p:spPr>
+        <p:txBody>
+          <a:bodyPr wrap="square" rtlCol="0" anchor="ctr">
+            <a:spAutoFit/>
+          </a:bodyPr>
+          <a:lstStyle/>
+          <a:p>
+            <a:r>
+              <a:rPr lang="en-US" altLang="ko-KR" sz="1200"/>
+              <a:t>HAProxy Heatlh, Member Health </a:t>
+            </a:r>
+            <a:endParaRPr lang="ko-KR" altLang="en-US" sz="1600"/>
+          </a:p>
+        </p:txBody>
+      </p:sp>
+      <p:cxnSp>
+        <p:nvCxnSpPr>
+          <p:cNvPr id="211" name="직선 연결선 210">
+            <a:extLst>
+              <a:ext uri="{FF2B5EF4-FFF2-40B4-BE49-F238E27FC236}">
+                <a16:creationId xmlns:a16="http://schemas.microsoft.com/office/drawing/2014/main" id="{46D6BEC2-99E1-450F-B426-99AAEB4D98C3}"/>
+              </a:ext>
+            </a:extLst>
+          </p:cNvPr>
+          <p:cNvCxnSpPr>
+            <a:cxnSpLocks/>
+          </p:cNvCxnSpPr>
+          <p:nvPr/>
+        </p:nvCxnSpPr>
+        <p:spPr>
+          <a:xfrm flipH="1">
+            <a:off x="6263218" y="4372756"/>
+            <a:ext cx="398726" cy="0"/>
+          </a:xfrm>
+          <a:prstGeom prst="line">
+            <a:avLst/>
+          </a:prstGeom>
+          <a:ln w="28575">
+            <a:solidFill>
+              <a:schemeClr val="accent3">
+                <a:lumMod val="75000"/>
+              </a:schemeClr>
+            </a:solidFill>
+            <a:prstDash val="solid"/>
+            <a:headEnd type="arrow" w="med" len="med"/>
+            <a:tailEnd type="none" w="med" len="med"/>
+          </a:ln>
+        </p:spPr>
+        <p:style>
+          <a:lnRef idx="1">
+            <a:schemeClr val="accent1"/>
+          </a:lnRef>
+          <a:fillRef idx="0">
+            <a:schemeClr val="accent1"/>
+          </a:fillRef>
+          <a:effectRef idx="0">
+            <a:schemeClr val="accent1"/>
+          </a:effectRef>
+          <a:fontRef idx="minor">
+            <a:schemeClr val="tx1"/>
+          </a:fontRef>
+        </p:style>
+      </p:cxnSp>
+      <p:sp>
+        <p:nvSpPr>
+          <p:cNvPr id="212" name="TextBox 211">
+            <a:extLst>
+              <a:ext uri="{FF2B5EF4-FFF2-40B4-BE49-F238E27FC236}">
+                <a16:creationId xmlns:a16="http://schemas.microsoft.com/office/drawing/2014/main" id="{0615C39C-2265-485E-A33A-BC1FB3E0688E}"/>
+              </a:ext>
+            </a:extLst>
+          </p:cNvPr>
+          <p:cNvSpPr txBox="1"/>
+          <p:nvPr/>
+        </p:nvSpPr>
+        <p:spPr>
+          <a:xfrm>
+            <a:off x="6661943" y="4239936"/>
+            <a:ext cx="1654473" cy="276999"/>
+          </a:xfrm>
+          <a:prstGeom prst="rect">
+            <a:avLst/>
+          </a:prstGeom>
+          <a:noFill/>
+        </p:spPr>
+        <p:txBody>
+          <a:bodyPr wrap="square" rtlCol="0" anchor="ctr">
+            <a:spAutoFit/>
+          </a:bodyPr>
+          <a:lstStyle/>
+          <a:p>
+            <a:r>
+              <a:rPr lang="en-US" altLang="ko-KR" sz="1200"/>
+              <a:t>Member Health </a:t>
+            </a:r>
+            <a:endParaRPr lang="ko-KR" altLang="en-US" sz="1600"/>
           </a:p>
         </p:txBody>
       </p:sp>

--- a/images/theory_analysis/OpenStack_Octavia/OpenStack_Octavia.pptx
+++ b/images/theory_analysis/OpenStack_Octavia/OpenStack_Octavia.pptx
@@ -215,7 +215,7 @@
           <a:p>
             <a:fld id="{6CD5550B-26C4-49A9-A5BA-636EF7BE6CE9}" type="datetimeFigureOut">
               <a:rPr lang="ko-KR" altLang="en-US" smtClean="0"/>
-              <a:t>2020-03-28</a:t>
+              <a:t>2020-03-30</a:t>
             </a:fld>
             <a:endParaRPr lang="ko-KR" altLang="en-US"/>
           </a:p>
@@ -829,7 +829,7 @@
           <a:p>
             <a:fld id="{FB30EDBD-1C2D-4C1E-B459-B60219FAB484}" type="datetimeFigureOut">
               <a:rPr lang="ko-KR" altLang="en-US" smtClean="0"/>
-              <a:t>2020-03-28</a:t>
+              <a:t>2020-03-30</a:t>
             </a:fld>
             <a:endParaRPr lang="ko-KR" altLang="en-US"/>
           </a:p>
@@ -992,7 +992,7 @@
           <a:p>
             <a:fld id="{FB30EDBD-1C2D-4C1E-B459-B60219FAB484}" type="datetimeFigureOut">
               <a:rPr lang="ko-KR" altLang="en-US" smtClean="0"/>
-              <a:t>2020-03-28</a:t>
+              <a:t>2020-03-30</a:t>
             </a:fld>
             <a:endParaRPr lang="ko-KR" altLang="en-US"/>
           </a:p>
@@ -1165,7 +1165,7 @@
           <a:p>
             <a:fld id="{FB30EDBD-1C2D-4C1E-B459-B60219FAB484}" type="datetimeFigureOut">
               <a:rPr lang="ko-KR" altLang="en-US" smtClean="0"/>
-              <a:t>2020-03-28</a:t>
+              <a:t>2020-03-30</a:t>
             </a:fld>
             <a:endParaRPr lang="ko-KR" altLang="en-US"/>
           </a:p>
@@ -1328,7 +1328,7 @@
           <a:p>
             <a:fld id="{FB30EDBD-1C2D-4C1E-B459-B60219FAB484}" type="datetimeFigureOut">
               <a:rPr lang="ko-KR" altLang="en-US" smtClean="0"/>
-              <a:t>2020-03-28</a:t>
+              <a:t>2020-03-30</a:t>
             </a:fld>
             <a:endParaRPr lang="ko-KR" altLang="en-US"/>
           </a:p>
@@ -1568,7 +1568,7 @@
           <a:p>
             <a:fld id="{FB30EDBD-1C2D-4C1E-B459-B60219FAB484}" type="datetimeFigureOut">
               <a:rPr lang="ko-KR" altLang="en-US" smtClean="0"/>
-              <a:t>2020-03-28</a:t>
+              <a:t>2020-03-30</a:t>
             </a:fld>
             <a:endParaRPr lang="ko-KR" altLang="en-US"/>
           </a:p>
@@ -1848,7 +1848,7 @@
           <a:p>
             <a:fld id="{FB30EDBD-1C2D-4C1E-B459-B60219FAB484}" type="datetimeFigureOut">
               <a:rPr lang="ko-KR" altLang="en-US" smtClean="0"/>
-              <a:t>2020-03-28</a:t>
+              <a:t>2020-03-30</a:t>
             </a:fld>
             <a:endParaRPr lang="ko-KR" altLang="en-US"/>
           </a:p>
@@ -2262,7 +2262,7 @@
           <a:p>
             <a:fld id="{FB30EDBD-1C2D-4C1E-B459-B60219FAB484}" type="datetimeFigureOut">
               <a:rPr lang="ko-KR" altLang="en-US" smtClean="0"/>
-              <a:t>2020-03-28</a:t>
+              <a:t>2020-03-30</a:t>
             </a:fld>
             <a:endParaRPr lang="ko-KR" altLang="en-US"/>
           </a:p>
@@ -2374,7 +2374,7 @@
           <a:p>
             <a:fld id="{FB30EDBD-1C2D-4C1E-B459-B60219FAB484}" type="datetimeFigureOut">
               <a:rPr lang="ko-KR" altLang="en-US" smtClean="0"/>
-              <a:t>2020-03-28</a:t>
+              <a:t>2020-03-30</a:t>
             </a:fld>
             <a:endParaRPr lang="ko-KR" altLang="en-US"/>
           </a:p>
@@ -2464,7 +2464,7 @@
           <a:p>
             <a:fld id="{FB30EDBD-1C2D-4C1E-B459-B60219FAB484}" type="datetimeFigureOut">
               <a:rPr lang="ko-KR" altLang="en-US" smtClean="0"/>
-              <a:t>2020-03-28</a:t>
+              <a:t>2020-03-30</a:t>
             </a:fld>
             <a:endParaRPr lang="ko-KR" altLang="en-US"/>
           </a:p>
@@ -2734,7 +2734,7 @@
           <a:p>
             <a:fld id="{FB30EDBD-1C2D-4C1E-B459-B60219FAB484}" type="datetimeFigureOut">
               <a:rPr lang="ko-KR" altLang="en-US" smtClean="0"/>
-              <a:t>2020-03-28</a:t>
+              <a:t>2020-03-30</a:t>
             </a:fld>
             <a:endParaRPr lang="ko-KR" altLang="en-US"/>
           </a:p>
@@ -2981,7 +2981,7 @@
           <a:p>
             <a:fld id="{FB30EDBD-1C2D-4C1E-B459-B60219FAB484}" type="datetimeFigureOut">
               <a:rPr lang="ko-KR" altLang="en-US" smtClean="0"/>
-              <a:t>2020-03-28</a:t>
+              <a:t>2020-03-30</a:t>
             </a:fld>
             <a:endParaRPr lang="ko-KR" altLang="en-US"/>
           </a:p>
@@ -3187,7 +3187,7 @@
           <a:p>
             <a:fld id="{FB30EDBD-1C2D-4C1E-B459-B60219FAB484}" type="datetimeFigureOut">
               <a:rPr lang="ko-KR" altLang="en-US" smtClean="0"/>
-              <a:t>2020-03-28</a:t>
+              <a:t>2020-03-30</a:t>
             </a:fld>
             <a:endParaRPr lang="ko-KR" altLang="en-US"/>
           </a:p>
@@ -5441,8 +5441,8 @@
         </p:nvSpPr>
         <p:spPr>
           <a:xfrm>
-            <a:off x="4171870" y="1804469"/>
-            <a:ext cx="992147" cy="334702"/>
+            <a:off x="4121797" y="1832742"/>
+            <a:ext cx="992147" cy="255424"/>
           </a:xfrm>
           <a:prstGeom prst="roundRect">
             <a:avLst>
@@ -5492,7 +5492,7 @@
         <p:spPr>
           <a:xfrm>
             <a:off x="2693776" y="1794127"/>
-            <a:ext cx="992147" cy="334702"/>
+            <a:ext cx="1061536" cy="334702"/>
           </a:xfrm>
           <a:prstGeom prst="roundRect">
             <a:avLst>
@@ -5738,8 +5738,8 @@
         </p:nvSpPr>
         <p:spPr>
           <a:xfrm>
-            <a:off x="107504" y="843558"/>
-            <a:ext cx="1990984" cy="3323238"/>
+            <a:off x="107504" y="1221736"/>
+            <a:ext cx="1990984" cy="2945058"/>
           </a:xfrm>
           <a:prstGeom prst="roundRect">
             <a:avLst>
@@ -5791,8 +5791,8 @@
         </p:nvSpPr>
         <p:spPr>
           <a:xfrm>
-            <a:off x="222008" y="1707654"/>
-            <a:ext cx="1761977" cy="2125105"/>
+            <a:off x="222008" y="1753737"/>
+            <a:ext cx="1761977" cy="2079022"/>
           </a:xfrm>
           <a:prstGeom prst="roundRect">
             <a:avLst>
@@ -5823,10 +5823,10 @@
           <a:p>
             <a:pPr algn="ctr"/>
             <a:r>
-              <a:rPr lang="en-US" altLang="ko-KR" sz="1400"/>
+              <a:rPr lang="en-US" altLang="ko-KR" sz="1200"/>
               <a:t>Octavia Service</a:t>
             </a:r>
-            <a:endParaRPr lang="ko-KR" altLang="en-US" sz="1400"/>
+            <a:endParaRPr lang="ko-KR" altLang="en-US" sz="1200"/>
           </a:p>
         </p:txBody>
       </p:sp>
@@ -5844,7 +5844,7 @@
         </p:nvGrpSpPr>
         <p:grpSpPr>
           <a:xfrm>
-            <a:off x="333784" y="1807992"/>
+            <a:off x="333784" y="1872142"/>
             <a:ext cx="1538424" cy="1664727"/>
             <a:chOff x="333784" y="1411079"/>
             <a:chExt cx="1538424" cy="1451551"/>
@@ -6077,8 +6077,8 @@
         </p:nvSpPr>
         <p:spPr>
           <a:xfrm>
-            <a:off x="222008" y="964384"/>
-            <a:ext cx="1761977" cy="527246"/>
+            <a:off x="222008" y="1333342"/>
+            <a:ext cx="1761977" cy="302304"/>
           </a:xfrm>
           <a:prstGeom prst="roundRect">
             <a:avLst>
@@ -6109,10 +6109,10 @@
           <a:p>
             <a:pPr algn="ctr"/>
             <a:r>
-              <a:rPr lang="en-US" altLang="ko-KR" sz="1400"/>
+              <a:rPr lang="en-US" altLang="ko-KR" sz="1200"/>
               <a:t>Other Services</a:t>
             </a:r>
-            <a:endParaRPr lang="ko-KR" altLang="en-US" sz="1400"/>
+            <a:endParaRPr lang="ko-KR" altLang="en-US" sz="1200"/>
           </a:p>
         </p:txBody>
       </p:sp>
@@ -6170,15 +6170,14 @@
             </a:extLst>
           </p:cNvPr>
           <p:cNvCxnSpPr>
-            <a:stCxn id="43" idx="2"/>
-            <a:endCxn id="36" idx="0"/>
+            <a:cxnSpLocks/>
           </p:cNvCxnSpPr>
           <p:nvPr/>
         </p:nvCxnSpPr>
         <p:spPr>
-          <a:xfrm flipH="1">
-            <a:off x="1102996" y="1491630"/>
-            <a:ext cx="1" cy="316362"/>
+          <a:xfrm>
+            <a:off x="827584" y="1635646"/>
+            <a:ext cx="0" cy="236496"/>
           </a:xfrm>
           <a:prstGeom prst="straightConnector1">
             <a:avLst/>
@@ -6485,7 +6484,7 @@
         </p:nvCxnSpPr>
         <p:spPr>
           <a:xfrm>
-            <a:off x="2101850" y="2427734"/>
+            <a:off x="2101850" y="2400438"/>
             <a:ext cx="5499678" cy="0"/>
           </a:xfrm>
           <a:prstGeom prst="line">
@@ -6529,8 +6528,8 @@
         </p:nvCxnSpPr>
         <p:spPr>
           <a:xfrm flipV="1">
-            <a:off x="7601528" y="2272847"/>
-            <a:ext cx="0" cy="154621"/>
+            <a:off x="7601528" y="2272848"/>
+            <a:ext cx="0" cy="127590"/>
           </a:xfrm>
           <a:prstGeom prst="line">
             <a:avLst/>
@@ -6572,8 +6571,8 @@
         </p:nvCxnSpPr>
         <p:spPr>
           <a:xfrm flipV="1">
-            <a:off x="4038454" y="2272847"/>
-            <a:ext cx="0" cy="154621"/>
+            <a:off x="4038454" y="2272848"/>
+            <a:ext cx="0" cy="127590"/>
           </a:xfrm>
           <a:prstGeom prst="line">
             <a:avLst/>
@@ -6600,226 +6599,26 @@
           </a:fontRef>
         </p:style>
       </p:cxnSp>
-      <p:sp>
-        <p:nvSpPr>
-          <p:cNvPr id="103" name="사각형: 둥근 모서리 102">
-            <a:extLst>
-              <a:ext uri="{FF2B5EF4-FFF2-40B4-BE49-F238E27FC236}">
-                <a16:creationId xmlns:a16="http://schemas.microsoft.com/office/drawing/2014/main" id="{30C7BA91-A1FB-4CB0-A53A-34784187CCB7}"/>
-              </a:ext>
-            </a:extLst>
-          </p:cNvPr>
-          <p:cNvSpPr/>
-          <p:nvPr/>
-        </p:nvSpPr>
-        <p:spPr>
-          <a:xfrm>
-            <a:off x="3346405" y="1350456"/>
-            <a:ext cx="1153588" cy="334702"/>
-          </a:xfrm>
-          <a:prstGeom prst="roundRect">
-            <a:avLst>
-              <a:gd name="adj" fmla="val 7190"/>
-            </a:avLst>
-          </a:prstGeom>
-        </p:spPr>
-        <p:style>
-          <a:lnRef idx="2">
-            <a:schemeClr val="dk1"/>
-          </a:lnRef>
-          <a:fillRef idx="1">
-            <a:schemeClr val="lt1"/>
-          </a:fillRef>
-          <a:effectRef idx="0">
-            <a:schemeClr val="dk1"/>
-          </a:effectRef>
-          <a:fontRef idx="minor">
-            <a:schemeClr val="dk1"/>
-          </a:fontRef>
-        </p:style>
-        <p:txBody>
-          <a:bodyPr rtlCol="0" anchor="ctr"/>
-          <a:lstStyle/>
-          <a:p>
-            <a:pPr algn="ctr"/>
-            <a:r>
-              <a:rPr lang="en-US" altLang="ko-KR" sz="1200"/>
-              <a:t>Unix Socket</a:t>
-            </a:r>
-            <a:endParaRPr lang="ko-KR" altLang="en-US" sz="1200"/>
-          </a:p>
-        </p:txBody>
-      </p:sp>
-      <p:sp>
-        <p:nvSpPr>
-          <p:cNvPr id="104" name="사각형: 둥근 모서리 103">
-            <a:extLst>
-              <a:ext uri="{FF2B5EF4-FFF2-40B4-BE49-F238E27FC236}">
-                <a16:creationId xmlns:a16="http://schemas.microsoft.com/office/drawing/2014/main" id="{064BF313-61FA-41B8-AADC-C85978563B86}"/>
-              </a:ext>
-            </a:extLst>
-          </p:cNvPr>
-          <p:cNvSpPr/>
-          <p:nvPr/>
-        </p:nvSpPr>
-        <p:spPr>
-          <a:xfrm>
-            <a:off x="7731019" y="1804469"/>
-            <a:ext cx="992147" cy="334702"/>
-          </a:xfrm>
-          <a:prstGeom prst="roundRect">
-            <a:avLst>
-              <a:gd name="adj" fmla="val 7190"/>
-            </a:avLst>
-          </a:prstGeom>
-        </p:spPr>
-        <p:style>
-          <a:lnRef idx="2">
-            <a:schemeClr val="dk1"/>
-          </a:lnRef>
-          <a:fillRef idx="1">
-            <a:schemeClr val="lt1"/>
-          </a:fillRef>
-          <a:effectRef idx="0">
-            <a:schemeClr val="dk1"/>
-          </a:effectRef>
-          <a:fontRef idx="minor">
-            <a:schemeClr val="dk1"/>
-          </a:fontRef>
-        </p:style>
-        <p:txBody>
-          <a:bodyPr rtlCol="0" anchor="ctr"/>
-          <a:lstStyle/>
-          <a:p>
-            <a:pPr algn="ctr"/>
-            <a:r>
-              <a:rPr lang="en-US" altLang="ko-KR" sz="1200"/>
-              <a:t>HAProxy</a:t>
-            </a:r>
-            <a:endParaRPr lang="ko-KR" altLang="en-US" sz="1200"/>
-          </a:p>
-        </p:txBody>
-      </p:sp>
-      <p:sp>
-        <p:nvSpPr>
-          <p:cNvPr id="105" name="사각형: 둥근 모서리 104">
-            <a:extLst>
-              <a:ext uri="{FF2B5EF4-FFF2-40B4-BE49-F238E27FC236}">
-                <a16:creationId xmlns:a16="http://schemas.microsoft.com/office/drawing/2014/main" id="{4F78800F-C938-4AB2-A810-9B35AE6BF75B}"/>
-              </a:ext>
-            </a:extLst>
-          </p:cNvPr>
-          <p:cNvSpPr/>
-          <p:nvPr/>
-        </p:nvSpPr>
-        <p:spPr>
-          <a:xfrm>
-            <a:off x="6252925" y="1794127"/>
-            <a:ext cx="992147" cy="334702"/>
-          </a:xfrm>
-          <a:prstGeom prst="roundRect">
-            <a:avLst>
-              <a:gd name="adj" fmla="val 7190"/>
-            </a:avLst>
-          </a:prstGeom>
-        </p:spPr>
-        <p:style>
-          <a:lnRef idx="2">
-            <a:schemeClr val="dk1"/>
-          </a:lnRef>
-          <a:fillRef idx="1">
-            <a:schemeClr val="lt1"/>
-          </a:fillRef>
-          <a:effectRef idx="0">
-            <a:schemeClr val="dk1"/>
-          </a:effectRef>
-          <a:fontRef idx="minor">
-            <a:schemeClr val="dk1"/>
-          </a:fontRef>
-        </p:style>
-        <p:txBody>
-          <a:bodyPr rtlCol="0" anchor="ctr"/>
-          <a:lstStyle/>
-          <a:p>
-            <a:pPr algn="ctr"/>
-            <a:r>
-              <a:rPr lang="en-US" altLang="ko-KR" sz="1200"/>
-              <a:t>Agent</a:t>
-            </a:r>
-            <a:endParaRPr lang="ko-KR" altLang="en-US" sz="1200"/>
-          </a:p>
-        </p:txBody>
-      </p:sp>
-      <p:sp>
-        <p:nvSpPr>
-          <p:cNvPr id="106" name="사각형: 둥근 모서리 105">
-            <a:extLst>
-              <a:ext uri="{FF2B5EF4-FFF2-40B4-BE49-F238E27FC236}">
-                <a16:creationId xmlns:a16="http://schemas.microsoft.com/office/drawing/2014/main" id="{B103D0C8-7ACE-4948-8507-F3F8CFF6B526}"/>
-              </a:ext>
-            </a:extLst>
-          </p:cNvPr>
-          <p:cNvSpPr/>
-          <p:nvPr/>
-        </p:nvSpPr>
-        <p:spPr>
-          <a:xfrm>
-            <a:off x="6905554" y="1350456"/>
-            <a:ext cx="1153588" cy="334702"/>
-          </a:xfrm>
-          <a:prstGeom prst="roundRect">
-            <a:avLst>
-              <a:gd name="adj" fmla="val 7190"/>
-            </a:avLst>
-          </a:prstGeom>
-        </p:spPr>
-        <p:style>
-          <a:lnRef idx="2">
-            <a:schemeClr val="dk1"/>
-          </a:lnRef>
-          <a:fillRef idx="1">
-            <a:schemeClr val="lt1"/>
-          </a:fillRef>
-          <a:effectRef idx="0">
-            <a:schemeClr val="dk1"/>
-          </a:effectRef>
-          <a:fontRef idx="minor">
-            <a:schemeClr val="dk1"/>
-          </a:fontRef>
-        </p:style>
-        <p:txBody>
-          <a:bodyPr rtlCol="0" anchor="ctr"/>
-          <a:lstStyle/>
-          <a:p>
-            <a:pPr algn="ctr"/>
-            <a:r>
-              <a:rPr lang="en-US" altLang="ko-KR" sz="1200"/>
-              <a:t>Unix Socket</a:t>
-            </a:r>
-            <a:endParaRPr lang="ko-KR" altLang="en-US" sz="1200"/>
-          </a:p>
-        </p:txBody>
-      </p:sp>
       <p:cxnSp>
         <p:nvCxnSpPr>
-          <p:cNvPr id="109" name="직선 화살표 연결선 108">
-            <a:extLst>
-              <a:ext uri="{FF2B5EF4-FFF2-40B4-BE49-F238E27FC236}">
-                <a16:creationId xmlns:a16="http://schemas.microsoft.com/office/drawing/2014/main" id="{5137952C-6761-4975-B366-5275E2E5E86C}"/>
+          <p:cNvPr id="113" name="직선 화살표 연결선 112">
+            <a:extLst>
+              <a:ext uri="{FF2B5EF4-FFF2-40B4-BE49-F238E27FC236}">
+                <a16:creationId xmlns:a16="http://schemas.microsoft.com/office/drawing/2014/main" id="{6F3D18AB-3A8D-4AF7-A9E9-43A8B35DE3CB}"/>
               </a:ext>
             </a:extLst>
           </p:cNvPr>
           <p:cNvCxnSpPr>
             <a:cxnSpLocks/>
-            <a:stCxn id="104" idx="0"/>
-            <a:endCxn id="106" idx="2"/>
+            <a:stCxn id="95" idx="2"/>
+            <a:endCxn id="8" idx="0"/>
           </p:cNvCxnSpPr>
           <p:nvPr/>
         </p:nvCxnSpPr>
         <p:spPr>
-          <a:xfrm flipH="1" flipV="1">
-            <a:off x="7482348" y="1685158"/>
-            <a:ext cx="744745" cy="119311"/>
+          <a:xfrm flipH="1">
+            <a:off x="3224544" y="1653175"/>
+            <a:ext cx="424" cy="140952"/>
           </a:xfrm>
           <a:prstGeom prst="straightConnector1">
             <a:avLst/>
@@ -6849,100 +6648,6 @@
       </p:cxnSp>
       <p:cxnSp>
         <p:nvCxnSpPr>
-          <p:cNvPr id="113" name="직선 화살표 연결선 112">
-            <a:extLst>
-              <a:ext uri="{FF2B5EF4-FFF2-40B4-BE49-F238E27FC236}">
-                <a16:creationId xmlns:a16="http://schemas.microsoft.com/office/drawing/2014/main" id="{6F3D18AB-3A8D-4AF7-A9E9-43A8B35DE3CB}"/>
-              </a:ext>
-            </a:extLst>
-          </p:cNvPr>
-          <p:cNvCxnSpPr>
-            <a:cxnSpLocks/>
-            <a:stCxn id="103" idx="2"/>
-            <a:endCxn id="8" idx="0"/>
-          </p:cNvCxnSpPr>
-          <p:nvPr/>
-        </p:nvCxnSpPr>
-        <p:spPr>
-          <a:xfrm flipH="1">
-            <a:off x="3189850" y="1685158"/>
-            <a:ext cx="733349" cy="108969"/>
-          </a:xfrm>
-          <a:prstGeom prst="straightConnector1">
-            <a:avLst/>
-          </a:prstGeom>
-          <a:ln w="28575">
-            <a:solidFill>
-              <a:schemeClr val="accent4"/>
-            </a:solidFill>
-            <a:headEnd type="none" w="med" len="med"/>
-            <a:tailEnd type="arrow" w="med" len="med"/>
-          </a:ln>
-        </p:spPr>
-        <p:style>
-          <a:lnRef idx="1">
-            <a:schemeClr val="accent1"/>
-          </a:lnRef>
-          <a:fillRef idx="0">
-            <a:schemeClr val="accent1"/>
-          </a:fillRef>
-          <a:effectRef idx="0">
-            <a:schemeClr val="accent1"/>
-          </a:effectRef>
-          <a:fontRef idx="minor">
-            <a:schemeClr val="tx1"/>
-          </a:fontRef>
-        </p:style>
-      </p:cxnSp>
-      <p:cxnSp>
-        <p:nvCxnSpPr>
-          <p:cNvPr id="116" name="직선 화살표 연결선 115">
-            <a:extLst>
-              <a:ext uri="{FF2B5EF4-FFF2-40B4-BE49-F238E27FC236}">
-                <a16:creationId xmlns:a16="http://schemas.microsoft.com/office/drawing/2014/main" id="{831D9E62-F411-4849-B25D-A1134471902E}"/>
-              </a:ext>
-            </a:extLst>
-          </p:cNvPr>
-          <p:cNvCxnSpPr>
-            <a:cxnSpLocks/>
-            <a:stCxn id="106" idx="2"/>
-            <a:endCxn id="105" idx="0"/>
-          </p:cNvCxnSpPr>
-          <p:nvPr/>
-        </p:nvCxnSpPr>
-        <p:spPr>
-          <a:xfrm flipH="1">
-            <a:off x="6748999" y="1685158"/>
-            <a:ext cx="733349" cy="108969"/>
-          </a:xfrm>
-          <a:prstGeom prst="straightConnector1">
-            <a:avLst/>
-          </a:prstGeom>
-          <a:ln w="28575">
-            <a:solidFill>
-              <a:schemeClr val="accent4"/>
-            </a:solidFill>
-            <a:headEnd type="none" w="med" len="med"/>
-            <a:tailEnd type="arrow" w="med" len="med"/>
-          </a:ln>
-        </p:spPr>
-        <p:style>
-          <a:lnRef idx="1">
-            <a:schemeClr val="accent1"/>
-          </a:lnRef>
-          <a:fillRef idx="0">
-            <a:schemeClr val="accent1"/>
-          </a:fillRef>
-          <a:effectRef idx="0">
-            <a:schemeClr val="accent1"/>
-          </a:effectRef>
-          <a:fontRef idx="minor">
-            <a:schemeClr val="tx1"/>
-          </a:fontRef>
-        </p:style>
-      </p:cxnSp>
-      <p:cxnSp>
-        <p:nvCxnSpPr>
           <p:cNvPr id="137" name="직선 화살표 연결선 136">
             <a:extLst>
               <a:ext uri="{FF2B5EF4-FFF2-40B4-BE49-F238E27FC236}">
@@ -6958,8 +6663,8 @@
         </p:nvCxnSpPr>
         <p:spPr>
           <a:xfrm flipV="1">
-            <a:off x="4667944" y="2139171"/>
-            <a:ext cx="0" cy="501184"/>
+            <a:off x="4617871" y="2088166"/>
+            <a:ext cx="0" cy="616339"/>
           </a:xfrm>
           <a:prstGeom prst="straightConnector1">
             <a:avLst/>
@@ -7000,15 +6705,15 @@
           </p:cNvPr>
           <p:cNvCxnSpPr>
             <a:cxnSpLocks/>
-            <a:stCxn id="7" idx="0"/>
-            <a:endCxn id="103" idx="2"/>
+            <a:stCxn id="7" idx="1"/>
+            <a:endCxn id="95" idx="3"/>
           </p:cNvCxnSpPr>
           <p:nvPr/>
         </p:nvCxnSpPr>
         <p:spPr>
           <a:xfrm flipH="1" flipV="1">
-            <a:off x="3923199" y="1685158"/>
-            <a:ext cx="744745" cy="119311"/>
+            <a:off x="3755248" y="1485824"/>
+            <a:ext cx="366549" cy="474630"/>
           </a:xfrm>
           <a:prstGeom prst="straightConnector1">
             <a:avLst/>
@@ -7052,7 +6757,7 @@
         </p:nvCxnSpPr>
         <p:spPr>
           <a:xfrm>
-            <a:off x="3258092" y="2643758"/>
+            <a:off x="3258092" y="2715766"/>
             <a:ext cx="5045624" cy="0"/>
           </a:xfrm>
           <a:prstGeom prst="line">
@@ -7097,8 +6802,8 @@
         </p:nvCxnSpPr>
         <p:spPr>
           <a:xfrm flipV="1">
-            <a:off x="3258092" y="2650151"/>
-            <a:ext cx="0" cy="426613"/>
+            <a:off x="3258092" y="2704505"/>
+            <a:ext cx="0" cy="372260"/>
           </a:xfrm>
           <a:prstGeom prst="line">
             <a:avLst/>
@@ -7142,8 +6847,8 @@
         </p:nvCxnSpPr>
         <p:spPr>
           <a:xfrm flipV="1">
-            <a:off x="4756981" y="2650151"/>
-            <a:ext cx="0" cy="427571"/>
+            <a:off x="4756981" y="2715766"/>
+            <a:ext cx="0" cy="361957"/>
           </a:xfrm>
           <a:prstGeom prst="line">
             <a:avLst/>
@@ -7187,8 +6892,8 @@
         </p:nvCxnSpPr>
         <p:spPr>
           <a:xfrm flipV="1">
-            <a:off x="6811135" y="2650151"/>
-            <a:ext cx="0" cy="427571"/>
+            <a:off x="6811135" y="2704505"/>
+            <a:ext cx="0" cy="373218"/>
           </a:xfrm>
           <a:prstGeom prst="line">
             <a:avLst/>
@@ -7232,8 +6937,8 @@
         </p:nvCxnSpPr>
         <p:spPr>
           <a:xfrm flipV="1">
-            <a:off x="8294364" y="2650151"/>
-            <a:ext cx="0" cy="427571"/>
+            <a:off x="8294364" y="2715766"/>
+            <a:ext cx="0" cy="361957"/>
           </a:xfrm>
           <a:prstGeom prst="line">
             <a:avLst/>
@@ -7277,7 +6982,7 @@
         </p:nvCxnSpPr>
         <p:spPr>
           <a:xfrm>
-            <a:off x="1872208" y="2787774"/>
+            <a:off x="1872208" y="2821682"/>
             <a:ext cx="4716016" cy="0"/>
           </a:xfrm>
           <a:prstGeom prst="line">
@@ -7322,8 +7027,8 @@
         </p:nvCxnSpPr>
         <p:spPr>
           <a:xfrm flipV="1">
-            <a:off x="3059832" y="2128829"/>
-            <a:ext cx="0" cy="658945"/>
+            <a:off x="3019574" y="2128830"/>
+            <a:ext cx="0" cy="692852"/>
           </a:xfrm>
           <a:prstGeom prst="line">
             <a:avLst/>
@@ -7353,51 +7058,6 @@
       </p:cxnSp>
       <p:cxnSp>
         <p:nvCxnSpPr>
-          <p:cNvPr id="184" name="직선 연결선 183">
-            <a:extLst>
-              <a:ext uri="{FF2B5EF4-FFF2-40B4-BE49-F238E27FC236}">
-                <a16:creationId xmlns:a16="http://schemas.microsoft.com/office/drawing/2014/main" id="{73301562-F40D-4A72-9D6C-246C27FD271A}"/>
-              </a:ext>
-            </a:extLst>
-          </p:cNvPr>
-          <p:cNvCxnSpPr>
-            <a:cxnSpLocks/>
-          </p:cNvCxnSpPr>
-          <p:nvPr/>
-        </p:nvCxnSpPr>
-        <p:spPr>
-          <a:xfrm flipV="1">
-            <a:off x="6588224" y="2128829"/>
-            <a:ext cx="0" cy="658945"/>
-          </a:xfrm>
-          <a:prstGeom prst="line">
-            <a:avLst/>
-          </a:prstGeom>
-          <a:ln w="28575">
-            <a:solidFill>
-              <a:schemeClr val="accent4"/>
-            </a:solidFill>
-            <a:headEnd type="none" w="med" len="med"/>
-            <a:tailEnd type="none" w="med" len="med"/>
-          </a:ln>
-        </p:spPr>
-        <p:style>
-          <a:lnRef idx="1">
-            <a:schemeClr val="accent1"/>
-          </a:lnRef>
-          <a:fillRef idx="0">
-            <a:schemeClr val="accent1"/>
-          </a:fillRef>
-          <a:effectRef idx="0">
-            <a:schemeClr val="accent1"/>
-          </a:effectRef>
-          <a:fontRef idx="minor">
-            <a:schemeClr val="tx1"/>
-          </a:fontRef>
-        </p:style>
-      </p:cxnSp>
-      <p:cxnSp>
-        <p:nvCxnSpPr>
           <p:cNvPr id="185" name="직선 연결선 184">
             <a:extLst>
               <a:ext uri="{FF2B5EF4-FFF2-40B4-BE49-F238E27FC236}">
@@ -7443,10 +7103,10 @@
       </p:cxnSp>
       <p:cxnSp>
         <p:nvCxnSpPr>
-          <p:cNvPr id="191" name="직선 연결선 190">
-            <a:extLst>
-              <a:ext uri="{FF2B5EF4-FFF2-40B4-BE49-F238E27FC236}">
-                <a16:creationId xmlns:a16="http://schemas.microsoft.com/office/drawing/2014/main" id="{5684EDFB-4A0B-4A94-8E2D-4EB55C8B6E54}"/>
+          <p:cNvPr id="194" name="직선 연결선 193">
+            <a:extLst>
+              <a:ext uri="{FF2B5EF4-FFF2-40B4-BE49-F238E27FC236}">
+                <a16:creationId xmlns:a16="http://schemas.microsoft.com/office/drawing/2014/main" id="{92F40826-03FB-4D17-9947-EA857AD751D7}"/>
               </a:ext>
             </a:extLst>
           </p:cNvPr>
@@ -7457,7 +7117,7 @@
         </p:nvCxnSpPr>
         <p:spPr>
           <a:xfrm flipV="1">
-            <a:off x="6814093" y="2128829"/>
+            <a:off x="3220792" y="2128829"/>
             <a:ext cx="0" cy="370122"/>
           </a:xfrm>
           <a:prstGeom prst="line">
@@ -7489,10 +7149,10 @@
       </p:cxnSp>
       <p:cxnSp>
         <p:nvCxnSpPr>
-          <p:cNvPr id="194" name="직선 연결선 193">
-            <a:extLst>
-              <a:ext uri="{FF2B5EF4-FFF2-40B4-BE49-F238E27FC236}">
-                <a16:creationId xmlns:a16="http://schemas.microsoft.com/office/drawing/2014/main" id="{92F40826-03FB-4D17-9947-EA857AD751D7}"/>
+          <p:cNvPr id="197" name="직선 연결선 196">
+            <a:extLst>
+              <a:ext uri="{FF2B5EF4-FFF2-40B4-BE49-F238E27FC236}">
+                <a16:creationId xmlns:a16="http://schemas.microsoft.com/office/drawing/2014/main" id="{F54CD74A-D22B-44B4-80E5-DE7A66892009}"/>
               </a:ext>
             </a:extLst>
           </p:cNvPr>
@@ -7502,101 +7162,8 @@
           <p:nvPr/>
         </p:nvCxnSpPr>
         <p:spPr>
-          <a:xfrm flipV="1">
-            <a:off x="3261050" y="2128829"/>
-            <a:ext cx="0" cy="370122"/>
-          </a:xfrm>
-          <a:prstGeom prst="line">
-            <a:avLst/>
-          </a:prstGeom>
-          <a:ln w="28575">
-            <a:solidFill>
-              <a:schemeClr val="accent5"/>
-            </a:solidFill>
-            <a:prstDash val="solid"/>
-            <a:headEnd type="none" w="med" len="med"/>
-            <a:tailEnd type="arrow" w="med" len="med"/>
-          </a:ln>
-        </p:spPr>
-        <p:style>
-          <a:lnRef idx="1">
-            <a:schemeClr val="accent1"/>
-          </a:lnRef>
-          <a:fillRef idx="0">
-            <a:schemeClr val="accent1"/>
-          </a:fillRef>
-          <a:effectRef idx="0">
-            <a:schemeClr val="accent1"/>
-          </a:effectRef>
-          <a:fontRef idx="minor">
-            <a:schemeClr val="tx1"/>
-          </a:fontRef>
-        </p:style>
-      </p:cxnSp>
-      <p:cxnSp>
-        <p:nvCxnSpPr>
-          <p:cNvPr id="196" name="직선 화살표 연결선 195">
-            <a:extLst>
-              <a:ext uri="{FF2B5EF4-FFF2-40B4-BE49-F238E27FC236}">
-                <a16:creationId xmlns:a16="http://schemas.microsoft.com/office/drawing/2014/main" id="{1D782898-47D7-467B-BFA2-F9CB96302889}"/>
-              </a:ext>
-            </a:extLst>
-          </p:cNvPr>
-          <p:cNvCxnSpPr>
-            <a:cxnSpLocks/>
-          </p:cNvCxnSpPr>
-          <p:nvPr/>
-        </p:nvCxnSpPr>
-        <p:spPr>
-          <a:xfrm flipV="1">
-            <a:off x="8227093" y="2139171"/>
-            <a:ext cx="0" cy="501184"/>
-          </a:xfrm>
-          <a:prstGeom prst="straightConnector1">
-            <a:avLst/>
-          </a:prstGeom>
-          <a:ln w="28575">
-            <a:solidFill>
-              <a:schemeClr val="accent3">
-                <a:lumMod val="75000"/>
-              </a:schemeClr>
-            </a:solidFill>
-            <a:headEnd type="none" w="med" len="med"/>
-            <a:tailEnd type="arrow" w="med" len="med"/>
-          </a:ln>
-        </p:spPr>
-        <p:style>
-          <a:lnRef idx="1">
-            <a:schemeClr val="accent1"/>
-          </a:lnRef>
-          <a:fillRef idx="0">
-            <a:schemeClr val="accent1"/>
-          </a:fillRef>
-          <a:effectRef idx="0">
-            <a:schemeClr val="accent1"/>
-          </a:effectRef>
-          <a:fontRef idx="minor">
-            <a:schemeClr val="tx1"/>
-          </a:fontRef>
-        </p:style>
-      </p:cxnSp>
-      <p:cxnSp>
-        <p:nvCxnSpPr>
-          <p:cNvPr id="197" name="직선 연결선 196">
-            <a:extLst>
-              <a:ext uri="{FF2B5EF4-FFF2-40B4-BE49-F238E27FC236}">
-                <a16:creationId xmlns:a16="http://schemas.microsoft.com/office/drawing/2014/main" id="{F54CD74A-D22B-44B4-80E5-DE7A66892009}"/>
-              </a:ext>
-            </a:extLst>
-          </p:cNvPr>
-          <p:cNvCxnSpPr>
-            <a:cxnSpLocks/>
-          </p:cNvCxnSpPr>
-          <p:nvPr/>
-        </p:nvCxnSpPr>
-        <p:spPr>
           <a:xfrm flipH="1">
-            <a:off x="1115616" y="4360754"/>
+            <a:off x="539552" y="4360754"/>
             <a:ext cx="398726" cy="0"/>
           </a:xfrm>
           <a:prstGeom prst="line">
@@ -7638,7 +7205,7 @@
         </p:nvSpPr>
         <p:spPr>
           <a:xfrm>
-            <a:off x="1514341" y="4227934"/>
+            <a:off x="938277" y="4227934"/>
             <a:ext cx="2121555" cy="276999"/>
           </a:xfrm>
           <a:prstGeom prst="rect">
@@ -7676,7 +7243,7 @@
         </p:nvCxnSpPr>
         <p:spPr>
           <a:xfrm flipH="1">
-            <a:off x="1115616" y="4644822"/>
+            <a:off x="539552" y="4644822"/>
             <a:ext cx="398726" cy="0"/>
           </a:xfrm>
           <a:prstGeom prst="line">
@@ -7718,7 +7285,7 @@
         </p:nvSpPr>
         <p:spPr>
           <a:xfrm>
-            <a:off x="1514341" y="4512002"/>
+            <a:off x="938277" y="4512002"/>
             <a:ext cx="2121555" cy="276999"/>
           </a:xfrm>
           <a:prstGeom prst="rect">
@@ -7756,7 +7323,7 @@
         </p:nvCxnSpPr>
         <p:spPr>
           <a:xfrm flipH="1">
-            <a:off x="4210021" y="4360754"/>
+            <a:off x="3633957" y="4360754"/>
             <a:ext cx="398726" cy="0"/>
           </a:xfrm>
           <a:prstGeom prst="line">
@@ -7800,7 +7367,7 @@
         </p:nvSpPr>
         <p:spPr>
           <a:xfrm>
-            <a:off x="4608746" y="4227934"/>
+            <a:off x="4032682" y="4227934"/>
             <a:ext cx="2121555" cy="276999"/>
           </a:xfrm>
           <a:prstGeom prst="rect">
@@ -7838,89 +7405,7 @@
         </p:nvCxnSpPr>
         <p:spPr>
           <a:xfrm flipH="1">
-            <a:off x="4210021" y="4644822"/>
-            <a:ext cx="398726" cy="0"/>
-          </a:xfrm>
-          <a:prstGeom prst="line">
-            <a:avLst/>
-          </a:prstGeom>
-          <a:ln w="28575">
-            <a:solidFill>
-              <a:schemeClr val="accent4"/>
-            </a:solidFill>
-            <a:prstDash val="solid"/>
-            <a:headEnd type="arrow" w="med" len="med"/>
-            <a:tailEnd type="none" w="med" len="med"/>
-          </a:ln>
-        </p:spPr>
-        <p:style>
-          <a:lnRef idx="1">
-            <a:schemeClr val="accent1"/>
-          </a:lnRef>
-          <a:fillRef idx="0">
-            <a:schemeClr val="accent1"/>
-          </a:fillRef>
-          <a:effectRef idx="0">
-            <a:schemeClr val="accent1"/>
-          </a:effectRef>
-          <a:fontRef idx="minor">
-            <a:schemeClr val="tx1"/>
-          </a:fontRef>
-        </p:style>
-      </p:cxnSp>
-      <p:sp>
-        <p:nvSpPr>
-          <p:cNvPr id="210" name="TextBox 209">
-            <a:extLst>
-              <a:ext uri="{FF2B5EF4-FFF2-40B4-BE49-F238E27FC236}">
-                <a16:creationId xmlns:a16="http://schemas.microsoft.com/office/drawing/2014/main" id="{6332B65D-B817-45AF-A560-42B3B88F6EAC}"/>
-              </a:ext>
-            </a:extLst>
-          </p:cNvPr>
-          <p:cNvSpPr txBox="1"/>
-          <p:nvPr/>
-        </p:nvSpPr>
-        <p:spPr>
-          <a:xfrm>
-            <a:off x="4608746" y="4512002"/>
-            <a:ext cx="2513474" cy="276999"/>
-          </a:xfrm>
-          <a:prstGeom prst="rect">
-            <a:avLst/>
-          </a:prstGeom>
-          <a:noFill/>
-        </p:spPr>
-        <p:txBody>
-          <a:bodyPr wrap="square" rtlCol="0" anchor="ctr">
-            <a:spAutoFit/>
-          </a:bodyPr>
-          <a:lstStyle/>
-          <a:p>
-            <a:r>
-              <a:rPr lang="en-US" altLang="ko-KR" sz="1200"/>
-              <a:t>HAProxy Heatlh, Member Health </a:t>
-            </a:r>
-            <a:endParaRPr lang="ko-KR" altLang="en-US" sz="1600"/>
-          </a:p>
-        </p:txBody>
-      </p:sp>
-      <p:cxnSp>
-        <p:nvCxnSpPr>
-          <p:cNvPr id="211" name="직선 연결선 210">
-            <a:extLst>
-              <a:ext uri="{FF2B5EF4-FFF2-40B4-BE49-F238E27FC236}">
-                <a16:creationId xmlns:a16="http://schemas.microsoft.com/office/drawing/2014/main" id="{46D6BEC2-99E1-450F-B426-99AAEB4D98C3}"/>
-              </a:ext>
-            </a:extLst>
-          </p:cNvPr>
-          <p:cNvCxnSpPr>
-            <a:cxnSpLocks/>
-          </p:cNvCxnSpPr>
-          <p:nvPr/>
-        </p:nvCxnSpPr>
-        <p:spPr>
-          <a:xfrm flipH="1">
-            <a:off x="6263218" y="4372756"/>
+            <a:off x="3633957" y="4644822"/>
             <a:ext cx="398726" cy="0"/>
           </a:xfrm>
           <a:prstGeom prst="line">
@@ -7954,10 +7439,10 @@
       </p:cxnSp>
       <p:sp>
         <p:nvSpPr>
-          <p:cNvPr id="212" name="TextBox 211">
-            <a:extLst>
-              <a:ext uri="{FF2B5EF4-FFF2-40B4-BE49-F238E27FC236}">
-                <a16:creationId xmlns:a16="http://schemas.microsoft.com/office/drawing/2014/main" id="{0615C39C-2265-485E-A33A-BC1FB3E0688E}"/>
+          <p:cNvPr id="210" name="TextBox 209">
+            <a:extLst>
+              <a:ext uri="{FF2B5EF4-FFF2-40B4-BE49-F238E27FC236}">
+                <a16:creationId xmlns:a16="http://schemas.microsoft.com/office/drawing/2014/main" id="{6332B65D-B817-45AF-A560-42B3B88F6EAC}"/>
               </a:ext>
             </a:extLst>
           </p:cNvPr>
@@ -7966,8 +7451,8 @@
         </p:nvSpPr>
         <p:spPr>
           <a:xfrm>
-            <a:off x="6661943" y="4239936"/>
-            <a:ext cx="1654473" cy="276999"/>
+            <a:off x="4032682" y="4512002"/>
+            <a:ext cx="2513474" cy="276999"/>
           </a:xfrm>
           <a:prstGeom prst="rect">
             <a:avLst/>
@@ -7982,7 +7467,1290 @@
           <a:p>
             <a:r>
               <a:rPr lang="en-US" altLang="ko-KR" sz="1200"/>
-              <a:t>Member Health </a:t>
+              <a:t>HAProxy Heatlh</a:t>
+            </a:r>
+            <a:endParaRPr lang="ko-KR" altLang="en-US" sz="1600"/>
+          </a:p>
+        </p:txBody>
+      </p:sp>
+      <p:cxnSp>
+        <p:nvCxnSpPr>
+          <p:cNvPr id="211" name="직선 연결선 210">
+            <a:extLst>
+              <a:ext uri="{FF2B5EF4-FFF2-40B4-BE49-F238E27FC236}">
+                <a16:creationId xmlns:a16="http://schemas.microsoft.com/office/drawing/2014/main" id="{46D6BEC2-99E1-450F-B426-99AAEB4D98C3}"/>
+              </a:ext>
+            </a:extLst>
+          </p:cNvPr>
+          <p:cNvCxnSpPr>
+            <a:cxnSpLocks/>
+          </p:cNvCxnSpPr>
+          <p:nvPr/>
+        </p:nvCxnSpPr>
+        <p:spPr>
+          <a:xfrm flipH="1">
+            <a:off x="5687154" y="4372756"/>
+            <a:ext cx="398726" cy="0"/>
+          </a:xfrm>
+          <a:prstGeom prst="line">
+            <a:avLst/>
+          </a:prstGeom>
+          <a:ln w="28575">
+            <a:solidFill>
+              <a:schemeClr val="accent4"/>
+            </a:solidFill>
+            <a:prstDash val="solid"/>
+            <a:headEnd type="arrow" w="med" len="med"/>
+            <a:tailEnd type="none" w="med" len="med"/>
+          </a:ln>
+        </p:spPr>
+        <p:style>
+          <a:lnRef idx="1">
+            <a:schemeClr val="accent1"/>
+          </a:lnRef>
+          <a:fillRef idx="0">
+            <a:schemeClr val="accent1"/>
+          </a:fillRef>
+          <a:effectRef idx="0">
+            <a:schemeClr val="accent1"/>
+          </a:effectRef>
+          <a:fontRef idx="minor">
+            <a:schemeClr val="tx1"/>
+          </a:fontRef>
+        </p:style>
+      </p:cxnSp>
+      <p:sp>
+        <p:nvSpPr>
+          <p:cNvPr id="212" name="TextBox 211">
+            <a:extLst>
+              <a:ext uri="{FF2B5EF4-FFF2-40B4-BE49-F238E27FC236}">
+                <a16:creationId xmlns:a16="http://schemas.microsoft.com/office/drawing/2014/main" id="{0615C39C-2265-485E-A33A-BC1FB3E0688E}"/>
+              </a:ext>
+            </a:extLst>
+          </p:cNvPr>
+          <p:cNvSpPr txBox="1"/>
+          <p:nvPr/>
+        </p:nvSpPr>
+        <p:spPr>
+          <a:xfrm>
+            <a:off x="6085879" y="4239936"/>
+            <a:ext cx="2513474" cy="276999"/>
+          </a:xfrm>
+          <a:prstGeom prst="rect">
+            <a:avLst/>
+          </a:prstGeom>
+          <a:noFill/>
+        </p:spPr>
+        <p:txBody>
+          <a:bodyPr wrap="square" rtlCol="0" anchor="ctr">
+            <a:spAutoFit/>
+          </a:bodyPr>
+          <a:lstStyle/>
+          <a:p>
+            <a:r>
+              <a:rPr lang="en-US" altLang="ko-KR" sz="1200"/>
+              <a:t>HAProxy Heatlh, Member Health </a:t>
+            </a:r>
+            <a:endParaRPr lang="ko-KR" altLang="en-US" sz="1600"/>
+          </a:p>
+        </p:txBody>
+      </p:sp>
+      <p:cxnSp>
+        <p:nvCxnSpPr>
+          <p:cNvPr id="66" name="직선 연결선 65">
+            <a:extLst>
+              <a:ext uri="{FF2B5EF4-FFF2-40B4-BE49-F238E27FC236}">
+                <a16:creationId xmlns:a16="http://schemas.microsoft.com/office/drawing/2014/main" id="{4B933B6E-0DC0-4033-9753-950ABDA86CF3}"/>
+              </a:ext>
+            </a:extLst>
+          </p:cNvPr>
+          <p:cNvCxnSpPr>
+            <a:cxnSpLocks/>
+            <a:stCxn id="8" idx="3"/>
+            <a:endCxn id="80" idx="1"/>
+          </p:cNvCxnSpPr>
+          <p:nvPr/>
+        </p:nvCxnSpPr>
+        <p:spPr>
+          <a:xfrm flipV="1">
+            <a:off x="3755312" y="1708929"/>
+            <a:ext cx="366485" cy="252549"/>
+          </a:xfrm>
+          <a:prstGeom prst="line">
+            <a:avLst/>
+          </a:prstGeom>
+          <a:ln w="28575">
+            <a:solidFill>
+              <a:schemeClr val="accent5"/>
+            </a:solidFill>
+            <a:prstDash val="solid"/>
+            <a:headEnd type="none" w="med" len="med"/>
+            <a:tailEnd type="arrow" w="med" len="med"/>
+          </a:ln>
+        </p:spPr>
+        <p:style>
+          <a:lnRef idx="1">
+            <a:schemeClr val="accent1"/>
+          </a:lnRef>
+          <a:fillRef idx="0">
+            <a:schemeClr val="accent1"/>
+          </a:fillRef>
+          <a:effectRef idx="0">
+            <a:schemeClr val="accent1"/>
+          </a:effectRef>
+          <a:fontRef idx="minor">
+            <a:schemeClr val="tx1"/>
+          </a:fontRef>
+        </p:style>
+      </p:cxnSp>
+      <p:sp>
+        <p:nvSpPr>
+          <p:cNvPr id="85" name="사각형: 둥근 모서리 84">
+            <a:extLst>
+              <a:ext uri="{FF2B5EF4-FFF2-40B4-BE49-F238E27FC236}">
+                <a16:creationId xmlns:a16="http://schemas.microsoft.com/office/drawing/2014/main" id="{32F69C41-0987-43B3-820F-334D7B80185E}"/>
+              </a:ext>
+            </a:extLst>
+          </p:cNvPr>
+          <p:cNvSpPr/>
+          <p:nvPr/>
+        </p:nvSpPr>
+        <p:spPr>
+          <a:xfrm>
+            <a:off x="222008" y="836164"/>
+            <a:ext cx="1761977" cy="302304"/>
+          </a:xfrm>
+          <a:prstGeom prst="roundRect">
+            <a:avLst>
+              <a:gd name="adj" fmla="val 18148"/>
+            </a:avLst>
+          </a:prstGeom>
+          <a:ln>
+            <a:prstDash val="solid"/>
+          </a:ln>
+        </p:spPr>
+        <p:style>
+          <a:lnRef idx="2">
+            <a:schemeClr val="dk1"/>
+          </a:lnRef>
+          <a:fillRef idx="1">
+            <a:schemeClr val="lt1"/>
+          </a:fillRef>
+          <a:effectRef idx="0">
+            <a:schemeClr val="dk1"/>
+          </a:effectRef>
+          <a:fontRef idx="minor">
+            <a:schemeClr val="dk1"/>
+          </a:fontRef>
+        </p:style>
+        <p:txBody>
+          <a:bodyPr rtlCol="0" anchor="ctr"/>
+          <a:lstStyle/>
+          <a:p>
+            <a:pPr algn="ctr"/>
+            <a:r>
+              <a:rPr lang="en-US" altLang="ko-KR" sz="1200"/>
+              <a:t>Octavia Client</a:t>
+            </a:r>
+            <a:endParaRPr lang="ko-KR" altLang="en-US" sz="1200"/>
+          </a:p>
+        </p:txBody>
+      </p:sp>
+      <p:cxnSp>
+        <p:nvCxnSpPr>
+          <p:cNvPr id="90" name="직선 화살표 연결선 89">
+            <a:extLst>
+              <a:ext uri="{FF2B5EF4-FFF2-40B4-BE49-F238E27FC236}">
+                <a16:creationId xmlns:a16="http://schemas.microsoft.com/office/drawing/2014/main" id="{4DD66E0E-D62A-4031-8FB8-7EE987AF68A6}"/>
+              </a:ext>
+            </a:extLst>
+          </p:cNvPr>
+          <p:cNvCxnSpPr>
+            <a:cxnSpLocks/>
+          </p:cNvCxnSpPr>
+          <p:nvPr/>
+        </p:nvCxnSpPr>
+        <p:spPr>
+          <a:xfrm flipH="1">
+            <a:off x="1331639" y="1138468"/>
+            <a:ext cx="1" cy="733674"/>
+          </a:xfrm>
+          <a:prstGeom prst="straightConnector1">
+            <a:avLst/>
+          </a:prstGeom>
+          <a:ln w="28575">
+            <a:solidFill>
+              <a:schemeClr val="tx1"/>
+            </a:solidFill>
+            <a:headEnd type="none" w="med" len="med"/>
+            <a:tailEnd type="arrow" w="med" len="med"/>
+          </a:ln>
+        </p:spPr>
+        <p:style>
+          <a:lnRef idx="1">
+            <a:schemeClr val="accent1"/>
+          </a:lnRef>
+          <a:fillRef idx="0">
+            <a:schemeClr val="accent1"/>
+          </a:fillRef>
+          <a:effectRef idx="0">
+            <a:schemeClr val="accent1"/>
+          </a:effectRef>
+          <a:fontRef idx="minor">
+            <a:schemeClr val="tx1"/>
+          </a:fontRef>
+        </p:style>
+      </p:cxnSp>
+      <p:sp>
+        <p:nvSpPr>
+          <p:cNvPr id="95" name="사각형: 둥근 모서리 94">
+            <a:extLst>
+              <a:ext uri="{FF2B5EF4-FFF2-40B4-BE49-F238E27FC236}">
+                <a16:creationId xmlns:a16="http://schemas.microsoft.com/office/drawing/2014/main" id="{BA15CF2E-18BE-4701-8168-12A654D14785}"/>
+              </a:ext>
+            </a:extLst>
+          </p:cNvPr>
+          <p:cNvSpPr/>
+          <p:nvPr/>
+        </p:nvSpPr>
+        <p:spPr>
+          <a:xfrm>
+            <a:off x="2694688" y="1318473"/>
+            <a:ext cx="1060560" cy="334702"/>
+          </a:xfrm>
+          <a:prstGeom prst="roundRect">
+            <a:avLst>
+              <a:gd name="adj" fmla="val 7190"/>
+            </a:avLst>
+          </a:prstGeom>
+        </p:spPr>
+        <p:style>
+          <a:lnRef idx="2">
+            <a:schemeClr val="dk1"/>
+          </a:lnRef>
+          <a:fillRef idx="1">
+            <a:schemeClr val="lt1"/>
+          </a:fillRef>
+          <a:effectRef idx="0">
+            <a:schemeClr val="dk1"/>
+          </a:effectRef>
+          <a:fontRef idx="minor">
+            <a:schemeClr val="dk1"/>
+          </a:fontRef>
+        </p:style>
+        <p:txBody>
+          <a:bodyPr rtlCol="0" anchor="ctr"/>
+          <a:lstStyle/>
+          <a:p>
+            <a:pPr algn="ctr"/>
+            <a:r>
+              <a:rPr lang="en-US" altLang="ko-KR" sz="1200"/>
+              <a:t>Unix Socket</a:t>
+            </a:r>
+            <a:endParaRPr lang="ko-KR" altLang="en-US" sz="1200"/>
+          </a:p>
+        </p:txBody>
+      </p:sp>
+      <p:sp>
+        <p:nvSpPr>
+          <p:cNvPr id="107" name="사각형: 둥근 모서리 106">
+            <a:extLst>
+              <a:ext uri="{FF2B5EF4-FFF2-40B4-BE49-F238E27FC236}">
+                <a16:creationId xmlns:a16="http://schemas.microsoft.com/office/drawing/2014/main" id="{9E5160E9-28D4-4BA1-8314-B76C9AED9918}"/>
+              </a:ext>
+            </a:extLst>
+          </p:cNvPr>
+          <p:cNvSpPr/>
+          <p:nvPr/>
+        </p:nvSpPr>
+        <p:spPr>
+          <a:xfrm>
+            <a:off x="4023232" y="1318474"/>
+            <a:ext cx="1176826" cy="863008"/>
+          </a:xfrm>
+          <a:prstGeom prst="roundRect">
+            <a:avLst>
+              <a:gd name="adj" fmla="val 7190"/>
+            </a:avLst>
+          </a:prstGeom>
+          <a:noFill/>
+          <a:ln>
+            <a:prstDash val="dash"/>
+          </a:ln>
+        </p:spPr>
+        <p:style>
+          <a:lnRef idx="2">
+            <a:schemeClr val="dk1"/>
+          </a:lnRef>
+          <a:fillRef idx="1">
+            <a:schemeClr val="lt1"/>
+          </a:fillRef>
+          <a:effectRef idx="0">
+            <a:schemeClr val="dk1"/>
+          </a:effectRef>
+          <a:fontRef idx="minor">
+            <a:schemeClr val="dk1"/>
+          </a:fontRef>
+        </p:style>
+        <p:txBody>
+          <a:bodyPr rtlCol="0" anchor="t"/>
+          <a:lstStyle/>
+          <a:p>
+            <a:pPr algn="ctr"/>
+            <a:r>
+              <a:rPr lang="en-US" altLang="ko-KR" sz="1000"/>
+              <a:t>HAProxy Net NS</a:t>
+            </a:r>
+            <a:endParaRPr lang="ko-KR" altLang="en-US" sz="1000"/>
+          </a:p>
+        </p:txBody>
+      </p:sp>
+      <p:sp>
+        <p:nvSpPr>
+          <p:cNvPr id="119" name="사각형: 둥근 모서리 118">
+            <a:extLst>
+              <a:ext uri="{FF2B5EF4-FFF2-40B4-BE49-F238E27FC236}">
+                <a16:creationId xmlns:a16="http://schemas.microsoft.com/office/drawing/2014/main" id="{F4AC009E-6F5F-4F0C-AC88-FA70ECC3A168}"/>
+              </a:ext>
+            </a:extLst>
+          </p:cNvPr>
+          <p:cNvSpPr/>
+          <p:nvPr/>
+        </p:nvSpPr>
+        <p:spPr>
+          <a:xfrm>
+            <a:off x="6126226" y="976701"/>
+            <a:ext cx="2734591" cy="1296144"/>
+          </a:xfrm>
+          <a:prstGeom prst="roundRect">
+            <a:avLst>
+              <a:gd name="adj" fmla="val 7190"/>
+            </a:avLst>
+          </a:prstGeom>
+        </p:spPr>
+        <p:style>
+          <a:lnRef idx="2">
+            <a:schemeClr val="dk1"/>
+          </a:lnRef>
+          <a:fillRef idx="1">
+            <a:schemeClr val="lt1"/>
+          </a:fillRef>
+          <a:effectRef idx="0">
+            <a:schemeClr val="dk1"/>
+          </a:effectRef>
+          <a:fontRef idx="minor">
+            <a:schemeClr val="dk1"/>
+          </a:fontRef>
+        </p:style>
+        <p:txBody>
+          <a:bodyPr rtlCol="0" anchor="t"/>
+          <a:lstStyle/>
+          <a:p>
+            <a:pPr algn="ctr"/>
+            <a:r>
+              <a:rPr lang="en-US" altLang="ko-KR" sz="1400"/>
+              <a:t>Amphora (Active, VIP) </a:t>
+            </a:r>
+            <a:endParaRPr lang="ko-KR" altLang="en-US" sz="1400"/>
+          </a:p>
+        </p:txBody>
+      </p:sp>
+      <p:sp>
+        <p:nvSpPr>
+          <p:cNvPr id="120" name="사각형: 둥근 모서리 119">
+            <a:extLst>
+              <a:ext uri="{FF2B5EF4-FFF2-40B4-BE49-F238E27FC236}">
+                <a16:creationId xmlns:a16="http://schemas.microsoft.com/office/drawing/2014/main" id="{25F074EC-0D45-4204-B9B2-B0E5D2E98952}"/>
+              </a:ext>
+            </a:extLst>
+          </p:cNvPr>
+          <p:cNvSpPr/>
+          <p:nvPr/>
+        </p:nvSpPr>
+        <p:spPr>
+          <a:xfrm>
+            <a:off x="7686534" y="1832742"/>
+            <a:ext cx="992147" cy="255424"/>
+          </a:xfrm>
+          <a:prstGeom prst="roundRect">
+            <a:avLst>
+              <a:gd name="adj" fmla="val 7190"/>
+            </a:avLst>
+          </a:prstGeom>
+        </p:spPr>
+        <p:style>
+          <a:lnRef idx="2">
+            <a:schemeClr val="dk1"/>
+          </a:lnRef>
+          <a:fillRef idx="1">
+            <a:schemeClr val="lt1"/>
+          </a:fillRef>
+          <a:effectRef idx="0">
+            <a:schemeClr val="dk1"/>
+          </a:effectRef>
+          <a:fontRef idx="minor">
+            <a:schemeClr val="dk1"/>
+          </a:fontRef>
+        </p:style>
+        <p:txBody>
+          <a:bodyPr rtlCol="0" anchor="ctr"/>
+          <a:lstStyle/>
+          <a:p>
+            <a:pPr algn="ctr"/>
+            <a:r>
+              <a:rPr lang="en-US" altLang="ko-KR" sz="1200"/>
+              <a:t>HAProxy</a:t>
+            </a:r>
+            <a:endParaRPr lang="ko-KR" altLang="en-US" sz="1200"/>
+          </a:p>
+        </p:txBody>
+      </p:sp>
+      <p:sp>
+        <p:nvSpPr>
+          <p:cNvPr id="121" name="사각형: 둥근 모서리 120">
+            <a:extLst>
+              <a:ext uri="{FF2B5EF4-FFF2-40B4-BE49-F238E27FC236}">
+                <a16:creationId xmlns:a16="http://schemas.microsoft.com/office/drawing/2014/main" id="{A9BB4DFE-C945-4F6E-BFED-298FBBCBBC57}"/>
+              </a:ext>
+            </a:extLst>
+          </p:cNvPr>
+          <p:cNvSpPr/>
+          <p:nvPr/>
+        </p:nvSpPr>
+        <p:spPr>
+          <a:xfrm>
+            <a:off x="6258513" y="1794127"/>
+            <a:ext cx="1061536" cy="334702"/>
+          </a:xfrm>
+          <a:prstGeom prst="roundRect">
+            <a:avLst>
+              <a:gd name="adj" fmla="val 7190"/>
+            </a:avLst>
+          </a:prstGeom>
+        </p:spPr>
+        <p:style>
+          <a:lnRef idx="2">
+            <a:schemeClr val="dk1"/>
+          </a:lnRef>
+          <a:fillRef idx="1">
+            <a:schemeClr val="lt1"/>
+          </a:fillRef>
+          <a:effectRef idx="0">
+            <a:schemeClr val="dk1"/>
+          </a:effectRef>
+          <a:fontRef idx="minor">
+            <a:schemeClr val="dk1"/>
+          </a:fontRef>
+        </p:style>
+        <p:txBody>
+          <a:bodyPr rtlCol="0" anchor="ctr"/>
+          <a:lstStyle/>
+          <a:p>
+            <a:pPr algn="ctr"/>
+            <a:r>
+              <a:rPr lang="en-US" altLang="ko-KR" sz="1200"/>
+              <a:t>Agent</a:t>
+            </a:r>
+            <a:endParaRPr lang="ko-KR" altLang="en-US" sz="1200"/>
+          </a:p>
+        </p:txBody>
+      </p:sp>
+      <p:cxnSp>
+        <p:nvCxnSpPr>
+          <p:cNvPr id="122" name="직선 화살표 연결선 121">
+            <a:extLst>
+              <a:ext uri="{FF2B5EF4-FFF2-40B4-BE49-F238E27FC236}">
+                <a16:creationId xmlns:a16="http://schemas.microsoft.com/office/drawing/2014/main" id="{8748BCEB-54E7-40B9-82EE-90B1DBA8E54E}"/>
+              </a:ext>
+            </a:extLst>
+          </p:cNvPr>
+          <p:cNvCxnSpPr>
+            <a:cxnSpLocks/>
+            <a:stCxn id="125" idx="2"/>
+            <a:endCxn id="121" idx="0"/>
+          </p:cNvCxnSpPr>
+          <p:nvPr/>
+        </p:nvCxnSpPr>
+        <p:spPr>
+          <a:xfrm flipH="1">
+            <a:off x="6789281" y="1653175"/>
+            <a:ext cx="424" cy="140952"/>
+          </a:xfrm>
+          <a:prstGeom prst="straightConnector1">
+            <a:avLst/>
+          </a:prstGeom>
+          <a:ln w="28575">
+            <a:solidFill>
+              <a:schemeClr val="accent4"/>
+            </a:solidFill>
+            <a:headEnd type="none" w="med" len="med"/>
+            <a:tailEnd type="arrow" w="med" len="med"/>
+          </a:ln>
+        </p:spPr>
+        <p:style>
+          <a:lnRef idx="1">
+            <a:schemeClr val="accent1"/>
+          </a:lnRef>
+          <a:fillRef idx="0">
+            <a:schemeClr val="accent1"/>
+          </a:fillRef>
+          <a:effectRef idx="0">
+            <a:schemeClr val="accent1"/>
+          </a:effectRef>
+          <a:fontRef idx="minor">
+            <a:schemeClr val="tx1"/>
+          </a:fontRef>
+        </p:style>
+      </p:cxnSp>
+      <p:cxnSp>
+        <p:nvCxnSpPr>
+          <p:cNvPr id="123" name="직선 화살표 연결선 122">
+            <a:extLst>
+              <a:ext uri="{FF2B5EF4-FFF2-40B4-BE49-F238E27FC236}">
+                <a16:creationId xmlns:a16="http://schemas.microsoft.com/office/drawing/2014/main" id="{477A7348-12B4-41A8-BEA5-60D200150F29}"/>
+              </a:ext>
+            </a:extLst>
+          </p:cNvPr>
+          <p:cNvCxnSpPr>
+            <a:cxnSpLocks/>
+            <a:stCxn id="120" idx="1"/>
+            <a:endCxn id="125" idx="3"/>
+          </p:cNvCxnSpPr>
+          <p:nvPr/>
+        </p:nvCxnSpPr>
+        <p:spPr>
+          <a:xfrm flipH="1" flipV="1">
+            <a:off x="7319985" y="1485824"/>
+            <a:ext cx="366549" cy="474630"/>
+          </a:xfrm>
+          <a:prstGeom prst="straightConnector1">
+            <a:avLst/>
+          </a:prstGeom>
+          <a:ln w="28575">
+            <a:solidFill>
+              <a:schemeClr val="accent4"/>
+            </a:solidFill>
+            <a:headEnd type="none" w="med" len="med"/>
+            <a:tailEnd type="arrow" w="med" len="med"/>
+          </a:ln>
+        </p:spPr>
+        <p:style>
+          <a:lnRef idx="1">
+            <a:schemeClr val="accent1"/>
+          </a:lnRef>
+          <a:fillRef idx="0">
+            <a:schemeClr val="accent1"/>
+          </a:fillRef>
+          <a:effectRef idx="0">
+            <a:schemeClr val="accent1"/>
+          </a:effectRef>
+          <a:fontRef idx="minor">
+            <a:schemeClr val="tx1"/>
+          </a:fontRef>
+        </p:style>
+      </p:cxnSp>
+      <p:cxnSp>
+        <p:nvCxnSpPr>
+          <p:cNvPr id="124" name="직선 연결선 123">
+            <a:extLst>
+              <a:ext uri="{FF2B5EF4-FFF2-40B4-BE49-F238E27FC236}">
+                <a16:creationId xmlns:a16="http://schemas.microsoft.com/office/drawing/2014/main" id="{F4EECF86-45B4-48AF-9C5D-0C0BC87AB90F}"/>
+              </a:ext>
+            </a:extLst>
+          </p:cNvPr>
+          <p:cNvCxnSpPr>
+            <a:cxnSpLocks/>
+            <a:stCxn id="121" idx="3"/>
+            <a:endCxn id="88" idx="1"/>
+          </p:cNvCxnSpPr>
+          <p:nvPr/>
+        </p:nvCxnSpPr>
+        <p:spPr>
+          <a:xfrm flipV="1">
+            <a:off x="7320049" y="1708929"/>
+            <a:ext cx="362169" cy="252549"/>
+          </a:xfrm>
+          <a:prstGeom prst="line">
+            <a:avLst/>
+          </a:prstGeom>
+          <a:ln w="28575">
+            <a:solidFill>
+              <a:schemeClr val="accent5"/>
+            </a:solidFill>
+            <a:prstDash val="solid"/>
+            <a:headEnd type="none" w="med" len="med"/>
+            <a:tailEnd type="arrow" w="med" len="med"/>
+          </a:ln>
+        </p:spPr>
+        <p:style>
+          <a:lnRef idx="1">
+            <a:schemeClr val="accent1"/>
+          </a:lnRef>
+          <a:fillRef idx="0">
+            <a:schemeClr val="accent1"/>
+          </a:fillRef>
+          <a:effectRef idx="0">
+            <a:schemeClr val="accent1"/>
+          </a:effectRef>
+          <a:fontRef idx="minor">
+            <a:schemeClr val="tx1"/>
+          </a:fontRef>
+        </p:style>
+      </p:cxnSp>
+      <p:sp>
+        <p:nvSpPr>
+          <p:cNvPr id="125" name="사각형: 둥근 모서리 124">
+            <a:extLst>
+              <a:ext uri="{FF2B5EF4-FFF2-40B4-BE49-F238E27FC236}">
+                <a16:creationId xmlns:a16="http://schemas.microsoft.com/office/drawing/2014/main" id="{5A3E6DE9-5163-4D13-A714-0A1D8EED8533}"/>
+              </a:ext>
+            </a:extLst>
+          </p:cNvPr>
+          <p:cNvSpPr/>
+          <p:nvPr/>
+        </p:nvSpPr>
+        <p:spPr>
+          <a:xfrm>
+            <a:off x="6259425" y="1318473"/>
+            <a:ext cx="1060560" cy="334702"/>
+          </a:xfrm>
+          <a:prstGeom prst="roundRect">
+            <a:avLst>
+              <a:gd name="adj" fmla="val 7190"/>
+            </a:avLst>
+          </a:prstGeom>
+        </p:spPr>
+        <p:style>
+          <a:lnRef idx="2">
+            <a:schemeClr val="dk1"/>
+          </a:lnRef>
+          <a:fillRef idx="1">
+            <a:schemeClr val="lt1"/>
+          </a:fillRef>
+          <a:effectRef idx="0">
+            <a:schemeClr val="dk1"/>
+          </a:effectRef>
+          <a:fontRef idx="minor">
+            <a:schemeClr val="dk1"/>
+          </a:fontRef>
+        </p:style>
+        <p:txBody>
+          <a:bodyPr rtlCol="0" anchor="ctr"/>
+          <a:lstStyle/>
+          <a:p>
+            <a:pPr algn="ctr"/>
+            <a:r>
+              <a:rPr lang="en-US" altLang="ko-KR" sz="1200"/>
+              <a:t>Unix Socket</a:t>
+            </a:r>
+            <a:endParaRPr lang="ko-KR" altLang="en-US" sz="1200"/>
+          </a:p>
+        </p:txBody>
+      </p:sp>
+      <p:sp>
+        <p:nvSpPr>
+          <p:cNvPr id="126" name="사각형: 둥근 모서리 125">
+            <a:extLst>
+              <a:ext uri="{FF2B5EF4-FFF2-40B4-BE49-F238E27FC236}">
+                <a16:creationId xmlns:a16="http://schemas.microsoft.com/office/drawing/2014/main" id="{328B610D-DAE3-46AB-A263-1201CAE9160F}"/>
+              </a:ext>
+            </a:extLst>
+          </p:cNvPr>
+          <p:cNvSpPr/>
+          <p:nvPr/>
+        </p:nvSpPr>
+        <p:spPr>
+          <a:xfrm>
+            <a:off x="7587969" y="1308530"/>
+            <a:ext cx="1176826" cy="872952"/>
+          </a:xfrm>
+          <a:prstGeom prst="roundRect">
+            <a:avLst>
+              <a:gd name="adj" fmla="val 7190"/>
+            </a:avLst>
+          </a:prstGeom>
+          <a:noFill/>
+          <a:ln>
+            <a:prstDash val="dash"/>
+          </a:ln>
+        </p:spPr>
+        <p:style>
+          <a:lnRef idx="2">
+            <a:schemeClr val="dk1"/>
+          </a:lnRef>
+          <a:fillRef idx="1">
+            <a:schemeClr val="lt1"/>
+          </a:fillRef>
+          <a:effectRef idx="0">
+            <a:schemeClr val="dk1"/>
+          </a:effectRef>
+          <a:fontRef idx="minor">
+            <a:schemeClr val="dk1"/>
+          </a:fontRef>
+        </p:style>
+        <p:txBody>
+          <a:bodyPr rtlCol="0" anchor="t"/>
+          <a:lstStyle/>
+          <a:p>
+            <a:pPr algn="ctr"/>
+            <a:r>
+              <a:rPr lang="en-US" altLang="ko-KR" sz="1000"/>
+              <a:t>HAProxy Net NS</a:t>
+            </a:r>
+            <a:endParaRPr lang="ko-KR" altLang="en-US" sz="1000"/>
+          </a:p>
+        </p:txBody>
+      </p:sp>
+      <p:cxnSp>
+        <p:nvCxnSpPr>
+          <p:cNvPr id="196" name="직선 화살표 연결선 195">
+            <a:extLst>
+              <a:ext uri="{FF2B5EF4-FFF2-40B4-BE49-F238E27FC236}">
+                <a16:creationId xmlns:a16="http://schemas.microsoft.com/office/drawing/2014/main" id="{1D782898-47D7-467B-BFA2-F9CB96302889}"/>
+              </a:ext>
+            </a:extLst>
+          </p:cNvPr>
+          <p:cNvCxnSpPr>
+            <a:cxnSpLocks/>
+            <a:endCxn id="120" idx="2"/>
+          </p:cNvCxnSpPr>
+          <p:nvPr/>
+        </p:nvCxnSpPr>
+        <p:spPr>
+          <a:xfrm flipV="1">
+            <a:off x="8182608" y="2088166"/>
+            <a:ext cx="0" cy="627600"/>
+          </a:xfrm>
+          <a:prstGeom prst="straightConnector1">
+            <a:avLst/>
+          </a:prstGeom>
+          <a:ln w="28575">
+            <a:solidFill>
+              <a:schemeClr val="accent3">
+                <a:lumMod val="75000"/>
+              </a:schemeClr>
+            </a:solidFill>
+            <a:headEnd type="none" w="med" len="med"/>
+            <a:tailEnd type="arrow" w="med" len="med"/>
+          </a:ln>
+        </p:spPr>
+        <p:style>
+          <a:lnRef idx="1">
+            <a:schemeClr val="accent1"/>
+          </a:lnRef>
+          <a:fillRef idx="0">
+            <a:schemeClr val="accent1"/>
+          </a:fillRef>
+          <a:effectRef idx="0">
+            <a:schemeClr val="accent1"/>
+          </a:effectRef>
+          <a:fontRef idx="minor">
+            <a:schemeClr val="tx1"/>
+          </a:fontRef>
+        </p:style>
+      </p:cxnSp>
+      <p:sp>
+        <p:nvSpPr>
+          <p:cNvPr id="80" name="사각형: 둥근 모서리 79">
+            <a:extLst>
+              <a:ext uri="{FF2B5EF4-FFF2-40B4-BE49-F238E27FC236}">
+                <a16:creationId xmlns:a16="http://schemas.microsoft.com/office/drawing/2014/main" id="{CF306DB9-70A1-4E82-9EEF-2883E3FDC358}"/>
+              </a:ext>
+            </a:extLst>
+          </p:cNvPr>
+          <p:cNvSpPr/>
+          <p:nvPr/>
+        </p:nvSpPr>
+        <p:spPr>
+          <a:xfrm>
+            <a:off x="4121797" y="1581217"/>
+            <a:ext cx="992147" cy="255424"/>
+          </a:xfrm>
+          <a:prstGeom prst="roundRect">
+            <a:avLst>
+              <a:gd name="adj" fmla="val 7190"/>
+            </a:avLst>
+          </a:prstGeom>
+        </p:spPr>
+        <p:style>
+          <a:lnRef idx="2">
+            <a:schemeClr val="dk1"/>
+          </a:lnRef>
+          <a:fillRef idx="1">
+            <a:schemeClr val="lt1"/>
+          </a:fillRef>
+          <a:effectRef idx="0">
+            <a:schemeClr val="dk1"/>
+          </a:effectRef>
+          <a:fontRef idx="minor">
+            <a:schemeClr val="dk1"/>
+          </a:fontRef>
+        </p:style>
+        <p:txBody>
+          <a:bodyPr rtlCol="0" anchor="ctr"/>
+          <a:lstStyle/>
+          <a:p>
+            <a:pPr algn="ctr"/>
+            <a:r>
+              <a:rPr lang="en-US" altLang="ko-KR" sz="1200"/>
+              <a:t>Config</a:t>
+            </a:r>
+            <a:endParaRPr lang="ko-KR" altLang="en-US" sz="1200"/>
+          </a:p>
+        </p:txBody>
+      </p:sp>
+      <p:sp>
+        <p:nvSpPr>
+          <p:cNvPr id="88" name="사각형: 둥근 모서리 87">
+            <a:extLst>
+              <a:ext uri="{FF2B5EF4-FFF2-40B4-BE49-F238E27FC236}">
+                <a16:creationId xmlns:a16="http://schemas.microsoft.com/office/drawing/2014/main" id="{AD03D375-EAF9-4C3B-9A4B-268E2E3E33F7}"/>
+              </a:ext>
+            </a:extLst>
+          </p:cNvPr>
+          <p:cNvSpPr/>
+          <p:nvPr/>
+        </p:nvSpPr>
+        <p:spPr>
+          <a:xfrm>
+            <a:off x="7682218" y="1581217"/>
+            <a:ext cx="992147" cy="255424"/>
+          </a:xfrm>
+          <a:prstGeom prst="roundRect">
+            <a:avLst>
+              <a:gd name="adj" fmla="val 7190"/>
+            </a:avLst>
+          </a:prstGeom>
+        </p:spPr>
+        <p:style>
+          <a:lnRef idx="2">
+            <a:schemeClr val="dk1"/>
+          </a:lnRef>
+          <a:fillRef idx="1">
+            <a:schemeClr val="lt1"/>
+          </a:fillRef>
+          <a:effectRef idx="0">
+            <a:schemeClr val="dk1"/>
+          </a:effectRef>
+          <a:fontRef idx="minor">
+            <a:schemeClr val="dk1"/>
+          </a:fontRef>
+        </p:style>
+        <p:txBody>
+          <a:bodyPr rtlCol="0" anchor="ctr"/>
+          <a:lstStyle/>
+          <a:p>
+            <a:pPr algn="ctr"/>
+            <a:r>
+              <a:rPr lang="en-US" altLang="ko-KR" sz="1200"/>
+              <a:t>Config</a:t>
+            </a:r>
+            <a:endParaRPr lang="ko-KR" altLang="en-US" sz="1200"/>
+          </a:p>
+        </p:txBody>
+      </p:sp>
+      <p:cxnSp>
+        <p:nvCxnSpPr>
+          <p:cNvPr id="91" name="직선 연결선 90">
+            <a:extLst>
+              <a:ext uri="{FF2B5EF4-FFF2-40B4-BE49-F238E27FC236}">
+                <a16:creationId xmlns:a16="http://schemas.microsoft.com/office/drawing/2014/main" id="{F2CFB9A1-CF11-4266-A76E-3EA0B703FFC6}"/>
+              </a:ext>
+            </a:extLst>
+          </p:cNvPr>
+          <p:cNvCxnSpPr>
+            <a:cxnSpLocks/>
+          </p:cNvCxnSpPr>
+          <p:nvPr/>
+        </p:nvCxnSpPr>
+        <p:spPr>
+          <a:xfrm flipV="1">
+            <a:off x="3440509" y="2128830"/>
+            <a:ext cx="0" cy="478986"/>
+          </a:xfrm>
+          <a:prstGeom prst="line">
+            <a:avLst/>
+          </a:prstGeom>
+          <a:ln w="28575">
+            <a:solidFill>
+              <a:schemeClr val="accent6">
+                <a:lumMod val="75000"/>
+              </a:schemeClr>
+            </a:solidFill>
+            <a:prstDash val="solid"/>
+            <a:headEnd type="none" w="med" len="med"/>
+            <a:tailEnd type="arrow" w="med" len="med"/>
+          </a:ln>
+        </p:spPr>
+        <p:style>
+          <a:lnRef idx="1">
+            <a:schemeClr val="accent1"/>
+          </a:lnRef>
+          <a:fillRef idx="0">
+            <a:schemeClr val="accent1"/>
+          </a:fillRef>
+          <a:effectRef idx="0">
+            <a:schemeClr val="accent1"/>
+          </a:effectRef>
+          <a:fontRef idx="minor">
+            <a:schemeClr val="tx1"/>
+          </a:fontRef>
+        </p:style>
+      </p:cxnSp>
+      <p:cxnSp>
+        <p:nvCxnSpPr>
+          <p:cNvPr id="184" name="직선 연결선 183">
+            <a:extLst>
+              <a:ext uri="{FF2B5EF4-FFF2-40B4-BE49-F238E27FC236}">
+                <a16:creationId xmlns:a16="http://schemas.microsoft.com/office/drawing/2014/main" id="{73301562-F40D-4A72-9D6C-246C27FD271A}"/>
+              </a:ext>
+            </a:extLst>
+          </p:cNvPr>
+          <p:cNvCxnSpPr>
+            <a:cxnSpLocks/>
+          </p:cNvCxnSpPr>
+          <p:nvPr/>
+        </p:nvCxnSpPr>
+        <p:spPr>
+          <a:xfrm flipV="1">
+            <a:off x="6588224" y="2128830"/>
+            <a:ext cx="0" cy="692852"/>
+          </a:xfrm>
+          <a:prstGeom prst="line">
+            <a:avLst/>
+          </a:prstGeom>
+          <a:ln w="28575">
+            <a:solidFill>
+              <a:schemeClr val="accent4"/>
+            </a:solidFill>
+            <a:headEnd type="none" w="med" len="med"/>
+            <a:tailEnd type="none" w="med" len="med"/>
+          </a:ln>
+        </p:spPr>
+        <p:style>
+          <a:lnRef idx="1">
+            <a:schemeClr val="accent1"/>
+          </a:lnRef>
+          <a:fillRef idx="0">
+            <a:schemeClr val="accent1"/>
+          </a:fillRef>
+          <a:effectRef idx="0">
+            <a:schemeClr val="accent1"/>
+          </a:effectRef>
+          <a:fontRef idx="minor">
+            <a:schemeClr val="tx1"/>
+          </a:fontRef>
+        </p:style>
+      </p:cxnSp>
+      <p:cxnSp>
+        <p:nvCxnSpPr>
+          <p:cNvPr id="191" name="직선 연결선 190">
+            <a:extLst>
+              <a:ext uri="{FF2B5EF4-FFF2-40B4-BE49-F238E27FC236}">
+                <a16:creationId xmlns:a16="http://schemas.microsoft.com/office/drawing/2014/main" id="{5684EDFB-4A0B-4A94-8E2D-4EB55C8B6E54}"/>
+              </a:ext>
+            </a:extLst>
+          </p:cNvPr>
+          <p:cNvCxnSpPr>
+            <a:cxnSpLocks/>
+          </p:cNvCxnSpPr>
+          <p:nvPr/>
+        </p:nvCxnSpPr>
+        <p:spPr>
+          <a:xfrm flipV="1">
+            <a:off x="6795041" y="2128829"/>
+            <a:ext cx="0" cy="370122"/>
+          </a:xfrm>
+          <a:prstGeom prst="line">
+            <a:avLst/>
+          </a:prstGeom>
+          <a:ln w="28575">
+            <a:solidFill>
+              <a:schemeClr val="accent5"/>
+            </a:solidFill>
+            <a:prstDash val="solid"/>
+            <a:headEnd type="none" w="med" len="med"/>
+            <a:tailEnd type="arrow" w="med" len="med"/>
+          </a:ln>
+        </p:spPr>
+        <p:style>
+          <a:lnRef idx="1">
+            <a:schemeClr val="accent1"/>
+          </a:lnRef>
+          <a:fillRef idx="0">
+            <a:schemeClr val="accent1"/>
+          </a:fillRef>
+          <a:effectRef idx="0">
+            <a:schemeClr val="accent1"/>
+          </a:effectRef>
+          <a:fontRef idx="minor">
+            <a:schemeClr val="tx1"/>
+          </a:fontRef>
+        </p:style>
+      </p:cxnSp>
+      <p:cxnSp>
+        <p:nvCxnSpPr>
+          <p:cNvPr id="100" name="직선 연결선 99">
+            <a:extLst>
+              <a:ext uri="{FF2B5EF4-FFF2-40B4-BE49-F238E27FC236}">
+                <a16:creationId xmlns:a16="http://schemas.microsoft.com/office/drawing/2014/main" id="{93BC92EE-2AF2-442C-86FE-B865DF9200A1}"/>
+              </a:ext>
+            </a:extLst>
+          </p:cNvPr>
+          <p:cNvCxnSpPr>
+            <a:cxnSpLocks/>
+          </p:cNvCxnSpPr>
+          <p:nvPr/>
+        </p:nvCxnSpPr>
+        <p:spPr>
+          <a:xfrm>
+            <a:off x="2267744" y="2607816"/>
+            <a:ext cx="4735113" cy="0"/>
+          </a:xfrm>
+          <a:prstGeom prst="line">
+            <a:avLst/>
+          </a:prstGeom>
+          <a:ln w="28575">
+            <a:solidFill>
+              <a:schemeClr val="accent6">
+                <a:lumMod val="75000"/>
+              </a:schemeClr>
+            </a:solidFill>
+          </a:ln>
+        </p:spPr>
+        <p:style>
+          <a:lnRef idx="1">
+            <a:schemeClr val="accent1"/>
+          </a:lnRef>
+          <a:fillRef idx="0">
+            <a:schemeClr val="accent1"/>
+          </a:fillRef>
+          <a:effectRef idx="0">
+            <a:schemeClr val="accent1"/>
+          </a:effectRef>
+          <a:fontRef idx="minor">
+            <a:schemeClr val="tx1"/>
+          </a:fontRef>
+        </p:style>
+      </p:cxnSp>
+      <p:cxnSp>
+        <p:nvCxnSpPr>
+          <p:cNvPr id="104" name="직선 연결선 103">
+            <a:extLst>
+              <a:ext uri="{FF2B5EF4-FFF2-40B4-BE49-F238E27FC236}">
+                <a16:creationId xmlns:a16="http://schemas.microsoft.com/office/drawing/2014/main" id="{C247063C-9814-4F22-9C32-359668E2BD81}"/>
+              </a:ext>
+            </a:extLst>
+          </p:cNvPr>
+          <p:cNvCxnSpPr>
+            <a:cxnSpLocks/>
+          </p:cNvCxnSpPr>
+          <p:nvPr/>
+        </p:nvCxnSpPr>
+        <p:spPr>
+          <a:xfrm flipV="1">
+            <a:off x="7002857" y="2128830"/>
+            <a:ext cx="0" cy="478986"/>
+          </a:xfrm>
+          <a:prstGeom prst="line">
+            <a:avLst/>
+          </a:prstGeom>
+          <a:ln w="28575">
+            <a:solidFill>
+              <a:schemeClr val="accent6">
+                <a:lumMod val="75000"/>
+              </a:schemeClr>
+            </a:solidFill>
+            <a:prstDash val="solid"/>
+            <a:headEnd type="none" w="med" len="med"/>
+            <a:tailEnd type="arrow" w="med" len="med"/>
+          </a:ln>
+        </p:spPr>
+        <p:style>
+          <a:lnRef idx="1">
+            <a:schemeClr val="accent1"/>
+          </a:lnRef>
+          <a:fillRef idx="0">
+            <a:schemeClr val="accent1"/>
+          </a:fillRef>
+          <a:effectRef idx="0">
+            <a:schemeClr val="accent1"/>
+          </a:effectRef>
+          <a:fontRef idx="minor">
+            <a:schemeClr val="tx1"/>
+          </a:fontRef>
+        </p:style>
+      </p:cxnSp>
+      <p:cxnSp>
+        <p:nvCxnSpPr>
+          <p:cNvPr id="110" name="직선 연결선 109">
+            <a:extLst>
+              <a:ext uri="{FF2B5EF4-FFF2-40B4-BE49-F238E27FC236}">
+                <a16:creationId xmlns:a16="http://schemas.microsoft.com/office/drawing/2014/main" id="{C118DBA6-B110-4533-B4BD-A98D5B69BDA4}"/>
+              </a:ext>
+            </a:extLst>
+          </p:cNvPr>
+          <p:cNvCxnSpPr>
+            <a:cxnSpLocks/>
+            <a:stCxn id="41" idx="3"/>
+          </p:cNvCxnSpPr>
+          <p:nvPr/>
+        </p:nvCxnSpPr>
+        <p:spPr>
+          <a:xfrm>
+            <a:off x="1872208" y="3328778"/>
+            <a:ext cx="395536" cy="0"/>
+          </a:xfrm>
+          <a:prstGeom prst="line">
+            <a:avLst/>
+          </a:prstGeom>
+          <a:ln w="28575">
+            <a:solidFill>
+              <a:schemeClr val="accent6">
+                <a:lumMod val="75000"/>
+              </a:schemeClr>
+            </a:solidFill>
+          </a:ln>
+        </p:spPr>
+        <p:style>
+          <a:lnRef idx="1">
+            <a:schemeClr val="accent1"/>
+          </a:lnRef>
+          <a:fillRef idx="0">
+            <a:schemeClr val="accent1"/>
+          </a:fillRef>
+          <a:effectRef idx="0">
+            <a:schemeClr val="accent1"/>
+          </a:effectRef>
+          <a:fontRef idx="minor">
+            <a:schemeClr val="tx1"/>
+          </a:fontRef>
+        </p:style>
+      </p:cxnSp>
+      <p:cxnSp>
+        <p:nvCxnSpPr>
+          <p:cNvPr id="114" name="직선 연결선 113">
+            <a:extLst>
+              <a:ext uri="{FF2B5EF4-FFF2-40B4-BE49-F238E27FC236}">
+                <a16:creationId xmlns:a16="http://schemas.microsoft.com/office/drawing/2014/main" id="{DF4251A8-DC0C-4845-8E85-8810884C47AE}"/>
+              </a:ext>
+            </a:extLst>
+          </p:cNvPr>
+          <p:cNvCxnSpPr>
+            <a:cxnSpLocks/>
+          </p:cNvCxnSpPr>
+          <p:nvPr/>
+        </p:nvCxnSpPr>
+        <p:spPr>
+          <a:xfrm flipV="1">
+            <a:off x="2267744" y="2607816"/>
+            <a:ext cx="0" cy="720962"/>
+          </a:xfrm>
+          <a:prstGeom prst="line">
+            <a:avLst/>
+          </a:prstGeom>
+          <a:ln w="28575">
+            <a:solidFill>
+              <a:schemeClr val="accent6">
+                <a:lumMod val="75000"/>
+              </a:schemeClr>
+            </a:solidFill>
+          </a:ln>
+        </p:spPr>
+        <p:style>
+          <a:lnRef idx="1">
+            <a:schemeClr val="accent1"/>
+          </a:lnRef>
+          <a:fillRef idx="0">
+            <a:schemeClr val="accent1"/>
+          </a:fillRef>
+          <a:effectRef idx="0">
+            <a:schemeClr val="accent1"/>
+          </a:effectRef>
+          <a:fontRef idx="minor">
+            <a:schemeClr val="tx1"/>
+          </a:fontRef>
+        </p:style>
+      </p:cxnSp>
+      <p:cxnSp>
+        <p:nvCxnSpPr>
+          <p:cNvPr id="116" name="직선 연결선 115">
+            <a:extLst>
+              <a:ext uri="{FF2B5EF4-FFF2-40B4-BE49-F238E27FC236}">
+                <a16:creationId xmlns:a16="http://schemas.microsoft.com/office/drawing/2014/main" id="{B6FEC550-87A1-4208-94AA-D7E1B990373D}"/>
+              </a:ext>
+            </a:extLst>
+          </p:cNvPr>
+          <p:cNvCxnSpPr>
+            <a:cxnSpLocks/>
+          </p:cNvCxnSpPr>
+          <p:nvPr/>
+        </p:nvCxnSpPr>
+        <p:spPr>
+          <a:xfrm flipH="1">
+            <a:off x="5687155" y="4644822"/>
+            <a:ext cx="398726" cy="0"/>
+          </a:xfrm>
+          <a:prstGeom prst="line">
+            <a:avLst/>
+          </a:prstGeom>
+          <a:ln w="28575">
+            <a:solidFill>
+              <a:schemeClr val="accent6">
+                <a:lumMod val="75000"/>
+              </a:schemeClr>
+            </a:solidFill>
+            <a:prstDash val="solid"/>
+            <a:headEnd type="arrow" w="med" len="med"/>
+            <a:tailEnd type="none" w="med" len="med"/>
+          </a:ln>
+        </p:spPr>
+        <p:style>
+          <a:lnRef idx="1">
+            <a:schemeClr val="accent1"/>
+          </a:lnRef>
+          <a:fillRef idx="0">
+            <a:schemeClr val="accent1"/>
+          </a:fillRef>
+          <a:effectRef idx="0">
+            <a:schemeClr val="accent1"/>
+          </a:effectRef>
+          <a:fontRef idx="minor">
+            <a:schemeClr val="tx1"/>
+          </a:fontRef>
+        </p:style>
+      </p:cxnSp>
+      <p:sp>
+        <p:nvSpPr>
+          <p:cNvPr id="117" name="TextBox 116">
+            <a:extLst>
+              <a:ext uri="{FF2B5EF4-FFF2-40B4-BE49-F238E27FC236}">
+                <a16:creationId xmlns:a16="http://schemas.microsoft.com/office/drawing/2014/main" id="{120411D3-478A-4A7B-A70E-1B4D7D8654A3}"/>
+              </a:ext>
+            </a:extLst>
+          </p:cNvPr>
+          <p:cNvSpPr txBox="1"/>
+          <p:nvPr/>
+        </p:nvSpPr>
+        <p:spPr>
+          <a:xfrm>
+            <a:off x="6085880" y="4512002"/>
+            <a:ext cx="2513474" cy="276999"/>
+          </a:xfrm>
+          <a:prstGeom prst="rect">
+            <a:avLst/>
+          </a:prstGeom>
+          <a:noFill/>
+        </p:spPr>
+        <p:txBody>
+          <a:bodyPr wrap="square" rtlCol="0" anchor="ctr">
+            <a:spAutoFit/>
+          </a:bodyPr>
+          <a:lstStyle/>
+          <a:p>
+            <a:r>
+              <a:rPr lang="en-US" altLang="ko-KR" sz="1200"/>
+              <a:t>Root CA, Certificate</a:t>
             </a:r>
             <a:endParaRPr lang="ko-KR" altLang="en-US" sz="1600"/>
           </a:p>
